--- a/魏华敬-硕士答辩2020年6月.pptx
+++ b/魏华敬-硕士答辩2020年6月.pptx
@@ -5,42 +5,43 @@
     <p:sldMasterId id="2147483648" r:id="rId1"/>
   </p:sldMasterIdLst>
   <p:notesMasterIdLst>
-    <p:notesMasterId r:id="rId35"/>
+    <p:notesMasterId r:id="rId36"/>
   </p:notesMasterIdLst>
   <p:sldIdLst>
     <p:sldId id="263" r:id="rId2"/>
     <p:sldId id="300" r:id="rId3"/>
     <p:sldId id="351" r:id="rId4"/>
-    <p:sldId id="274" r:id="rId5"/>
-    <p:sldId id="330" r:id="rId6"/>
-    <p:sldId id="329" r:id="rId7"/>
-    <p:sldId id="331" r:id="rId8"/>
-    <p:sldId id="352" r:id="rId9"/>
-    <p:sldId id="282" r:id="rId10"/>
-    <p:sldId id="334" r:id="rId11"/>
-    <p:sldId id="333" r:id="rId12"/>
-    <p:sldId id="328" r:id="rId13"/>
-    <p:sldId id="335" r:id="rId14"/>
-    <p:sldId id="336" r:id="rId15"/>
-    <p:sldId id="337" r:id="rId16"/>
-    <p:sldId id="338" r:id="rId17"/>
-    <p:sldId id="339" r:id="rId18"/>
-    <p:sldId id="340" r:id="rId19"/>
-    <p:sldId id="341" r:id="rId20"/>
-    <p:sldId id="342" r:id="rId21"/>
-    <p:sldId id="343" r:id="rId22"/>
-    <p:sldId id="344" r:id="rId23"/>
-    <p:sldId id="297" r:id="rId24"/>
-    <p:sldId id="345" r:id="rId25"/>
-    <p:sldId id="347" r:id="rId26"/>
-    <p:sldId id="346" r:id="rId27"/>
-    <p:sldId id="286" r:id="rId28"/>
-    <p:sldId id="348" r:id="rId29"/>
-    <p:sldId id="349" r:id="rId30"/>
-    <p:sldId id="350" r:id="rId31"/>
-    <p:sldId id="353" r:id="rId32"/>
-    <p:sldId id="326" r:id="rId33"/>
-    <p:sldId id="272" r:id="rId34"/>
+    <p:sldId id="354" r:id="rId5"/>
+    <p:sldId id="355" r:id="rId6"/>
+    <p:sldId id="274" r:id="rId7"/>
+    <p:sldId id="330" r:id="rId8"/>
+    <p:sldId id="329" r:id="rId9"/>
+    <p:sldId id="331" r:id="rId10"/>
+    <p:sldId id="352" r:id="rId11"/>
+    <p:sldId id="282" r:id="rId12"/>
+    <p:sldId id="334" r:id="rId13"/>
+    <p:sldId id="333" r:id="rId14"/>
+    <p:sldId id="328" r:id="rId15"/>
+    <p:sldId id="335" r:id="rId16"/>
+    <p:sldId id="336" r:id="rId17"/>
+    <p:sldId id="337" r:id="rId18"/>
+    <p:sldId id="338" r:id="rId19"/>
+    <p:sldId id="339" r:id="rId20"/>
+    <p:sldId id="340" r:id="rId21"/>
+    <p:sldId id="341" r:id="rId22"/>
+    <p:sldId id="342" r:id="rId23"/>
+    <p:sldId id="343" r:id="rId24"/>
+    <p:sldId id="344" r:id="rId25"/>
+    <p:sldId id="297" r:id="rId26"/>
+    <p:sldId id="345" r:id="rId27"/>
+    <p:sldId id="347" r:id="rId28"/>
+    <p:sldId id="346" r:id="rId29"/>
+    <p:sldId id="286" r:id="rId30"/>
+    <p:sldId id="348" r:id="rId31"/>
+    <p:sldId id="349" r:id="rId32"/>
+    <p:sldId id="350" r:id="rId33"/>
+    <p:sldId id="353" r:id="rId34"/>
+    <p:sldId id="272" r:id="rId35"/>
   </p:sldIdLst>
   <p:sldSz cx="12192000" cy="6858000"/>
   <p:notesSz cx="6858000" cy="9144000"/>
@@ -229,7 +230,7 @@
           <a:p>
             <a:fld id="{1E33A845-C127-4FD0-BB99-A93A72E0DC55}" type="datetimeFigureOut">
               <a:rPr lang="zh-CN" altLang="en-US" smtClean="0"/>
-              <a:t>2020/6/14</a:t>
+              <a:t>2020/6/18</a:t>
             </a:fld>
             <a:endParaRPr lang="zh-CN" altLang="en-US"/>
           </a:p>
@@ -561,7 +562,7 @@
           <a:p>
             <a:fld id="{6F6891AA-A175-42AA-B6D9-04D79A0FE050}" type="slidenum">
               <a:rPr lang="zh-CN" altLang="en-US" smtClean="0"/>
-              <a:t>13</a:t>
+              <a:t>15</a:t>
             </a:fld>
             <a:endParaRPr lang="zh-CN" altLang="en-US"/>
           </a:p>
@@ -645,7 +646,7 @@
           <a:p>
             <a:fld id="{6F6891AA-A175-42AA-B6D9-04D79A0FE050}" type="slidenum">
               <a:rPr lang="zh-CN" altLang="en-US" smtClean="0"/>
-              <a:t>18</a:t>
+              <a:t>20</a:t>
             </a:fld>
             <a:endParaRPr lang="zh-CN" altLang="en-US"/>
           </a:p>
@@ -729,7 +730,7 @@
           <a:p>
             <a:fld id="{6F6891AA-A175-42AA-B6D9-04D79A0FE050}" type="slidenum">
               <a:rPr lang="zh-CN" altLang="en-US" smtClean="0"/>
-              <a:t>19</a:t>
+              <a:t>21</a:t>
             </a:fld>
             <a:endParaRPr lang="zh-CN" altLang="en-US"/>
           </a:p>
@@ -813,7 +814,7 @@
           <a:p>
             <a:fld id="{6F6891AA-A175-42AA-B6D9-04D79A0FE050}" type="slidenum">
               <a:rPr lang="zh-CN" altLang="en-US" smtClean="0"/>
-              <a:t>20</a:t>
+              <a:t>22</a:t>
             </a:fld>
             <a:endParaRPr lang="zh-CN" altLang="en-US"/>
           </a:p>
@@ -897,7 +898,7 @@
           <a:p>
             <a:fld id="{6F6891AA-A175-42AA-B6D9-04D79A0FE050}" type="slidenum">
               <a:rPr lang="zh-CN" altLang="en-US" smtClean="0"/>
-              <a:t>21</a:t>
+              <a:t>23</a:t>
             </a:fld>
             <a:endParaRPr lang="zh-CN" altLang="en-US"/>
           </a:p>
@@ -981,7 +982,7 @@
           <a:p>
             <a:fld id="{6F6891AA-A175-42AA-B6D9-04D79A0FE050}" type="slidenum">
               <a:rPr lang="zh-CN" altLang="en-US" smtClean="0"/>
-              <a:t>22</a:t>
+              <a:t>24</a:t>
             </a:fld>
             <a:endParaRPr lang="zh-CN" altLang="en-US"/>
           </a:p>
@@ -1129,7 +1130,7 @@
           <a:p>
             <a:fld id="{6BB8F4E7-52F0-41BB-B8C5-81CE8B0F52B9}" type="datetimeFigureOut">
               <a:rPr lang="zh-CN" altLang="en-US" smtClean="0"/>
-              <a:t>2020/6/14</a:t>
+              <a:t>2020/6/18</a:t>
             </a:fld>
             <a:endParaRPr lang="zh-CN" altLang="en-US"/>
           </a:p>
@@ -1309,7 +1310,7 @@
           <a:p>
             <a:fld id="{6BB8F4E7-52F0-41BB-B8C5-81CE8B0F52B9}" type="datetimeFigureOut">
               <a:rPr lang="zh-CN" altLang="en-US" smtClean="0"/>
-              <a:t>2020/6/14</a:t>
+              <a:t>2020/6/18</a:t>
             </a:fld>
             <a:endParaRPr lang="zh-CN" altLang="en-US"/>
           </a:p>
@@ -1499,7 +1500,7 @@
           <a:p>
             <a:fld id="{6BB8F4E7-52F0-41BB-B8C5-81CE8B0F52B9}" type="datetimeFigureOut">
               <a:rPr lang="zh-CN" altLang="en-US" smtClean="0"/>
-              <a:t>2020/6/14</a:t>
+              <a:t>2020/6/18</a:t>
             </a:fld>
             <a:endParaRPr lang="zh-CN" altLang="en-US"/>
           </a:p>
@@ -1679,7 +1680,7 @@
           <a:p>
             <a:fld id="{6BB8F4E7-52F0-41BB-B8C5-81CE8B0F52B9}" type="datetimeFigureOut">
               <a:rPr lang="zh-CN" altLang="en-US" smtClean="0"/>
-              <a:t>2020/6/14</a:t>
+              <a:t>2020/6/18</a:t>
             </a:fld>
             <a:endParaRPr lang="zh-CN" altLang="en-US"/>
           </a:p>
@@ -1936,7 +1937,7 @@
           <a:p>
             <a:fld id="{6BB8F4E7-52F0-41BB-B8C5-81CE8B0F52B9}" type="datetimeFigureOut">
               <a:rPr lang="zh-CN" altLang="en-US" smtClean="0"/>
-              <a:t>2020/6/14</a:t>
+              <a:t>2020/6/18</a:t>
             </a:fld>
             <a:endParaRPr lang="zh-CN" altLang="en-US"/>
           </a:p>
@@ -2177,7 +2178,7 @@
           <a:p>
             <a:fld id="{6BB8F4E7-52F0-41BB-B8C5-81CE8B0F52B9}" type="datetimeFigureOut">
               <a:rPr lang="zh-CN" altLang="en-US" smtClean="0"/>
-              <a:t>2020/6/14</a:t>
+              <a:t>2020/6/18</a:t>
             </a:fld>
             <a:endParaRPr lang="zh-CN" altLang="en-US"/>
           </a:p>
@@ -2553,7 +2554,7 @@
           <a:p>
             <a:fld id="{6BB8F4E7-52F0-41BB-B8C5-81CE8B0F52B9}" type="datetimeFigureOut">
               <a:rPr lang="zh-CN" altLang="en-US" smtClean="0"/>
-              <a:t>2020/6/14</a:t>
+              <a:t>2020/6/18</a:t>
             </a:fld>
             <a:endParaRPr lang="zh-CN" altLang="en-US"/>
           </a:p>
@@ -2682,7 +2683,7 @@
           <a:p>
             <a:fld id="{6BB8F4E7-52F0-41BB-B8C5-81CE8B0F52B9}" type="datetimeFigureOut">
               <a:rPr lang="zh-CN" altLang="en-US" smtClean="0"/>
-              <a:t>2020/6/14</a:t>
+              <a:t>2020/6/18</a:t>
             </a:fld>
             <a:endParaRPr lang="zh-CN" altLang="en-US"/>
           </a:p>
@@ -2789,7 +2790,7 @@
           <a:p>
             <a:fld id="{6BB8F4E7-52F0-41BB-B8C5-81CE8B0F52B9}" type="datetimeFigureOut">
               <a:rPr lang="zh-CN" altLang="en-US" smtClean="0"/>
-              <a:t>2020/6/14</a:t>
+              <a:t>2020/6/18</a:t>
             </a:fld>
             <a:endParaRPr lang="zh-CN" altLang="en-US"/>
           </a:p>
@@ -3076,7 +3077,7 @@
           <a:p>
             <a:fld id="{6BB8F4E7-52F0-41BB-B8C5-81CE8B0F52B9}" type="datetimeFigureOut">
               <a:rPr lang="zh-CN" altLang="en-US" smtClean="0"/>
-              <a:t>2020/6/14</a:t>
+              <a:t>2020/6/18</a:t>
             </a:fld>
             <a:endParaRPr lang="zh-CN" altLang="en-US"/>
           </a:p>
@@ -3340,7 +3341,7 @@
           <a:p>
             <a:fld id="{6BB8F4E7-52F0-41BB-B8C5-81CE8B0F52B9}" type="datetimeFigureOut">
               <a:rPr lang="zh-CN" altLang="en-US" smtClean="0"/>
-              <a:t>2020/6/14</a:t>
+              <a:t>2020/6/18</a:t>
             </a:fld>
             <a:endParaRPr lang="zh-CN" altLang="en-US"/>
           </a:p>
@@ -3563,7 +3564,7 @@
           <a:p>
             <a:fld id="{6BB8F4E7-52F0-41BB-B8C5-81CE8B0F52B9}" type="datetimeFigureOut">
               <a:rPr lang="zh-CN" altLang="en-US" smtClean="0"/>
-              <a:t>2020/6/14</a:t>
+              <a:t>2020/6/18</a:t>
             </a:fld>
             <a:endParaRPr lang="zh-CN" altLang="en-US"/>
           </a:p>
@@ -4282,7 +4283,7 @@
               <a:rPr lang="en-US" altLang="zh-CN" sz="4000" dirty="0">
                 <a:latin typeface="Bahnschrift SemiLight" panose="020B0502040204020203" pitchFamily="34" charset="0"/>
               </a:rPr>
-              <a:t>Rasterization</a:t>
+              <a:t>Content</a:t>
             </a:r>
             <a:endParaRPr lang="zh-CN" altLang="en-US" sz="4000" dirty="0">
               <a:latin typeface="Bahnschrift SemiLight" panose="020B0502040204020203" pitchFamily="34" charset="0"/>
@@ -4290,222 +4291,61 @@
           </a:p>
         </p:txBody>
       </p:sp>
-      <p:pic>
-        <p:nvPicPr>
-          <p:cNvPr id="8" name="Picture 4" descr="https://timgsa.baidu.com/timg?image&amp;quality=80&amp;size=b9999_10000&amp;sec=1571942598977&amp;di=62fda19cdc0fe8b6213b1b0e335bd1ba&amp;imgtype=0&amp;src=http%3A%2F%2Fcdn.onlinewebfonts.com%2Fsvg%2Fimg_326384.png"/>
-          <p:cNvPicPr>
-            <a:picLocks noChangeAspect="1" noChangeArrowheads="1"/>
-          </p:cNvPicPr>
-          <p:nvPr/>
-        </p:nvPicPr>
-        <p:blipFill>
-          <a:blip r:embed="rId2" cstate="print">
-            <a:extLst>
-              <a:ext uri="{28A0092B-C50C-407E-A947-70E740481C1C}">
-                <a14:useLocalDpi xmlns:a14="http://schemas.microsoft.com/office/drawing/2010/main" val="0"/>
-              </a:ext>
-            </a:extLst>
-          </a:blip>
-          <a:srcRect/>
-          <a:stretch>
-            <a:fillRect/>
-          </a:stretch>
-        </p:blipFill>
-        <p:spPr bwMode="auto">
-          <a:xfrm>
-            <a:off x="11353800" y="5975393"/>
-            <a:ext cx="727364" cy="745624"/>
-          </a:xfrm>
-          <a:prstGeom prst="rect">
-            <a:avLst/>
-          </a:prstGeom>
-          <a:noFill/>
-          <a:extLst>
-            <a:ext uri="{909E8E84-426E-40DD-AFC4-6F175D3DCCD1}">
-              <a14:hiddenFill xmlns:a14="http://schemas.microsoft.com/office/drawing/2010/main">
-                <a:solidFill>
-                  <a:srgbClr val="FFFFFF"/>
-                </a:solidFill>
-              </a14:hiddenFill>
-            </a:ext>
-          </a:extLst>
-        </p:spPr>
-      </p:pic>
-      <p:sp>
-        <p:nvSpPr>
-          <p:cNvPr id="9" name="矩形 8"/>
-          <p:cNvSpPr/>
-          <p:nvPr/>
-        </p:nvSpPr>
-        <p:spPr>
-          <a:xfrm>
-            <a:off x="3587482" y="6383355"/>
-            <a:ext cx="7766318" cy="338554"/>
-          </a:xfrm>
-          <a:prstGeom prst="rect">
-            <a:avLst/>
-          </a:prstGeom>
-        </p:spPr>
-        <p:txBody>
-          <a:bodyPr wrap="square">
-            <a:spAutoFit/>
+      <p:sp>
+        <p:nvSpPr>
+          <p:cNvPr id="3" name="内容占位符 2"/>
+          <p:cNvSpPr>
+            <a:spLocks noGrp="1"/>
+          </p:cNvSpPr>
+          <p:nvPr>
+            <p:ph idx="1"/>
+          </p:nvPr>
+        </p:nvSpPr>
+        <p:spPr/>
+        <p:txBody>
+          <a:bodyPr>
+            <a:normAutofit/>
           </a:bodyPr>
           <a:lstStyle/>
           <a:p>
-            <a:pPr algn="r"/>
-            <a:r>
-              <a:rPr lang="en-US" altLang="zh-CN" sz="1600" dirty="0">
+            <a:r>
+              <a:rPr lang="en-US" altLang="zh-CN" sz="2400" dirty="0">
                 <a:latin typeface="Bahnschrift SemiLight" panose="020B0502040204020203" pitchFamily="34" charset="0"/>
+                <a:ea typeface="+mj-ea"/>
+                <a:cs typeface="+mj-cs"/>
               </a:rPr>
-              <a:t>GitHub: </a:t>
-            </a:r>
-            <a:r>
-              <a:rPr lang="en-US" altLang="zh-CN" sz="1600" dirty="0">
+              <a:t>Background</a:t>
+            </a:r>
+          </a:p>
+          <a:p>
+            <a:r>
+              <a:rPr lang="en-US" altLang="zh-CN" sz="2400" dirty="0">
+                <a:solidFill>
+                  <a:srgbClr val="FF0000"/>
+                </a:solidFill>
                 <a:latin typeface="Bahnschrift SemiLight" panose="020B0502040204020203" pitchFamily="34" charset="0"/>
-                <a:hlinkClick r:id="rId3"/>
+                <a:ea typeface="+mj-ea"/>
+                <a:cs typeface="+mj-cs"/>
               </a:rPr>
-              <a:t>https://github.com/jerryweihuajing/Post-Processing</a:t>
-            </a:r>
-            <a:endParaRPr lang="en-US" altLang="zh-CN" sz="1600" dirty="0">
-              <a:latin typeface="Bahnschrift SemiLight" panose="020B0502040204020203" pitchFamily="34" charset="0"/>
-            </a:endParaRPr>
-          </a:p>
-        </p:txBody>
-      </p:sp>
-      <p:pic>
-        <p:nvPicPr>
-          <p:cNvPr id="11" name="图片 10">
-            <a:extLst>
-              <a:ext uri="{FF2B5EF4-FFF2-40B4-BE49-F238E27FC236}">
-                <a16:creationId xmlns:a16="http://schemas.microsoft.com/office/drawing/2014/main" id="{A23A39F3-DC3A-4C32-909F-0ED9880F6E11}"/>
-              </a:ext>
-            </a:extLst>
-          </p:cNvPr>
-          <p:cNvPicPr>
-            <a:picLocks noChangeAspect="1"/>
-          </p:cNvPicPr>
-          <p:nvPr/>
-        </p:nvPicPr>
-        <p:blipFill>
-          <a:blip r:embed="rId4">
-            <a:extLst>
-              <a:ext uri="{28A0092B-C50C-407E-A947-70E740481C1C}">
-                <a14:useLocalDpi xmlns:a14="http://schemas.microsoft.com/office/drawing/2010/main" val="0"/>
-              </a:ext>
-            </a:extLst>
-          </a:blip>
-          <a:stretch>
-            <a:fillRect/>
-          </a:stretch>
-        </p:blipFill>
-        <p:spPr>
-          <a:xfrm>
-            <a:off x="9022080" y="681037"/>
-            <a:ext cx="2331720" cy="579454"/>
-          </a:xfrm>
-          <a:prstGeom prst="rect">
-            <a:avLst/>
-          </a:prstGeom>
-        </p:spPr>
-      </p:pic>
-      <p:pic>
-        <p:nvPicPr>
-          <p:cNvPr id="12" name="图片 11"/>
-          <p:cNvPicPr>
-            <a:picLocks noChangeAspect="1"/>
-          </p:cNvPicPr>
-          <p:nvPr/>
-        </p:nvPicPr>
-        <p:blipFill>
-          <a:blip r:embed="rId5" cstate="print">
-            <a:extLst>
-              <a:ext uri="{28A0092B-C50C-407E-A947-70E740481C1C}">
-                <a14:useLocalDpi xmlns:a14="http://schemas.microsoft.com/office/drawing/2010/main" val="0"/>
-              </a:ext>
-            </a:extLst>
-          </a:blip>
-          <a:stretch>
-            <a:fillRect/>
-          </a:stretch>
-        </p:blipFill>
-        <p:spPr>
-          <a:xfrm>
-            <a:off x="249935" y="6440600"/>
-            <a:ext cx="1176530" cy="280417"/>
-          </a:xfrm>
-          <a:prstGeom prst="rect">
-            <a:avLst/>
-          </a:prstGeom>
-        </p:spPr>
-      </p:pic>
-      <p:pic>
-        <p:nvPicPr>
-          <p:cNvPr id="10" name="图片 9" descr="E:\GitHub\YADEM\Post-Processing\2D\Thesis\scatters\scatters.png"/>
-          <p:cNvPicPr>
-            <a:picLocks noChangeAspect="1"/>
-          </p:cNvPicPr>
-          <p:nvPr/>
-        </p:nvPicPr>
-        <p:blipFill>
-          <a:blip r:embed="rId6" cstate="print">
-            <a:extLst>
-              <a:ext uri="{28A0092B-C50C-407E-A947-70E740481C1C}">
-                <a14:useLocalDpi xmlns:a14="http://schemas.microsoft.com/office/drawing/2010/main" val="0"/>
-              </a:ext>
-            </a:extLst>
-          </a:blip>
-          <a:srcRect/>
-          <a:stretch>
-            <a:fillRect/>
-          </a:stretch>
-        </p:blipFill>
-        <p:spPr bwMode="auto">
-          <a:xfrm>
-            <a:off x="838200" y="1690688"/>
-            <a:ext cx="4320000" cy="4320000"/>
-          </a:xfrm>
-          <a:prstGeom prst="rect">
-            <a:avLst/>
-          </a:prstGeom>
-          <a:noFill/>
-          <a:ln>
-            <a:noFill/>
-          </a:ln>
-        </p:spPr>
-      </p:pic>
-      <p:pic>
-        <p:nvPicPr>
-          <p:cNvPr id="4" name="内容占位符 3"/>
-          <p:cNvPicPr>
-            <a:picLocks noGrp="1" noChangeAspect="1"/>
-          </p:cNvPicPr>
-          <p:nvPr>
-            <p:ph idx="1"/>
-          </p:nvPr>
-        </p:nvPicPr>
-        <p:blipFill>
-          <a:blip r:embed="rId7" cstate="print">
-            <a:extLst>
-              <a:ext uri="{28A0092B-C50C-407E-A947-70E740481C1C}">
-                <a14:useLocalDpi xmlns:a14="http://schemas.microsoft.com/office/drawing/2010/main" val="0"/>
-              </a:ext>
-            </a:extLst>
-          </a:blip>
-          <a:stretch>
-            <a:fillRect/>
-          </a:stretch>
-        </p:blipFill>
-        <p:spPr>
-          <a:xfrm>
-            <a:off x="6044357" y="1690688"/>
-            <a:ext cx="4423285" cy="4351338"/>
-          </a:xfrm>
-        </p:spPr>
-      </p:pic>
+              <a:t>Algorithm</a:t>
+            </a:r>
+          </a:p>
+          <a:p>
+            <a:r>
+              <a:rPr lang="en-US" altLang="zh-CN" sz="2400" dirty="0">
+                <a:latin typeface="Bahnschrift SemiLight" panose="020B0502040204020203" pitchFamily="34" charset="0"/>
+                <a:ea typeface="+mj-ea"/>
+                <a:cs typeface="+mj-cs"/>
+              </a:rPr>
+              <a:t>Aim</a:t>
+            </a:r>
+          </a:p>
+        </p:txBody>
+      </p:sp>
     </p:spTree>
     <p:extLst>
       <p:ext uri="{BB962C8B-B14F-4D97-AF65-F5344CB8AC3E}">
-        <p14:creationId xmlns:p14="http://schemas.microsoft.com/office/powerpoint/2010/main" val="1241279751"/>
+        <p14:creationId xmlns:p14="http://schemas.microsoft.com/office/powerpoint/2010/main" val="2143601854"/>
       </p:ext>
     </p:extLst>
   </p:cSld>
@@ -4723,11 +4563,13 @@
       </p:pic>
       <p:pic>
         <p:nvPicPr>
-          <p:cNvPr id="10" name="图片 9" descr="E:\GitHub\YADEM\Post-Processing\2D\Thesis\rasterization-grid\scatters with mesh.png"/>
-          <p:cNvPicPr>
-            <a:picLocks noChangeAspect="1"/>
-          </p:cNvPicPr>
-          <p:nvPr/>
+          <p:cNvPr id="4" name="内容占位符 3"/>
+          <p:cNvPicPr>
+            <a:picLocks noGrp="1" noChangeAspect="1"/>
+          </p:cNvPicPr>
+          <p:nvPr>
+            <p:ph idx="1"/>
+          </p:nvPr>
         </p:nvPicPr>
         <p:blipFill>
           <a:blip r:embed="rId6" cstate="print">
@@ -4737,28 +4579,20 @@
               </a:ext>
             </a:extLst>
           </a:blip>
-          <a:srcRect/>
-          <a:stretch>
-            <a:fillRect/>
-          </a:stretch>
-        </p:blipFill>
-        <p:spPr bwMode="auto">
-          <a:xfrm>
-            <a:off x="838200" y="1832865"/>
-            <a:ext cx="3600000" cy="3578405"/>
-          </a:xfrm>
-          <a:prstGeom prst="rect">
-            <a:avLst/>
-          </a:prstGeom>
-          <a:noFill/>
-          <a:ln>
-            <a:noFill/>
-          </a:ln>
-        </p:spPr>
-      </p:pic>
-      <p:pic>
-        <p:nvPicPr>
-          <p:cNvPr id="13" name="图片 12" descr="E:\GitHub\YADEM\Post-Processing\2D\Thesis\rasterization-grid\scatters with grid.png"/>
+          <a:stretch>
+            <a:fillRect/>
+          </a:stretch>
+        </p:blipFill>
+        <p:spPr>
+          <a:xfrm>
+            <a:off x="6096000" y="1686274"/>
+            <a:ext cx="4320000" cy="4320000"/>
+          </a:xfrm>
+        </p:spPr>
+      </p:pic>
+      <p:pic>
+        <p:nvPicPr>
+          <p:cNvPr id="5" name="图片 4"/>
           <p:cNvPicPr>
             <a:picLocks noChangeAspect="1"/>
           </p:cNvPicPr>
@@ -4772,66 +4606,24 @@
               </a:ext>
             </a:extLst>
           </a:blip>
-          <a:srcRect/>
-          <a:stretch>
-            <a:fillRect/>
-          </a:stretch>
-        </p:blipFill>
-        <p:spPr bwMode="auto">
-          <a:xfrm>
-            <a:off x="4438200" y="1832864"/>
-            <a:ext cx="3600000" cy="3578405"/>
-          </a:xfrm>
-          <a:prstGeom prst="rect">
-            <a:avLst/>
-          </a:prstGeom>
-          <a:noFill/>
-          <a:ln>
-            <a:noFill/>
-          </a:ln>
-        </p:spPr>
-      </p:pic>
-      <p:pic>
-        <p:nvPicPr>
-          <p:cNvPr id="15" name="内容占位符 14" descr="E:\GitHub\YADEM\Post-Processing\2D\Thesis\rasterization-grid\rasterization with mesh.png"/>
-          <p:cNvPicPr>
-            <a:picLocks noGrp="1" noChangeAspect="1"/>
-          </p:cNvPicPr>
-          <p:nvPr>
-            <p:ph idx="1"/>
-          </p:nvPr>
-        </p:nvPicPr>
-        <p:blipFill>
-          <a:blip r:embed="rId8" cstate="print">
-            <a:extLst>
-              <a:ext uri="{28A0092B-C50C-407E-A947-70E740481C1C}">
-                <a14:useLocalDpi xmlns:a14="http://schemas.microsoft.com/office/drawing/2010/main" val="0"/>
-              </a:ext>
-            </a:extLst>
-          </a:blip>
-          <a:srcRect/>
-          <a:stretch>
-            <a:fillRect/>
-          </a:stretch>
-        </p:blipFill>
-        <p:spPr bwMode="auto">
-          <a:xfrm>
-            <a:off x="8038200" y="1829060"/>
-            <a:ext cx="3600000" cy="3600000"/>
-          </a:xfrm>
-          <a:prstGeom prst="rect">
-            <a:avLst/>
-          </a:prstGeom>
-          <a:noFill/>
-          <a:ln>
-            <a:noFill/>
-          </a:ln>
+          <a:stretch>
+            <a:fillRect/>
+          </a:stretch>
+        </p:blipFill>
+        <p:spPr>
+          <a:xfrm>
+            <a:off x="838200" y="1686274"/>
+            <a:ext cx="4320000" cy="4293533"/>
+          </a:xfrm>
+          <a:prstGeom prst="rect">
+            <a:avLst/>
+          </a:prstGeom>
         </p:spPr>
       </p:pic>
     </p:spTree>
     <p:extLst>
       <p:ext uri="{BB962C8B-B14F-4D97-AF65-F5344CB8AC3E}">
-        <p14:creationId xmlns:p14="http://schemas.microsoft.com/office/powerpoint/2010/main" val="559538789"/>
+        <p14:creationId xmlns:p14="http://schemas.microsoft.com/office/powerpoint/2010/main" val="3230279141"/>
       </p:ext>
     </p:extLst>
   </p:cSld>
@@ -5019,7 +4811,7 @@
       </p:pic>
       <p:pic>
         <p:nvPicPr>
-          <p:cNvPr id="13" name="图片 12"/>
+          <p:cNvPr id="12" name="图片 11"/>
           <p:cNvPicPr>
             <a:picLocks noChangeAspect="1"/>
           </p:cNvPicPr>
@@ -5071,7 +4863,7 @@
         <p:spPr bwMode="auto">
           <a:xfrm>
             <a:off x="838200" y="1690688"/>
-            <a:ext cx="3680519" cy="3600000"/>
+            <a:ext cx="4320000" cy="4320000"/>
           </a:xfrm>
           <a:prstGeom prst="rect">
             <a:avLst/>
@@ -5084,11 +4876,13 @@
       </p:pic>
       <p:pic>
         <p:nvPicPr>
-          <p:cNvPr id="15" name="图片 14" descr="E:\GitHub\YADEM\Post-Processing\2D\Thesis\scatters\scatters with boundary box.png"/>
-          <p:cNvPicPr>
-            <a:picLocks noChangeAspect="1"/>
-          </p:cNvPicPr>
-          <p:nvPr/>
+          <p:cNvPr id="4" name="内容占位符 3"/>
+          <p:cNvPicPr>
+            <a:picLocks noGrp="1" noChangeAspect="1"/>
+          </p:cNvPicPr>
+          <p:nvPr>
+            <p:ph idx="1"/>
+          </p:nvPr>
         </p:nvPicPr>
         <p:blipFill>
           <a:blip r:embed="rId7" cstate="print">
@@ -5098,64 +4892,21 @@
               </a:ext>
             </a:extLst>
           </a:blip>
-          <a:srcRect/>
-          <a:stretch>
-            <a:fillRect/>
-          </a:stretch>
-        </p:blipFill>
-        <p:spPr bwMode="auto">
-          <a:xfrm>
-            <a:off x="4518719" y="1690688"/>
-            <a:ext cx="3680519" cy="3600000"/>
-          </a:xfrm>
-          <a:prstGeom prst="rect">
-            <a:avLst/>
-          </a:prstGeom>
-          <a:noFill/>
-          <a:ln>
-            <a:noFill/>
-          </a:ln>
-        </p:spPr>
-      </p:pic>
-      <p:pic>
-        <p:nvPicPr>
-          <p:cNvPr id="16" name="图片 15" descr="E:\GitHub\YADEM\Post-Processing\2D\Thesis\rasterization.png"/>
-          <p:cNvPicPr>
-            <a:picLocks noChangeAspect="1"/>
-          </p:cNvPicPr>
-          <p:nvPr/>
-        </p:nvPicPr>
-        <p:blipFill>
-          <a:blip r:embed="rId8" cstate="print">
-            <a:extLst>
-              <a:ext uri="{28A0092B-C50C-407E-A947-70E740481C1C}">
-                <a14:useLocalDpi xmlns:a14="http://schemas.microsoft.com/office/drawing/2010/main" val="0"/>
-              </a:ext>
-            </a:extLst>
-          </a:blip>
-          <a:srcRect/>
-          <a:stretch>
-            <a:fillRect/>
-          </a:stretch>
-        </p:blipFill>
-        <p:spPr bwMode="auto">
-          <a:xfrm>
-            <a:off x="8199238" y="1690688"/>
-            <a:ext cx="3658085" cy="3600000"/>
-          </a:xfrm>
-          <a:prstGeom prst="rect">
-            <a:avLst/>
-          </a:prstGeom>
-          <a:noFill/>
-          <a:ln>
-            <a:noFill/>
-          </a:ln>
+          <a:stretch>
+            <a:fillRect/>
+          </a:stretch>
+        </p:blipFill>
+        <p:spPr>
+          <a:xfrm>
+            <a:off x="6044357" y="1690688"/>
+            <a:ext cx="4423285" cy="4351338"/>
+          </a:xfrm>
         </p:spPr>
       </p:pic>
     </p:spTree>
     <p:extLst>
       <p:ext uri="{BB962C8B-B14F-4D97-AF65-F5344CB8AC3E}">
-        <p14:creationId xmlns:p14="http://schemas.microsoft.com/office/powerpoint/2010/main" val="4164190229"/>
+        <p14:creationId xmlns:p14="http://schemas.microsoft.com/office/powerpoint/2010/main" val="1241279751"/>
       </p:ext>
     </p:extLst>
   </p:cSld>
@@ -5215,7 +4966,7 @@
               <a:rPr lang="en-US" altLang="zh-CN" sz="4000" dirty="0">
                 <a:latin typeface="Bahnschrift SemiLight" panose="020B0502040204020203" pitchFamily="34" charset="0"/>
               </a:rPr>
-              <a:t>Spatial Interpolation</a:t>
+              <a:t>Rasterization</a:t>
             </a:r>
             <a:endParaRPr lang="zh-CN" altLang="en-US" sz="4000" dirty="0">
               <a:latin typeface="Bahnschrift SemiLight" panose="020B0502040204020203" pitchFamily="34" charset="0"/>
@@ -5232,7 +4983,7 @@
           <p:nvPr/>
         </p:nvPicPr>
         <p:blipFill>
-          <a:blip r:embed="rId3" cstate="print">
+          <a:blip r:embed="rId2" cstate="print">
             <a:extLst>
               <a:ext uri="{28A0092B-C50C-407E-A947-70E740481C1C}">
                 <a14:useLocalDpi xmlns:a14="http://schemas.microsoft.com/office/drawing/2010/main" val="0"/>
@@ -5295,7 +5046,7 @@
             <a:r>
               <a:rPr lang="en-US" altLang="zh-CN" sz="1600" dirty="0">
                 <a:latin typeface="Bahnschrift SemiLight" panose="020B0502040204020203" pitchFamily="34" charset="0"/>
-                <a:hlinkClick r:id="rId4"/>
+                <a:hlinkClick r:id="rId3"/>
               </a:rPr>
               <a:t>https://github.com/jerryweihuajing/Post-Processing</a:t>
             </a:r>
@@ -5320,7 +5071,7 @@
           <p:nvPr/>
         </p:nvPicPr>
         <p:blipFill>
-          <a:blip r:embed="rId5">
+          <a:blip r:embed="rId4">
             <a:extLst>
               <a:ext uri="{28A0092B-C50C-407E-A947-70E740481C1C}">
                 <a14:useLocalDpi xmlns:a14="http://schemas.microsoft.com/office/drawing/2010/main" val="0"/>
@@ -5350,7 +5101,7 @@
           <p:nvPr/>
         </p:nvPicPr>
         <p:blipFill>
-          <a:blip r:embed="rId6" cstate="print">
+          <a:blip r:embed="rId5" cstate="print">
             <a:extLst>
               <a:ext uri="{28A0092B-C50C-407E-A947-70E740481C1C}">
                 <a14:useLocalDpi xmlns:a14="http://schemas.microsoft.com/office/drawing/2010/main" val="0"/>
@@ -5373,14 +5124,14 @@
       </p:pic>
       <p:pic>
         <p:nvPicPr>
-          <p:cNvPr id="14" name="图片 13" descr="E:\GitHub\YADEM\Post-Processing\2D\Thesis\interpolation samples.png"/>
+          <p:cNvPr id="10" name="图片 9" descr="E:\GitHub\YADEM\Post-Processing\2D\Thesis\rasterization-grid\scatters with mesh.png"/>
           <p:cNvPicPr>
             <a:picLocks noChangeAspect="1"/>
           </p:cNvPicPr>
           <p:nvPr/>
         </p:nvPicPr>
         <p:blipFill>
-          <a:blip r:embed="rId7" cstate="print">
+          <a:blip r:embed="rId6" cstate="print">
             <a:extLst>
               <a:ext uri="{28A0092B-C50C-407E-A947-70E740481C1C}">
                 <a14:useLocalDpi xmlns:a14="http://schemas.microsoft.com/office/drawing/2010/main" val="0"/>
@@ -5394,8 +5145,8 @@
         </p:blipFill>
         <p:spPr bwMode="auto">
           <a:xfrm>
-            <a:off x="838200" y="1684631"/>
-            <a:ext cx="3680519" cy="3600000"/>
+            <a:off x="838200" y="1832865"/>
+            <a:ext cx="3600000" cy="3578405"/>
           </a:xfrm>
           <a:prstGeom prst="rect">
             <a:avLst/>
@@ -5408,16 +5159,14 @@
       </p:pic>
       <p:pic>
         <p:nvPicPr>
-          <p:cNvPr id="15" name="内容占位符 14" descr="E:\GitHub\YADEM\Post-Processing\2D\Thesis\rasterization\scatters with boundary box.png"/>
-          <p:cNvPicPr>
-            <a:picLocks noGrp="1" noChangeAspect="1"/>
-          </p:cNvPicPr>
-          <p:nvPr>
-            <p:ph idx="1"/>
-          </p:nvPr>
-        </p:nvPicPr>
-        <p:blipFill>
-          <a:blip r:embed="rId8" cstate="print">
+          <p:cNvPr id="13" name="图片 12" descr="E:\GitHub\YADEM\Post-Processing\2D\Thesis\rasterization-grid\scatters with grid.png"/>
+          <p:cNvPicPr>
+            <a:picLocks noChangeAspect="1"/>
+          </p:cNvPicPr>
+          <p:nvPr/>
+        </p:nvPicPr>
+        <p:blipFill>
+          <a:blip r:embed="rId7" cstate="print">
             <a:extLst>
               <a:ext uri="{28A0092B-C50C-407E-A947-70E740481C1C}">
                 <a14:useLocalDpi xmlns:a14="http://schemas.microsoft.com/office/drawing/2010/main" val="0"/>
@@ -5431,8 +5180,8 @@
         </p:blipFill>
         <p:spPr bwMode="auto">
           <a:xfrm>
-            <a:off x="4518719" y="1684631"/>
-            <a:ext cx="3676415" cy="3600000"/>
+            <a:off x="4438200" y="1832864"/>
+            <a:ext cx="3600000" cy="3578405"/>
           </a:xfrm>
           <a:prstGeom prst="rect">
             <a:avLst/>
@@ -5445,38 +5194,45 @@
       </p:pic>
       <p:pic>
         <p:nvPicPr>
-          <p:cNvPr id="3" name="图片 2"/>
-          <p:cNvPicPr>
-            <a:picLocks noChangeAspect="1"/>
-          </p:cNvPicPr>
-          <p:nvPr/>
-        </p:nvPicPr>
-        <p:blipFill>
-          <a:blip r:embed="rId9" cstate="print">
+          <p:cNvPr id="15" name="内容占位符 14" descr="E:\GitHub\YADEM\Post-Processing\2D\Thesis\rasterization-grid\rasterization with mesh.png"/>
+          <p:cNvPicPr>
+            <a:picLocks noGrp="1" noChangeAspect="1"/>
+          </p:cNvPicPr>
+          <p:nvPr>
+            <p:ph idx="1"/>
+          </p:nvPr>
+        </p:nvPicPr>
+        <p:blipFill>
+          <a:blip r:embed="rId8" cstate="print">
             <a:extLst>
               <a:ext uri="{28A0092B-C50C-407E-A947-70E740481C1C}">
                 <a14:useLocalDpi xmlns:a14="http://schemas.microsoft.com/office/drawing/2010/main" val="0"/>
               </a:ext>
             </a:extLst>
           </a:blip>
-          <a:stretch>
-            <a:fillRect/>
-          </a:stretch>
-        </p:blipFill>
-        <p:spPr>
-          <a:xfrm>
-            <a:off x="8195134" y="1683739"/>
-            <a:ext cx="3659524" cy="3600000"/>
-          </a:xfrm>
-          <a:prstGeom prst="rect">
-            <a:avLst/>
-          </a:prstGeom>
+          <a:srcRect/>
+          <a:stretch>
+            <a:fillRect/>
+          </a:stretch>
+        </p:blipFill>
+        <p:spPr bwMode="auto">
+          <a:xfrm>
+            <a:off x="8038200" y="1829060"/>
+            <a:ext cx="3600000" cy="3600000"/>
+          </a:xfrm>
+          <a:prstGeom prst="rect">
+            <a:avLst/>
+          </a:prstGeom>
+          <a:noFill/>
+          <a:ln>
+            <a:noFill/>
+          </a:ln>
         </p:spPr>
       </p:pic>
     </p:spTree>
     <p:extLst>
       <p:ext uri="{BB962C8B-B14F-4D97-AF65-F5344CB8AC3E}">
-        <p14:creationId xmlns:p14="http://schemas.microsoft.com/office/powerpoint/2010/main" val="2755724047"/>
+        <p14:creationId xmlns:p14="http://schemas.microsoft.com/office/powerpoint/2010/main" val="559538789"/>
       </p:ext>
     </p:extLst>
   </p:cSld>
@@ -5536,7 +5292,7 @@
               <a:rPr lang="en-US" altLang="zh-CN" sz="4000" dirty="0">
                 <a:latin typeface="Bahnschrift SemiLight" panose="020B0502040204020203" pitchFamily="34" charset="0"/>
               </a:rPr>
-              <a:t>Spatial Interpolation</a:t>
+              <a:t>Rasterization</a:t>
             </a:r>
             <a:endParaRPr lang="zh-CN" altLang="en-US" sz="4000" dirty="0">
               <a:latin typeface="Bahnschrift SemiLight" panose="020B0502040204020203" pitchFamily="34" charset="0"/>
@@ -5664,7 +5420,7 @@
       </p:pic>
       <p:pic>
         <p:nvPicPr>
-          <p:cNvPr id="12" name="图片 11"/>
+          <p:cNvPr id="13" name="图片 12"/>
           <p:cNvPicPr>
             <a:picLocks noChangeAspect="1"/>
           </p:cNvPicPr>
@@ -5694,13 +5450,11 @@
       </p:pic>
       <p:pic>
         <p:nvPicPr>
-          <p:cNvPr id="13" name="内容占位符 12" descr="E:\GitHub\YADEM\Post-Processing\2D\Thesis\interpolation-grid\interpolation with mesh.png"/>
-          <p:cNvPicPr>
-            <a:picLocks noGrp="1" noChangeAspect="1"/>
-          </p:cNvPicPr>
-          <p:nvPr>
-            <p:ph idx="1"/>
-          </p:nvPr>
+          <p:cNvPr id="10" name="图片 9" descr="E:\GitHub\YADEM\Post-Processing\2D\Thesis\scatters\scatters.png"/>
+          <p:cNvPicPr>
+            <a:picLocks noChangeAspect="1"/>
+          </p:cNvPicPr>
+          <p:nvPr/>
         </p:nvPicPr>
         <p:blipFill>
           <a:blip r:embed="rId6" cstate="print">
@@ -5718,7 +5472,7 @@
         <p:spPr bwMode="auto">
           <a:xfrm>
             <a:off x="838200" y="1690688"/>
-            <a:ext cx="3616705" cy="3600000"/>
+            <a:ext cx="3680519" cy="3600000"/>
           </a:xfrm>
           <a:prstGeom prst="rect">
             <a:avLst/>
@@ -5731,7 +5485,7 @@
       </p:pic>
       <p:pic>
         <p:nvPicPr>
-          <p:cNvPr id="17" name="图片 16" descr="E:\GitHub\YADEM\Post-Processing\2D\Thesis\interpolation-grid\interpolation with mesh and grid.png"/>
+          <p:cNvPr id="15" name="图片 14" descr="E:\GitHub\YADEM\Post-Processing\2D\Thesis\scatters\scatters with boundary box.png"/>
           <p:cNvPicPr>
             <a:picLocks noChangeAspect="1"/>
           </p:cNvPicPr>
@@ -5752,8 +5506,8 @@
         </p:blipFill>
         <p:spPr bwMode="auto">
           <a:xfrm>
-            <a:off x="4454905" y="1690688"/>
-            <a:ext cx="3621725" cy="3600000"/>
+            <a:off x="4518719" y="1690688"/>
+            <a:ext cx="3680519" cy="3600000"/>
           </a:xfrm>
           <a:prstGeom prst="rect">
             <a:avLst/>
@@ -5766,7 +5520,7 @@
       </p:pic>
       <p:pic>
         <p:nvPicPr>
-          <p:cNvPr id="18" name="图片 17" descr="E:\GitHub\YADEM\Post-Processing\2D\Thesis\interpolation-grid\interpolation effect with mesh.png"/>
+          <p:cNvPr id="16" name="图片 15" descr="E:\GitHub\YADEM\Post-Processing\2D\Thesis\rasterization.png"/>
           <p:cNvPicPr>
             <a:picLocks noChangeAspect="1"/>
           </p:cNvPicPr>
@@ -5787,8 +5541,8 @@
         </p:blipFill>
         <p:spPr bwMode="auto">
           <a:xfrm>
-            <a:off x="8071610" y="1690688"/>
-            <a:ext cx="3600000" cy="3600000"/>
+            <a:off x="8199238" y="1690688"/>
+            <a:ext cx="3658085" cy="3600000"/>
           </a:xfrm>
           <a:prstGeom prst="rect">
             <a:avLst/>
@@ -5802,7 +5556,7 @@
     </p:spTree>
     <p:extLst>
       <p:ext uri="{BB962C8B-B14F-4D97-AF65-F5344CB8AC3E}">
-        <p14:creationId xmlns:p14="http://schemas.microsoft.com/office/powerpoint/2010/main" val="993272958"/>
+        <p14:creationId xmlns:p14="http://schemas.microsoft.com/office/powerpoint/2010/main" val="4164190229"/>
       </p:ext>
     </p:extLst>
   </p:cSld>
@@ -5879,7 +5633,7 @@
           <p:nvPr/>
         </p:nvPicPr>
         <p:blipFill>
-          <a:blip r:embed="rId2" cstate="print">
+          <a:blip r:embed="rId3" cstate="print">
             <a:extLst>
               <a:ext uri="{28A0092B-C50C-407E-A947-70E740481C1C}">
                 <a14:useLocalDpi xmlns:a14="http://schemas.microsoft.com/office/drawing/2010/main" val="0"/>
@@ -5942,7 +5696,7 @@
             <a:r>
               <a:rPr lang="en-US" altLang="zh-CN" sz="1600" dirty="0">
                 <a:latin typeface="Bahnschrift SemiLight" panose="020B0502040204020203" pitchFamily="34" charset="0"/>
-                <a:hlinkClick r:id="rId3"/>
+                <a:hlinkClick r:id="rId4"/>
               </a:rPr>
               <a:t>https://github.com/jerryweihuajing/Post-Processing</a:t>
             </a:r>
@@ -5967,7 +5721,7 @@
           <p:nvPr/>
         </p:nvPicPr>
         <p:blipFill>
-          <a:blip r:embed="rId4">
+          <a:blip r:embed="rId5">
             <a:extLst>
               <a:ext uri="{28A0092B-C50C-407E-A947-70E740481C1C}">
                 <a14:useLocalDpi xmlns:a14="http://schemas.microsoft.com/office/drawing/2010/main" val="0"/>
@@ -5997,7 +5751,7 @@
           <p:nvPr/>
         </p:nvPicPr>
         <p:blipFill>
-          <a:blip r:embed="rId5" cstate="print">
+          <a:blip r:embed="rId6" cstate="print">
             <a:extLst>
               <a:ext uri="{28A0092B-C50C-407E-A947-70E740481C1C}">
                 <a14:useLocalDpi xmlns:a14="http://schemas.microsoft.com/office/drawing/2010/main" val="0"/>
@@ -6020,16 +5774,14 @@
       </p:pic>
       <p:pic>
         <p:nvPicPr>
-          <p:cNvPr id="14" name="内容占位符 13" descr="E:\GitHub\YADEM\Post-Processing\2D\Thesis\interpolation samples.png"/>
-          <p:cNvPicPr>
-            <a:picLocks noGrp="1" noChangeAspect="1"/>
-          </p:cNvPicPr>
-          <p:nvPr>
-            <p:ph idx="1"/>
-          </p:nvPr>
-        </p:nvPicPr>
-        <p:blipFill>
-          <a:blip r:embed="rId6" cstate="print">
+          <p:cNvPr id="14" name="图片 13" descr="E:\GitHub\YADEM\Post-Processing\2D\Thesis\interpolation samples.png"/>
+          <p:cNvPicPr>
+            <a:picLocks noChangeAspect="1"/>
+          </p:cNvPicPr>
+          <p:nvPr/>
+        </p:nvPicPr>
+        <p:blipFill>
+          <a:blip r:embed="rId7" cstate="print">
             <a:extLst>
               <a:ext uri="{28A0092B-C50C-407E-A947-70E740481C1C}">
                 <a14:useLocalDpi xmlns:a14="http://schemas.microsoft.com/office/drawing/2010/main" val="0"/>
@@ -6043,8 +5795,8 @@
         </p:blipFill>
         <p:spPr bwMode="auto">
           <a:xfrm>
-            <a:off x="838200" y="1690688"/>
-            <a:ext cx="3677799" cy="3600000"/>
+            <a:off x="838200" y="1684631"/>
+            <a:ext cx="3680519" cy="3600000"/>
           </a:xfrm>
           <a:prstGeom prst="rect">
             <a:avLst/>
@@ -6057,14 +5809,16 @@
       </p:pic>
       <p:pic>
         <p:nvPicPr>
-          <p:cNvPr id="15" name="图片 14" descr="E:\GitHub\YADEM\Post-Processing\2D\Thesis\interpolation effect.png"/>
-          <p:cNvPicPr>
-            <a:picLocks noChangeAspect="1"/>
-          </p:cNvPicPr>
-          <p:nvPr/>
-        </p:nvPicPr>
-        <p:blipFill>
-          <a:blip r:embed="rId7" cstate="print">
+          <p:cNvPr id="15" name="内容占位符 14" descr="E:\GitHub\YADEM\Post-Processing\2D\Thesis\rasterization\scatters with boundary box.png"/>
+          <p:cNvPicPr>
+            <a:picLocks noGrp="1" noChangeAspect="1"/>
+          </p:cNvPicPr>
+          <p:nvPr>
+            <p:ph idx="1"/>
+          </p:nvPr>
+        </p:nvPicPr>
+        <p:blipFill>
+          <a:blip r:embed="rId8" cstate="print">
             <a:extLst>
               <a:ext uri="{28A0092B-C50C-407E-A947-70E740481C1C}">
                 <a14:useLocalDpi xmlns:a14="http://schemas.microsoft.com/office/drawing/2010/main" val="0"/>
@@ -6078,8 +5832,8 @@
         </p:blipFill>
         <p:spPr bwMode="auto">
           <a:xfrm>
-            <a:off x="4515999" y="1690688"/>
-            <a:ext cx="3658085" cy="3600000"/>
+            <a:off x="4518719" y="1684631"/>
+            <a:ext cx="3676415" cy="3600000"/>
           </a:xfrm>
           <a:prstGeom prst="rect">
             <a:avLst/>
@@ -6092,43 +5846,38 @@
       </p:pic>
       <p:pic>
         <p:nvPicPr>
-          <p:cNvPr id="16" name="图片 15" descr="E:\GitHub\YADEM\Post-Processing\2D\Thesis\interpolation\interpolation effect with boundary box.png"/>
+          <p:cNvPr id="3" name="图片 2"/>
           <p:cNvPicPr>
             <a:picLocks noChangeAspect="1"/>
           </p:cNvPicPr>
           <p:nvPr/>
         </p:nvPicPr>
         <p:blipFill>
-          <a:blip r:embed="rId8" cstate="print">
+          <a:blip r:embed="rId9" cstate="print">
             <a:extLst>
               <a:ext uri="{28A0092B-C50C-407E-A947-70E740481C1C}">
                 <a14:useLocalDpi xmlns:a14="http://schemas.microsoft.com/office/drawing/2010/main" val="0"/>
               </a:ext>
             </a:extLst>
           </a:blip>
-          <a:srcRect/>
-          <a:stretch>
-            <a:fillRect/>
-          </a:stretch>
-        </p:blipFill>
-        <p:spPr bwMode="auto">
-          <a:xfrm>
-            <a:off x="8174084" y="1690688"/>
-            <a:ext cx="3658085" cy="3600000"/>
-          </a:xfrm>
-          <a:prstGeom prst="rect">
-            <a:avLst/>
-          </a:prstGeom>
-          <a:noFill/>
-          <a:ln>
-            <a:noFill/>
-          </a:ln>
+          <a:stretch>
+            <a:fillRect/>
+          </a:stretch>
+        </p:blipFill>
+        <p:spPr>
+          <a:xfrm>
+            <a:off x="8195134" y="1683739"/>
+            <a:ext cx="3659524" cy="3600000"/>
+          </a:xfrm>
+          <a:prstGeom prst="rect">
+            <a:avLst/>
+          </a:prstGeom>
         </p:spPr>
       </p:pic>
     </p:spTree>
     <p:extLst>
       <p:ext uri="{BB962C8B-B14F-4D97-AF65-F5344CB8AC3E}">
-        <p14:creationId xmlns:p14="http://schemas.microsoft.com/office/powerpoint/2010/main" val="2539148120"/>
+        <p14:creationId xmlns:p14="http://schemas.microsoft.com/office/powerpoint/2010/main" val="2755724047"/>
       </p:ext>
     </p:extLst>
   </p:cSld>
@@ -6346,7 +6095,7 @@
       </p:pic>
       <p:pic>
         <p:nvPicPr>
-          <p:cNvPr id="13" name="内容占位符 12" descr="E:\GitHub\YADEM\Post-Processing\2D\Thesis\interpolation-grid\interpolation effect with mesh and grid.png"/>
+          <p:cNvPr id="13" name="内容占位符 12" descr="E:\GitHub\YADEM\Post-Processing\2D\Thesis\interpolation-grid\interpolation with mesh.png"/>
           <p:cNvPicPr>
             <a:picLocks noGrp="1" noChangeAspect="1"/>
           </p:cNvPicPr>
@@ -6370,7 +6119,7 @@
         <p:spPr bwMode="auto">
           <a:xfrm>
             <a:off x="838200" y="1690688"/>
-            <a:ext cx="4320000" cy="4320000"/>
+            <a:ext cx="3616705" cy="3600000"/>
           </a:xfrm>
           <a:prstGeom prst="rect">
             <a:avLst/>
@@ -6383,7 +6132,7 @@
       </p:pic>
       <p:pic>
         <p:nvPicPr>
-          <p:cNvPr id="17" name="图片 16" descr="E:\GitHub\YADEM\Post-Processing\2D\Thesis\interpolation-grid\filled interpolation effect with mesh.png"/>
+          <p:cNvPr id="17" name="图片 16" descr="E:\GitHub\YADEM\Post-Processing\2D\Thesis\interpolation-grid\interpolation with mesh and grid.png"/>
           <p:cNvPicPr>
             <a:picLocks noChangeAspect="1"/>
           </p:cNvPicPr>
@@ -6404,8 +6153,8 @@
         </p:blipFill>
         <p:spPr bwMode="auto">
           <a:xfrm>
-            <a:off x="6096000" y="1690688"/>
-            <a:ext cx="4320000" cy="4320000"/>
+            <a:off x="4454905" y="1690688"/>
+            <a:ext cx="3621725" cy="3600000"/>
           </a:xfrm>
           <a:prstGeom prst="rect">
             <a:avLst/>
@@ -6416,10 +6165,45 @@
           </a:ln>
         </p:spPr>
       </p:pic>
+      <p:pic>
+        <p:nvPicPr>
+          <p:cNvPr id="18" name="图片 17" descr="E:\GitHub\YADEM\Post-Processing\2D\Thesis\interpolation-grid\interpolation effect with mesh.png"/>
+          <p:cNvPicPr>
+            <a:picLocks noChangeAspect="1"/>
+          </p:cNvPicPr>
+          <p:nvPr/>
+        </p:nvPicPr>
+        <p:blipFill>
+          <a:blip r:embed="rId8" cstate="print">
+            <a:extLst>
+              <a:ext uri="{28A0092B-C50C-407E-A947-70E740481C1C}">
+                <a14:useLocalDpi xmlns:a14="http://schemas.microsoft.com/office/drawing/2010/main" val="0"/>
+              </a:ext>
+            </a:extLst>
+          </a:blip>
+          <a:srcRect/>
+          <a:stretch>
+            <a:fillRect/>
+          </a:stretch>
+        </p:blipFill>
+        <p:spPr bwMode="auto">
+          <a:xfrm>
+            <a:off x="8071610" y="1690688"/>
+            <a:ext cx="3600000" cy="3600000"/>
+          </a:xfrm>
+          <a:prstGeom prst="rect">
+            <a:avLst/>
+          </a:prstGeom>
+          <a:noFill/>
+          <a:ln>
+            <a:noFill/>
+          </a:ln>
+        </p:spPr>
+      </p:pic>
     </p:spTree>
     <p:extLst>
       <p:ext uri="{BB962C8B-B14F-4D97-AF65-F5344CB8AC3E}">
-        <p14:creationId xmlns:p14="http://schemas.microsoft.com/office/powerpoint/2010/main" val="2677010222"/>
+        <p14:creationId xmlns:p14="http://schemas.microsoft.com/office/powerpoint/2010/main" val="993272958"/>
       </p:ext>
     </p:extLst>
   </p:cSld>
@@ -6637,7 +6421,7 @@
       </p:pic>
       <p:pic>
         <p:nvPicPr>
-          <p:cNvPr id="10" name="内容占位符 9" descr="E:\GitHub\YADEM\Post-Processing\2D\Thesis\interpolation effect.png"/>
+          <p:cNvPr id="14" name="内容占位符 13" descr="E:\GitHub\YADEM\Post-Processing\2D\Thesis\interpolation samples.png"/>
           <p:cNvPicPr>
             <a:picLocks noGrp="1" noChangeAspect="1"/>
           </p:cNvPicPr>
@@ -6661,7 +6445,7 @@
         <p:spPr bwMode="auto">
           <a:xfrm>
             <a:off x="838200" y="1690688"/>
-            <a:ext cx="3659524" cy="3600000"/>
+            <a:ext cx="3677799" cy="3600000"/>
           </a:xfrm>
           <a:prstGeom prst="rect">
             <a:avLst/>
@@ -6674,7 +6458,7 @@
       </p:pic>
       <p:pic>
         <p:nvPicPr>
-          <p:cNvPr id="14" name="图片 13" descr="E:\GitHub\YADEM\Post-Processing\2D\Thesis\filled interpolation effect.png"/>
+          <p:cNvPr id="15" name="图片 14" descr="E:\GitHub\YADEM\Post-Processing\2D\Thesis\interpolation effect.png"/>
           <p:cNvPicPr>
             <a:picLocks noChangeAspect="1"/>
           </p:cNvPicPr>
@@ -6695,7 +6479,7 @@
         </p:blipFill>
         <p:spPr bwMode="auto">
           <a:xfrm>
-            <a:off x="4497724" y="1690687"/>
+            <a:off x="4515999" y="1690688"/>
             <a:ext cx="3658085" cy="3600000"/>
           </a:xfrm>
           <a:prstGeom prst="rect">
@@ -6709,7 +6493,7 @@
       </p:pic>
       <p:pic>
         <p:nvPicPr>
-          <p:cNvPr id="15" name="图片 14" descr="E:\GitHub\YADEM\Post-Processing\2D\Thesis\interpolation\filled interpolation effect with boundary box.png"/>
+          <p:cNvPr id="16" name="图片 15" descr="E:\GitHub\YADEM\Post-Processing\2D\Thesis\interpolation\interpolation effect with boundary box.png"/>
           <p:cNvPicPr>
             <a:picLocks noChangeAspect="1"/>
           </p:cNvPicPr>
@@ -6730,7 +6514,7 @@
         </p:blipFill>
         <p:spPr bwMode="auto">
           <a:xfrm>
-            <a:off x="8157248" y="1690687"/>
+            <a:off x="8174084" y="1690688"/>
             <a:ext cx="3658085" cy="3600000"/>
           </a:xfrm>
           <a:prstGeom prst="rect">
@@ -6745,7 +6529,7 @@
     </p:spTree>
     <p:extLst>
       <p:ext uri="{BB962C8B-B14F-4D97-AF65-F5344CB8AC3E}">
-        <p14:creationId xmlns:p14="http://schemas.microsoft.com/office/powerpoint/2010/main" val="3364445342"/>
+        <p14:creationId xmlns:p14="http://schemas.microsoft.com/office/powerpoint/2010/main" val="2539148120"/>
       </p:ext>
     </p:extLst>
   </p:cSld>
@@ -6801,26 +6585,28 @@
           </a:bodyPr>
           <a:lstStyle/>
           <a:p>
-            <a:pPr marL="342900" indent="-342900"/>
             <a:r>
               <a:rPr lang="en-US" altLang="zh-CN" sz="4000" dirty="0">
                 <a:latin typeface="Bahnschrift SemiLight" panose="020B0502040204020203" pitchFamily="34" charset="0"/>
               </a:rPr>
-              <a:t>Gaussian Filtering</a:t>
-            </a:r>
-          </a:p>
-        </p:txBody>
-      </p:sp>
-      <p:pic>
-        <p:nvPicPr>
-          <p:cNvPr id="4" name="Picture 4" descr="https://timgsa.baidu.com/timg?image&amp;quality=80&amp;size=b9999_10000&amp;sec=1571942598977&amp;di=62fda19cdc0fe8b6213b1b0e335bd1ba&amp;imgtype=0&amp;src=http%3A%2F%2Fcdn.onlinewebfonts.com%2Fsvg%2Fimg_326384.png"/>
+              <a:t>Spatial Interpolation</a:t>
+            </a:r>
+            <a:endParaRPr lang="zh-CN" altLang="en-US" sz="4000" dirty="0">
+              <a:latin typeface="Bahnschrift SemiLight" panose="020B0502040204020203" pitchFamily="34" charset="0"/>
+            </a:endParaRPr>
+          </a:p>
+        </p:txBody>
+      </p:sp>
+      <p:pic>
+        <p:nvPicPr>
+          <p:cNvPr id="8" name="Picture 4" descr="https://timgsa.baidu.com/timg?image&amp;quality=80&amp;size=b9999_10000&amp;sec=1571942598977&amp;di=62fda19cdc0fe8b6213b1b0e335bd1ba&amp;imgtype=0&amp;src=http%3A%2F%2Fcdn.onlinewebfonts.com%2Fsvg%2Fimg_326384.png"/>
           <p:cNvPicPr>
             <a:picLocks noChangeAspect="1" noChangeArrowheads="1"/>
           </p:cNvPicPr>
           <p:nvPr/>
         </p:nvPicPr>
         <p:blipFill>
-          <a:blip r:embed="rId3" cstate="print">
+          <a:blip r:embed="rId2" cstate="print">
             <a:extLst>
               <a:ext uri="{28A0092B-C50C-407E-A947-70E740481C1C}">
                 <a14:useLocalDpi xmlns:a14="http://schemas.microsoft.com/office/drawing/2010/main" val="0"/>
@@ -6854,7 +6640,7 @@
       </p:pic>
       <p:sp>
         <p:nvSpPr>
-          <p:cNvPr id="5" name="矩形 4"/>
+          <p:cNvPr id="9" name="矩形 8"/>
           <p:cNvSpPr/>
           <p:nvPr/>
         </p:nvSpPr>
@@ -6883,7 +6669,7 @@
             <a:r>
               <a:rPr lang="en-US" altLang="zh-CN" sz="1600" dirty="0">
                 <a:latin typeface="Bahnschrift SemiLight" panose="020B0502040204020203" pitchFamily="34" charset="0"/>
-                <a:hlinkClick r:id="rId4"/>
+                <a:hlinkClick r:id="rId3"/>
               </a:rPr>
               <a:t>https://github.com/jerryweihuajing/Post-Processing</a:t>
             </a:r>
@@ -6895,10 +6681,10 @@
       </p:sp>
       <p:pic>
         <p:nvPicPr>
-          <p:cNvPr id="9" name="图片 8">
+          <p:cNvPr id="11" name="图片 10">
             <a:extLst>
               <a:ext uri="{FF2B5EF4-FFF2-40B4-BE49-F238E27FC236}">
-                <a16:creationId xmlns:a16="http://schemas.microsoft.com/office/drawing/2014/main" id="{7FAF1CA2-9C47-41E7-9A07-ECA9E3BDBF99}"/>
+                <a16:creationId xmlns:a16="http://schemas.microsoft.com/office/drawing/2014/main" id="{A23A39F3-DC3A-4C32-909F-0ED9880F6E11}"/>
               </a:ext>
             </a:extLst>
           </p:cNvPr>
@@ -6908,7 +6694,7 @@
           <p:nvPr/>
         </p:nvPicPr>
         <p:blipFill>
-          <a:blip r:embed="rId5">
+          <a:blip r:embed="rId4">
             <a:extLst>
               <a:ext uri="{28A0092B-C50C-407E-A947-70E740481C1C}">
                 <a14:useLocalDpi xmlns:a14="http://schemas.microsoft.com/office/drawing/2010/main" val="0"/>
@@ -6931,14 +6717,14 @@
       </p:pic>
       <p:pic>
         <p:nvPicPr>
-          <p:cNvPr id="13" name="图片 12"/>
+          <p:cNvPr id="12" name="图片 11"/>
           <p:cNvPicPr>
             <a:picLocks noChangeAspect="1"/>
           </p:cNvPicPr>
           <p:nvPr/>
         </p:nvPicPr>
         <p:blipFill>
-          <a:blip r:embed="rId6" cstate="print">
+          <a:blip r:embed="rId5" cstate="print">
             <a:extLst>
               <a:ext uri="{28A0092B-C50C-407E-A947-70E740481C1C}">
                 <a14:useLocalDpi xmlns:a14="http://schemas.microsoft.com/office/drawing/2010/main" val="0"/>
@@ -6961,7 +6747,7 @@
       </p:pic>
       <p:pic>
         <p:nvPicPr>
-          <p:cNvPr id="12" name="内容占位符 11" descr="E:\GitHub\YADEM\Post-Processing\2D\Thesis\rasterization-grid\rasterization with mesh.png"/>
+          <p:cNvPr id="13" name="内容占位符 12" descr="E:\GitHub\YADEM\Post-Processing\2D\Thesis\interpolation-grid\interpolation effect with mesh and grid.png"/>
           <p:cNvPicPr>
             <a:picLocks noGrp="1" noChangeAspect="1"/>
           </p:cNvPicPr>
@@ -6970,7 +6756,7 @@
           </p:nvPr>
         </p:nvPicPr>
         <p:blipFill>
-          <a:blip r:embed="rId7" cstate="print">
+          <a:blip r:embed="rId6" cstate="print">
             <a:extLst>
               <a:ext uri="{28A0092B-C50C-407E-A947-70E740481C1C}">
                 <a14:useLocalDpi xmlns:a14="http://schemas.microsoft.com/office/drawing/2010/main" val="0"/>
@@ -6985,7 +6771,7 @@
         <p:spPr bwMode="auto">
           <a:xfrm>
             <a:off x="838200" y="1690688"/>
-            <a:ext cx="3600000" cy="3600000"/>
+            <a:ext cx="4320000" cy="4320000"/>
           </a:xfrm>
           <a:prstGeom prst="rect">
             <a:avLst/>
@@ -6998,14 +6784,14 @@
       </p:pic>
       <p:pic>
         <p:nvPicPr>
-          <p:cNvPr id="14" name="图片 13" descr="E:\GitHub\YADEM\Post-Processing\2D\Thesis\rasterization-grid\rasterization with mesh and grid.png"/>
+          <p:cNvPr id="17" name="图片 16" descr="E:\GitHub\YADEM\Post-Processing\2D\Thesis\interpolation-grid\filled interpolation effect with mesh.png"/>
           <p:cNvPicPr>
             <a:picLocks noChangeAspect="1"/>
           </p:cNvPicPr>
           <p:nvPr/>
         </p:nvPicPr>
         <p:blipFill>
-          <a:blip r:embed="rId8" cstate="print">
+          <a:blip r:embed="rId7" cstate="print">
             <a:extLst>
               <a:ext uri="{28A0092B-C50C-407E-A947-70E740481C1C}">
                 <a14:useLocalDpi xmlns:a14="http://schemas.microsoft.com/office/drawing/2010/main" val="0"/>
@@ -7019,8 +6805,8 @@
         </p:blipFill>
         <p:spPr bwMode="auto">
           <a:xfrm>
-            <a:off x="4438200" y="1690688"/>
-            <a:ext cx="3600000" cy="3600000"/>
+            <a:off x="6096000" y="1690688"/>
+            <a:ext cx="4320000" cy="4320000"/>
           </a:xfrm>
           <a:prstGeom prst="rect">
             <a:avLst/>
@@ -7031,45 +6817,10 @@
           </a:ln>
         </p:spPr>
       </p:pic>
-      <p:pic>
-        <p:nvPicPr>
-          <p:cNvPr id="15" name="图片 14" descr="E:\GitHub\YADEM\Post-Processing\2D\Thesis\rasterization-grid\rasterization with mesh-smoothed.png"/>
-          <p:cNvPicPr>
-            <a:picLocks noChangeAspect="1"/>
-          </p:cNvPicPr>
-          <p:nvPr/>
-        </p:nvPicPr>
-        <p:blipFill>
-          <a:blip r:embed="rId9" cstate="print">
-            <a:extLst>
-              <a:ext uri="{28A0092B-C50C-407E-A947-70E740481C1C}">
-                <a14:useLocalDpi xmlns:a14="http://schemas.microsoft.com/office/drawing/2010/main" val="0"/>
-              </a:ext>
-            </a:extLst>
-          </a:blip>
-          <a:srcRect/>
-          <a:stretch>
-            <a:fillRect/>
-          </a:stretch>
-        </p:blipFill>
-        <p:spPr bwMode="auto">
-          <a:xfrm>
-            <a:off x="8038200" y="1690688"/>
-            <a:ext cx="3600000" cy="3600000"/>
-          </a:xfrm>
-          <a:prstGeom prst="rect">
-            <a:avLst/>
-          </a:prstGeom>
-          <a:noFill/>
-          <a:ln>
-            <a:noFill/>
-          </a:ln>
-        </p:spPr>
-      </p:pic>
     </p:spTree>
     <p:extLst>
       <p:ext uri="{BB962C8B-B14F-4D97-AF65-F5344CB8AC3E}">
-        <p14:creationId xmlns:p14="http://schemas.microsoft.com/office/powerpoint/2010/main" val="2616017321"/>
+        <p14:creationId xmlns:p14="http://schemas.microsoft.com/office/powerpoint/2010/main" val="2677010222"/>
       </p:ext>
     </p:extLst>
   </p:cSld>
@@ -7125,26 +6876,28 @@
           </a:bodyPr>
           <a:lstStyle/>
           <a:p>
-            <a:pPr marL="342900" indent="-342900"/>
             <a:r>
               <a:rPr lang="en-US" altLang="zh-CN" sz="4000" dirty="0">
                 <a:latin typeface="Bahnschrift SemiLight" panose="020B0502040204020203" pitchFamily="34" charset="0"/>
               </a:rPr>
-              <a:t>Gaussian Filtering</a:t>
-            </a:r>
-          </a:p>
-        </p:txBody>
-      </p:sp>
-      <p:pic>
-        <p:nvPicPr>
-          <p:cNvPr id="4" name="Picture 4" descr="https://timgsa.baidu.com/timg?image&amp;quality=80&amp;size=b9999_10000&amp;sec=1571942598977&amp;di=62fda19cdc0fe8b6213b1b0e335bd1ba&amp;imgtype=0&amp;src=http%3A%2F%2Fcdn.onlinewebfonts.com%2Fsvg%2Fimg_326384.png"/>
+              <a:t>Spatial Interpolation</a:t>
+            </a:r>
+            <a:endParaRPr lang="zh-CN" altLang="en-US" sz="4000" dirty="0">
+              <a:latin typeface="Bahnschrift SemiLight" panose="020B0502040204020203" pitchFamily="34" charset="0"/>
+            </a:endParaRPr>
+          </a:p>
+        </p:txBody>
+      </p:sp>
+      <p:pic>
+        <p:nvPicPr>
+          <p:cNvPr id="8" name="Picture 4" descr="https://timgsa.baidu.com/timg?image&amp;quality=80&amp;size=b9999_10000&amp;sec=1571942598977&amp;di=62fda19cdc0fe8b6213b1b0e335bd1ba&amp;imgtype=0&amp;src=http%3A%2F%2Fcdn.onlinewebfonts.com%2Fsvg%2Fimg_326384.png"/>
           <p:cNvPicPr>
             <a:picLocks noChangeAspect="1" noChangeArrowheads="1"/>
           </p:cNvPicPr>
           <p:nvPr/>
         </p:nvPicPr>
         <p:blipFill>
-          <a:blip r:embed="rId3" cstate="print">
+          <a:blip r:embed="rId2" cstate="print">
             <a:extLst>
               <a:ext uri="{28A0092B-C50C-407E-A947-70E740481C1C}">
                 <a14:useLocalDpi xmlns:a14="http://schemas.microsoft.com/office/drawing/2010/main" val="0"/>
@@ -7178,7 +6931,7 @@
       </p:pic>
       <p:sp>
         <p:nvSpPr>
-          <p:cNvPr id="5" name="矩形 4"/>
+          <p:cNvPr id="9" name="矩形 8"/>
           <p:cNvSpPr/>
           <p:nvPr/>
         </p:nvSpPr>
@@ -7207,7 +6960,7 @@
             <a:r>
               <a:rPr lang="en-US" altLang="zh-CN" sz="1600" dirty="0">
                 <a:latin typeface="Bahnschrift SemiLight" panose="020B0502040204020203" pitchFamily="34" charset="0"/>
-                <a:hlinkClick r:id="rId4"/>
+                <a:hlinkClick r:id="rId3"/>
               </a:rPr>
               <a:t>https://github.com/jerryweihuajing/Post-Processing</a:t>
             </a:r>
@@ -7219,10 +6972,10 @@
       </p:sp>
       <p:pic>
         <p:nvPicPr>
-          <p:cNvPr id="9" name="图片 8">
+          <p:cNvPr id="11" name="图片 10">
             <a:extLst>
               <a:ext uri="{FF2B5EF4-FFF2-40B4-BE49-F238E27FC236}">
-                <a16:creationId xmlns:a16="http://schemas.microsoft.com/office/drawing/2014/main" id="{7FAF1CA2-9C47-41E7-9A07-ECA9E3BDBF99}"/>
+                <a16:creationId xmlns:a16="http://schemas.microsoft.com/office/drawing/2014/main" id="{A23A39F3-DC3A-4C32-909F-0ED9880F6E11}"/>
               </a:ext>
             </a:extLst>
           </p:cNvPr>
@@ -7232,7 +6985,7 @@
           <p:nvPr/>
         </p:nvPicPr>
         <p:blipFill>
-          <a:blip r:embed="rId5">
+          <a:blip r:embed="rId4">
             <a:extLst>
               <a:ext uri="{28A0092B-C50C-407E-A947-70E740481C1C}">
                 <a14:useLocalDpi xmlns:a14="http://schemas.microsoft.com/office/drawing/2010/main" val="0"/>
@@ -7255,14 +7008,14 @@
       </p:pic>
       <p:pic>
         <p:nvPicPr>
-          <p:cNvPr id="13" name="图片 12"/>
+          <p:cNvPr id="12" name="图片 11"/>
           <p:cNvPicPr>
             <a:picLocks noChangeAspect="1"/>
           </p:cNvPicPr>
           <p:nvPr/>
         </p:nvPicPr>
         <p:blipFill>
-          <a:blip r:embed="rId6" cstate="print">
+          <a:blip r:embed="rId5" cstate="print">
             <a:extLst>
               <a:ext uri="{28A0092B-C50C-407E-A947-70E740481C1C}">
                 <a14:useLocalDpi xmlns:a14="http://schemas.microsoft.com/office/drawing/2010/main" val="0"/>
@@ -7285,7 +7038,7 @@
       </p:pic>
       <p:pic>
         <p:nvPicPr>
-          <p:cNvPr id="11" name="内容占位符 10" descr="E:\GitHub\YADEM\Post-Processing\2D\Thesis\structural deformation-original.png"/>
+          <p:cNvPr id="10" name="内容占位符 9" descr="E:\GitHub\YADEM\Post-Processing\2D\Thesis\interpolation effect.png"/>
           <p:cNvPicPr>
             <a:picLocks noGrp="1" noChangeAspect="1"/>
           </p:cNvPicPr>
@@ -7294,7 +7047,7 @@
           </p:nvPr>
         </p:nvPicPr>
         <p:blipFill>
-          <a:blip r:embed="rId7" cstate="print">
+          <a:blip r:embed="rId6" cstate="print">
             <a:extLst>
               <a:ext uri="{28A0092B-C50C-407E-A947-70E740481C1C}">
                 <a14:useLocalDpi xmlns:a14="http://schemas.microsoft.com/office/drawing/2010/main" val="0"/>
@@ -7309,7 +7062,7 @@
         <p:spPr bwMode="auto">
           <a:xfrm>
             <a:off x="838200" y="1690688"/>
-            <a:ext cx="4387633" cy="4320000"/>
+            <a:ext cx="3659524" cy="3600000"/>
           </a:xfrm>
           <a:prstGeom prst="rect">
             <a:avLst/>
@@ -7322,14 +7075,14 @@
       </p:pic>
       <p:pic>
         <p:nvPicPr>
-          <p:cNvPr id="16" name="图片 15" descr="E:\GitHub\YADEM\Post-Processing\2D\Thesis\structural deformation-smoothed.png"/>
+          <p:cNvPr id="14" name="图片 13" descr="E:\GitHub\YADEM\Post-Processing\2D\Thesis\filled interpolation effect.png"/>
           <p:cNvPicPr>
             <a:picLocks noChangeAspect="1"/>
           </p:cNvPicPr>
           <p:nvPr/>
         </p:nvPicPr>
         <p:blipFill>
-          <a:blip r:embed="rId8" cstate="print">
+          <a:blip r:embed="rId7" cstate="print">
             <a:extLst>
               <a:ext uri="{28A0092B-C50C-407E-A947-70E740481C1C}">
                 <a14:useLocalDpi xmlns:a14="http://schemas.microsoft.com/office/drawing/2010/main" val="0"/>
@@ -7343,8 +7096,8 @@
         </p:blipFill>
         <p:spPr bwMode="auto">
           <a:xfrm>
-            <a:off x="6092998" y="1690688"/>
-            <a:ext cx="4393636" cy="4320000"/>
+            <a:off x="4497724" y="1690687"/>
+            <a:ext cx="3658085" cy="3600000"/>
           </a:xfrm>
           <a:prstGeom prst="rect">
             <a:avLst/>
@@ -7355,10 +7108,45 @@
           </a:ln>
         </p:spPr>
       </p:pic>
+      <p:pic>
+        <p:nvPicPr>
+          <p:cNvPr id="15" name="图片 14" descr="E:\GitHub\YADEM\Post-Processing\2D\Thesis\interpolation\filled interpolation effect with boundary box.png"/>
+          <p:cNvPicPr>
+            <a:picLocks noChangeAspect="1"/>
+          </p:cNvPicPr>
+          <p:nvPr/>
+        </p:nvPicPr>
+        <p:blipFill>
+          <a:blip r:embed="rId8" cstate="print">
+            <a:extLst>
+              <a:ext uri="{28A0092B-C50C-407E-A947-70E740481C1C}">
+                <a14:useLocalDpi xmlns:a14="http://schemas.microsoft.com/office/drawing/2010/main" val="0"/>
+              </a:ext>
+            </a:extLst>
+          </a:blip>
+          <a:srcRect/>
+          <a:stretch>
+            <a:fillRect/>
+          </a:stretch>
+        </p:blipFill>
+        <p:spPr bwMode="auto">
+          <a:xfrm>
+            <a:off x="8157248" y="1690687"/>
+            <a:ext cx="3658085" cy="3600000"/>
+          </a:xfrm>
+          <a:prstGeom prst="rect">
+            <a:avLst/>
+          </a:prstGeom>
+          <a:noFill/>
+          <a:ln>
+            <a:noFill/>
+          </a:ln>
+        </p:spPr>
+      </p:pic>
     </p:spTree>
     <p:extLst>
       <p:ext uri="{BB962C8B-B14F-4D97-AF65-F5344CB8AC3E}">
-        <p14:creationId xmlns:p14="http://schemas.microsoft.com/office/powerpoint/2010/main" val="62142398"/>
+        <p14:creationId xmlns:p14="http://schemas.microsoft.com/office/powerpoint/2010/main" val="3364445342"/>
       </p:ext>
     </p:extLst>
   </p:cSld>
@@ -7693,7 +7481,7 @@
       </p:pic>
       <p:pic>
         <p:nvPicPr>
-          <p:cNvPr id="10" name="内容占位符 9" descr="E:\GitHub\YADEM\Post-Processing\2D\Thesis\interpolation-grid\filled interpolation effect with mesh.png"/>
+          <p:cNvPr id="12" name="内容占位符 11" descr="E:\GitHub\YADEM\Post-Processing\2D\Thesis\rasterization-grid\rasterization with mesh.png"/>
           <p:cNvPicPr>
             <a:picLocks noGrp="1" noChangeAspect="1"/>
           </p:cNvPicPr>
@@ -7730,7 +7518,7 @@
       </p:pic>
       <p:pic>
         <p:nvPicPr>
-          <p:cNvPr id="15" name="图片 14" descr="E:\GitHub\YADEM\Post-Processing\2D\Thesis\interpolation-grid\filled interpolation effect with mesh and grid.png"/>
+          <p:cNvPr id="14" name="图片 13" descr="E:\GitHub\YADEM\Post-Processing\2D\Thesis\rasterization-grid\rasterization with mesh and grid.png"/>
           <p:cNvPicPr>
             <a:picLocks noChangeAspect="1"/>
           </p:cNvPicPr>
@@ -7765,7 +7553,7 @@
       </p:pic>
       <p:pic>
         <p:nvPicPr>
-          <p:cNvPr id="17" name="图片 16" descr="E:\GitHub\YADEM\Post-Processing\2D\Thesis\interpolation-grid\filled interpolation effect with mesh-smoothed.png"/>
+          <p:cNvPr id="15" name="图片 14" descr="E:\GitHub\YADEM\Post-Processing\2D\Thesis\rasterization-grid\rasterization with mesh-smoothed.png"/>
           <p:cNvPicPr>
             <a:picLocks noChangeAspect="1"/>
           </p:cNvPicPr>
@@ -7786,7 +7574,7 @@
         </p:blipFill>
         <p:spPr bwMode="auto">
           <a:xfrm>
-            <a:off x="8038200" y="1689796"/>
+            <a:off x="8038200" y="1690688"/>
             <a:ext cx="3600000" cy="3600000"/>
           </a:xfrm>
           <a:prstGeom prst="rect">
@@ -7801,7 +7589,7 @@
     </p:spTree>
     <p:extLst>
       <p:ext uri="{BB962C8B-B14F-4D97-AF65-F5344CB8AC3E}">
-        <p14:creationId xmlns:p14="http://schemas.microsoft.com/office/powerpoint/2010/main" val="3367468627"/>
+        <p14:creationId xmlns:p14="http://schemas.microsoft.com/office/powerpoint/2010/main" val="2616017321"/>
       </p:ext>
     </p:extLst>
   </p:cSld>
@@ -8017,11 +7805,13 @@
       </p:pic>
       <p:pic>
         <p:nvPicPr>
-          <p:cNvPr id="11" name="图片 10" descr="E:\GitHub\YADEM\Post-Processing\2D\Thesis\interpolation\filled interpolation effect.png"/>
-          <p:cNvPicPr>
-            <a:picLocks noChangeAspect="1"/>
-          </p:cNvPicPr>
-          <p:nvPr/>
+          <p:cNvPr id="11" name="内容占位符 10" descr="E:\GitHub\YADEM\Post-Processing\2D\Thesis\structural deformation-original.png"/>
+          <p:cNvPicPr>
+            <a:picLocks noGrp="1" noChangeAspect="1"/>
+          </p:cNvPicPr>
+          <p:nvPr>
+            <p:ph idx="1"/>
+          </p:nvPr>
         </p:nvPicPr>
         <p:blipFill>
           <a:blip r:embed="rId7" cstate="print">
@@ -8039,7 +7829,7 @@
         <p:spPr bwMode="auto">
           <a:xfrm>
             <a:off x="838200" y="1690688"/>
-            <a:ext cx="4385767" cy="4320000"/>
+            <a:ext cx="4387633" cy="4320000"/>
           </a:xfrm>
           <a:prstGeom prst="rect">
             <a:avLst/>
@@ -8052,13 +7842,11 @@
       </p:pic>
       <p:pic>
         <p:nvPicPr>
-          <p:cNvPr id="12" name="内容占位符 11" descr="E:\GitHub\YADEM\Post-Processing\2D\Thesis\stress-smoothed.png"/>
-          <p:cNvPicPr>
-            <a:picLocks noGrp="1" noChangeAspect="1"/>
-          </p:cNvPicPr>
-          <p:nvPr>
-            <p:ph idx="1"/>
-          </p:nvPr>
+          <p:cNvPr id="16" name="图片 15" descr="E:\GitHub\YADEM\Post-Processing\2D\Thesis\structural deformation-smoothed.png"/>
+          <p:cNvPicPr>
+            <a:picLocks noChangeAspect="1"/>
+          </p:cNvPicPr>
+          <p:nvPr/>
         </p:nvPicPr>
         <p:blipFill>
           <a:blip r:embed="rId8" cstate="print">
@@ -8075,8 +7863,8 @@
         </p:blipFill>
         <p:spPr bwMode="auto">
           <a:xfrm>
-            <a:off x="6093169" y="1690688"/>
-            <a:ext cx="4391429" cy="4320000"/>
+            <a:off x="6092998" y="1690688"/>
+            <a:ext cx="4393636" cy="4320000"/>
           </a:xfrm>
           <a:prstGeom prst="rect">
             <a:avLst/>
@@ -8090,7 +7878,7 @@
     </p:spTree>
     <p:extLst>
       <p:ext uri="{BB962C8B-B14F-4D97-AF65-F5344CB8AC3E}">
-        <p14:creationId xmlns:p14="http://schemas.microsoft.com/office/powerpoint/2010/main" val="2828233195"/>
+        <p14:creationId xmlns:p14="http://schemas.microsoft.com/office/powerpoint/2010/main" val="62142398"/>
       </p:ext>
     </p:extLst>
   </p:cSld>
@@ -8306,11 +8094,13 @@
       </p:pic>
       <p:pic>
         <p:nvPicPr>
-          <p:cNvPr id="10" name="图片 9" descr="E:\GitHub\YADEM\Post-Processing\2D\Thesis\strain-original.png"/>
-          <p:cNvPicPr>
-            <a:picLocks noChangeAspect="1"/>
-          </p:cNvPicPr>
-          <p:nvPr/>
+          <p:cNvPr id="10" name="内容占位符 9" descr="E:\GitHub\YADEM\Post-Processing\2D\Thesis\interpolation-grid\filled interpolation effect with mesh.png"/>
+          <p:cNvPicPr>
+            <a:picLocks noGrp="1" noChangeAspect="1"/>
+          </p:cNvPicPr>
+          <p:nvPr>
+            <p:ph idx="1"/>
+          </p:nvPr>
         </p:nvPicPr>
         <p:blipFill>
           <a:blip r:embed="rId7" cstate="print">
@@ -8328,7 +8118,7 @@
         <p:spPr bwMode="auto">
           <a:xfrm>
             <a:off x="838200" y="1690688"/>
-            <a:ext cx="4385767" cy="4320000"/>
+            <a:ext cx="3600000" cy="3600000"/>
           </a:xfrm>
           <a:prstGeom prst="rect">
             <a:avLst/>
@@ -8341,13 +8131,11 @@
       </p:pic>
       <p:pic>
         <p:nvPicPr>
-          <p:cNvPr id="15" name="内容占位符 14" descr="E:\GitHub\YADEM\Post-Processing\2D\Thesis\strain-smoothed.png"/>
-          <p:cNvPicPr>
-            <a:picLocks noGrp="1" noChangeAspect="1"/>
-          </p:cNvPicPr>
-          <p:nvPr>
-            <p:ph idx="1"/>
-          </p:nvPr>
+          <p:cNvPr id="15" name="图片 14" descr="E:\GitHub\YADEM\Post-Processing\2D\Thesis\interpolation-grid\filled interpolation effect with mesh and grid.png"/>
+          <p:cNvPicPr>
+            <a:picLocks noChangeAspect="1"/>
+          </p:cNvPicPr>
+          <p:nvPr/>
         </p:nvPicPr>
         <p:blipFill>
           <a:blip r:embed="rId8" cstate="print">
@@ -8364,8 +8152,8 @@
         </p:blipFill>
         <p:spPr bwMode="auto">
           <a:xfrm>
-            <a:off x="6093169" y="1690688"/>
-            <a:ext cx="4391429" cy="4320000"/>
+            <a:off x="4438200" y="1690688"/>
+            <a:ext cx="3600000" cy="3600000"/>
           </a:xfrm>
           <a:prstGeom prst="rect">
             <a:avLst/>
@@ -8376,10 +8164,45 @@
           </a:ln>
         </p:spPr>
       </p:pic>
+      <p:pic>
+        <p:nvPicPr>
+          <p:cNvPr id="17" name="图片 16" descr="E:\GitHub\YADEM\Post-Processing\2D\Thesis\interpolation-grid\filled interpolation effect with mesh-smoothed.png"/>
+          <p:cNvPicPr>
+            <a:picLocks noChangeAspect="1"/>
+          </p:cNvPicPr>
+          <p:nvPr/>
+        </p:nvPicPr>
+        <p:blipFill>
+          <a:blip r:embed="rId9" cstate="print">
+            <a:extLst>
+              <a:ext uri="{28A0092B-C50C-407E-A947-70E740481C1C}">
+                <a14:useLocalDpi xmlns:a14="http://schemas.microsoft.com/office/drawing/2010/main" val="0"/>
+              </a:ext>
+            </a:extLst>
+          </a:blip>
+          <a:srcRect/>
+          <a:stretch>
+            <a:fillRect/>
+          </a:stretch>
+        </p:blipFill>
+        <p:spPr bwMode="auto">
+          <a:xfrm>
+            <a:off x="8038200" y="1689796"/>
+            <a:ext cx="3600000" cy="3600000"/>
+          </a:xfrm>
+          <a:prstGeom prst="rect">
+            <a:avLst/>
+          </a:prstGeom>
+          <a:noFill/>
+          <a:ln>
+            <a:noFill/>
+          </a:ln>
+        </p:spPr>
+      </p:pic>
     </p:spTree>
     <p:extLst>
       <p:ext uri="{BB962C8B-B14F-4D97-AF65-F5344CB8AC3E}">
-        <p14:creationId xmlns:p14="http://schemas.microsoft.com/office/powerpoint/2010/main" val="928881114"/>
+        <p14:creationId xmlns:p14="http://schemas.microsoft.com/office/powerpoint/2010/main" val="3367468627"/>
       </p:ext>
     </p:extLst>
   </p:cSld>
@@ -8440,7 +8263,7 @@
               <a:rPr lang="en-US" altLang="zh-CN" sz="4000" dirty="0">
                 <a:latin typeface="Bahnschrift SemiLight" panose="020B0502040204020203" pitchFamily="34" charset="0"/>
               </a:rPr>
-              <a:t>Boundary Extraction</a:t>
+              <a:t>Gaussian Filtering</a:t>
             </a:r>
           </a:p>
         </p:txBody>
@@ -8454,7 +8277,7 @@
           <p:nvPr/>
         </p:nvPicPr>
         <p:blipFill>
-          <a:blip r:embed="rId2" cstate="print">
+          <a:blip r:embed="rId3" cstate="print">
             <a:extLst>
               <a:ext uri="{28A0092B-C50C-407E-A947-70E740481C1C}">
                 <a14:useLocalDpi xmlns:a14="http://schemas.microsoft.com/office/drawing/2010/main" val="0"/>
@@ -8517,7 +8340,7 @@
             <a:r>
               <a:rPr lang="en-US" altLang="zh-CN" sz="1600" dirty="0">
                 <a:latin typeface="Bahnschrift SemiLight" panose="020B0502040204020203" pitchFamily="34" charset="0"/>
-                <a:hlinkClick r:id="rId3"/>
+                <a:hlinkClick r:id="rId4"/>
               </a:rPr>
               <a:t>https://github.com/jerryweihuajing/Post-Processing</a:t>
             </a:r>
@@ -8529,10 +8352,10 @@
       </p:sp>
       <p:pic>
         <p:nvPicPr>
-          <p:cNvPr id="12" name="图片 11">
+          <p:cNvPr id="9" name="图片 8">
             <a:extLst>
               <a:ext uri="{FF2B5EF4-FFF2-40B4-BE49-F238E27FC236}">
-                <a16:creationId xmlns:a16="http://schemas.microsoft.com/office/drawing/2014/main" id="{A2668651-BAAB-449F-920E-5253D657617C}"/>
+                <a16:creationId xmlns:a16="http://schemas.microsoft.com/office/drawing/2014/main" id="{7FAF1CA2-9C47-41E7-9A07-ECA9E3BDBF99}"/>
               </a:ext>
             </a:extLst>
           </p:cNvPr>
@@ -8542,7 +8365,7 @@
           <p:nvPr/>
         </p:nvPicPr>
         <p:blipFill>
-          <a:blip r:embed="rId4">
+          <a:blip r:embed="rId5">
             <a:extLst>
               <a:ext uri="{28A0092B-C50C-407E-A947-70E740481C1C}">
                 <a14:useLocalDpi xmlns:a14="http://schemas.microsoft.com/office/drawing/2010/main" val="0"/>
@@ -8565,14 +8388,14 @@
       </p:pic>
       <p:pic>
         <p:nvPicPr>
-          <p:cNvPr id="8" name="图片 7"/>
+          <p:cNvPr id="13" name="图片 12"/>
           <p:cNvPicPr>
             <a:picLocks noChangeAspect="1"/>
           </p:cNvPicPr>
           <p:nvPr/>
         </p:nvPicPr>
         <p:blipFill>
-          <a:blip r:embed="rId5" cstate="print">
+          <a:blip r:embed="rId6" cstate="print">
             <a:extLst>
               <a:ext uri="{28A0092B-C50C-407E-A947-70E740481C1C}">
                 <a14:useLocalDpi xmlns:a14="http://schemas.microsoft.com/office/drawing/2010/main" val="0"/>
@@ -8595,14 +8418,14 @@
       </p:pic>
       <p:pic>
         <p:nvPicPr>
-          <p:cNvPr id="9" name="图片 8" descr="E:\GitHub\YADEM\Post-Processing\2D\Thesis\inlier-grid\erosion\square\content with mesh.png"/>
+          <p:cNvPr id="11" name="图片 10" descr="E:\GitHub\YADEM\Post-Processing\2D\Thesis\interpolation\filled interpolation effect.png"/>
           <p:cNvPicPr>
             <a:picLocks noChangeAspect="1"/>
           </p:cNvPicPr>
           <p:nvPr/>
         </p:nvPicPr>
         <p:blipFill>
-          <a:blip r:embed="rId6" cstate="print">
+          <a:blip r:embed="rId7" cstate="print">
             <a:extLst>
               <a:ext uri="{28A0092B-C50C-407E-A947-70E740481C1C}">
                 <a14:useLocalDpi xmlns:a14="http://schemas.microsoft.com/office/drawing/2010/main" val="0"/>
@@ -8616,8 +8439,8 @@
         </p:blipFill>
         <p:spPr bwMode="auto">
           <a:xfrm>
-            <a:off x="838200" y="1686831"/>
-            <a:ext cx="3600000" cy="3600000"/>
+            <a:off x="838200" y="1690688"/>
+            <a:ext cx="4385767" cy="4320000"/>
           </a:xfrm>
           <a:prstGeom prst="rect">
             <a:avLst/>
@@ -8630,14 +8453,16 @@
       </p:pic>
       <p:pic>
         <p:nvPicPr>
-          <p:cNvPr id="10" name="图片 9" descr="E:\GitHub\YADEM\Post-Processing\2D\Thesis\inlier-grid\erosion\square\boundary with mesh and grid.png"/>
-          <p:cNvPicPr>
-            <a:picLocks noChangeAspect="1"/>
-          </p:cNvPicPr>
-          <p:nvPr/>
-        </p:nvPicPr>
-        <p:blipFill>
-          <a:blip r:embed="rId7" cstate="print">
+          <p:cNvPr id="12" name="内容占位符 11" descr="E:\GitHub\YADEM\Post-Processing\2D\Thesis\stress-smoothed.png"/>
+          <p:cNvPicPr>
+            <a:picLocks noGrp="1" noChangeAspect="1"/>
+          </p:cNvPicPr>
+          <p:nvPr>
+            <p:ph idx="1"/>
+          </p:nvPr>
+        </p:nvPicPr>
+        <p:blipFill>
+          <a:blip r:embed="rId8" cstate="print">
             <a:extLst>
               <a:ext uri="{28A0092B-C50C-407E-A947-70E740481C1C}">
                 <a14:useLocalDpi xmlns:a14="http://schemas.microsoft.com/office/drawing/2010/main" val="0"/>
@@ -8651,8 +8476,8 @@
         </p:blipFill>
         <p:spPr bwMode="auto">
           <a:xfrm>
-            <a:off x="4438200" y="1686831"/>
-            <a:ext cx="3600000" cy="3600000"/>
+            <a:off x="6093169" y="1690688"/>
+            <a:ext cx="4391429" cy="4320000"/>
           </a:xfrm>
           <a:prstGeom prst="rect">
             <a:avLst/>
@@ -8663,45 +8488,10 @@
           </a:ln>
         </p:spPr>
       </p:pic>
-      <p:pic>
-        <p:nvPicPr>
-          <p:cNvPr id="11" name="图片 10" descr="E:\GitHub\YADEM\Post-Processing\2D\Thesis\inlier-grid\erosion\square\boundary with mesh.png"/>
-          <p:cNvPicPr>
-            <a:picLocks noChangeAspect="1"/>
-          </p:cNvPicPr>
-          <p:nvPr/>
-        </p:nvPicPr>
-        <p:blipFill>
-          <a:blip r:embed="rId8" cstate="print">
-            <a:extLst>
-              <a:ext uri="{28A0092B-C50C-407E-A947-70E740481C1C}">
-                <a14:useLocalDpi xmlns:a14="http://schemas.microsoft.com/office/drawing/2010/main" val="0"/>
-              </a:ext>
-            </a:extLst>
-          </a:blip>
-          <a:srcRect/>
-          <a:stretch>
-            <a:fillRect/>
-          </a:stretch>
-        </p:blipFill>
-        <p:spPr bwMode="auto">
-          <a:xfrm>
-            <a:off x="8038200" y="1686831"/>
-            <a:ext cx="3600000" cy="3600000"/>
-          </a:xfrm>
-          <a:prstGeom prst="rect">
-            <a:avLst/>
-          </a:prstGeom>
-          <a:noFill/>
-          <a:ln>
-            <a:noFill/>
-          </a:ln>
-        </p:spPr>
-      </p:pic>
     </p:spTree>
     <p:extLst>
       <p:ext uri="{BB962C8B-B14F-4D97-AF65-F5344CB8AC3E}">
-        <p14:creationId xmlns:p14="http://schemas.microsoft.com/office/powerpoint/2010/main" val="4129228310"/>
+        <p14:creationId xmlns:p14="http://schemas.microsoft.com/office/powerpoint/2010/main" val="2828233195"/>
       </p:ext>
     </p:extLst>
   </p:cSld>
@@ -8762,7 +8552,7 @@
               <a:rPr lang="en-US" altLang="zh-CN" sz="4000" dirty="0">
                 <a:latin typeface="Bahnschrift SemiLight" panose="020B0502040204020203" pitchFamily="34" charset="0"/>
               </a:rPr>
-              <a:t>Boundary Extraction</a:t>
+              <a:t>Gaussian Filtering</a:t>
             </a:r>
           </a:p>
         </p:txBody>
@@ -8776,7 +8566,7 @@
           <p:nvPr/>
         </p:nvPicPr>
         <p:blipFill>
-          <a:blip r:embed="rId2" cstate="print">
+          <a:blip r:embed="rId3" cstate="print">
             <a:extLst>
               <a:ext uri="{28A0092B-C50C-407E-A947-70E740481C1C}">
                 <a14:useLocalDpi xmlns:a14="http://schemas.microsoft.com/office/drawing/2010/main" val="0"/>
@@ -8839,7 +8629,7 @@
             <a:r>
               <a:rPr lang="en-US" altLang="zh-CN" sz="1600" dirty="0">
                 <a:latin typeface="Bahnschrift SemiLight" panose="020B0502040204020203" pitchFamily="34" charset="0"/>
-                <a:hlinkClick r:id="rId3"/>
+                <a:hlinkClick r:id="rId4"/>
               </a:rPr>
               <a:t>https://github.com/jerryweihuajing/Post-Processing</a:t>
             </a:r>
@@ -8851,10 +8641,10 @@
       </p:sp>
       <p:pic>
         <p:nvPicPr>
-          <p:cNvPr id="12" name="图片 11">
+          <p:cNvPr id="9" name="图片 8">
             <a:extLst>
               <a:ext uri="{FF2B5EF4-FFF2-40B4-BE49-F238E27FC236}">
-                <a16:creationId xmlns:a16="http://schemas.microsoft.com/office/drawing/2014/main" id="{A2668651-BAAB-449F-920E-5253D657617C}"/>
+                <a16:creationId xmlns:a16="http://schemas.microsoft.com/office/drawing/2014/main" id="{7FAF1CA2-9C47-41E7-9A07-ECA9E3BDBF99}"/>
               </a:ext>
             </a:extLst>
           </p:cNvPr>
@@ -8864,7 +8654,7 @@
           <p:nvPr/>
         </p:nvPicPr>
         <p:blipFill>
-          <a:blip r:embed="rId4">
+          <a:blip r:embed="rId5">
             <a:extLst>
               <a:ext uri="{28A0092B-C50C-407E-A947-70E740481C1C}">
                 <a14:useLocalDpi xmlns:a14="http://schemas.microsoft.com/office/drawing/2010/main" val="0"/>
@@ -8887,14 +8677,14 @@
       </p:pic>
       <p:pic>
         <p:nvPicPr>
-          <p:cNvPr id="8" name="图片 7"/>
+          <p:cNvPr id="13" name="图片 12"/>
           <p:cNvPicPr>
             <a:picLocks noChangeAspect="1"/>
           </p:cNvPicPr>
           <p:nvPr/>
         </p:nvPicPr>
         <p:blipFill>
-          <a:blip r:embed="rId5" cstate="print">
+          <a:blip r:embed="rId6" cstate="print">
             <a:extLst>
               <a:ext uri="{28A0092B-C50C-407E-A947-70E740481C1C}">
                 <a14:useLocalDpi xmlns:a14="http://schemas.microsoft.com/office/drawing/2010/main" val="0"/>
@@ -8917,14 +8707,14 @@
       </p:pic>
       <p:pic>
         <p:nvPicPr>
-          <p:cNvPr id="13" name="图片 12" descr="E:\GitHub\YADEM\Post-Processing\2D\Thesis\inlier-grid\expansion\irregular\content with mesh.png"/>
+          <p:cNvPr id="10" name="图片 9" descr="E:\GitHub\YADEM\Post-Processing\2D\Thesis\strain-original.png"/>
           <p:cNvPicPr>
             <a:picLocks noChangeAspect="1"/>
           </p:cNvPicPr>
           <p:nvPr/>
         </p:nvPicPr>
         <p:blipFill>
-          <a:blip r:embed="rId6" cstate="print">
+          <a:blip r:embed="rId7" cstate="print">
             <a:extLst>
               <a:ext uri="{28A0092B-C50C-407E-A947-70E740481C1C}">
                 <a14:useLocalDpi xmlns:a14="http://schemas.microsoft.com/office/drawing/2010/main" val="0"/>
@@ -8938,8 +8728,8 @@
         </p:blipFill>
         <p:spPr bwMode="auto">
           <a:xfrm>
-            <a:off x="838200" y="1691343"/>
-            <a:ext cx="3600000" cy="3600000"/>
+            <a:off x="838200" y="1690688"/>
+            <a:ext cx="4385767" cy="4320000"/>
           </a:xfrm>
           <a:prstGeom prst="rect">
             <a:avLst/>
@@ -8952,14 +8742,16 @@
       </p:pic>
       <p:pic>
         <p:nvPicPr>
-          <p:cNvPr id="14" name="图片 13" descr="E:\GitHub\YADEM\Post-Processing\2D\Thesis\inlier-grid\erosion\irregular\boundary with mesh and grid.png"/>
-          <p:cNvPicPr>
-            <a:picLocks noChangeAspect="1"/>
-          </p:cNvPicPr>
-          <p:nvPr/>
-        </p:nvPicPr>
-        <p:blipFill>
-          <a:blip r:embed="rId7" cstate="print">
+          <p:cNvPr id="15" name="内容占位符 14" descr="E:\GitHub\YADEM\Post-Processing\2D\Thesis\strain-smoothed.png"/>
+          <p:cNvPicPr>
+            <a:picLocks noGrp="1" noChangeAspect="1"/>
+          </p:cNvPicPr>
+          <p:nvPr>
+            <p:ph idx="1"/>
+          </p:nvPr>
+        </p:nvPicPr>
+        <p:blipFill>
+          <a:blip r:embed="rId8" cstate="print">
             <a:extLst>
               <a:ext uri="{28A0092B-C50C-407E-A947-70E740481C1C}">
                 <a14:useLocalDpi xmlns:a14="http://schemas.microsoft.com/office/drawing/2010/main" val="0"/>
@@ -8973,8 +8765,8 @@
         </p:blipFill>
         <p:spPr bwMode="auto">
           <a:xfrm>
-            <a:off x="4438200" y="1691343"/>
-            <a:ext cx="3600000" cy="3600000"/>
+            <a:off x="6093169" y="1690688"/>
+            <a:ext cx="4391429" cy="4320000"/>
           </a:xfrm>
           <a:prstGeom prst="rect">
             <a:avLst/>
@@ -8985,45 +8777,10 @@
           </a:ln>
         </p:spPr>
       </p:pic>
-      <p:pic>
-        <p:nvPicPr>
-          <p:cNvPr id="15" name="图片 14" descr="E:\GitHub\YADEM\Post-Processing\2D\Thesis\inlier-grid\erosion\irregular\boundary with mesh.png"/>
-          <p:cNvPicPr>
-            <a:picLocks noChangeAspect="1"/>
-          </p:cNvPicPr>
-          <p:nvPr/>
-        </p:nvPicPr>
-        <p:blipFill>
-          <a:blip r:embed="rId8" cstate="print">
-            <a:extLst>
-              <a:ext uri="{28A0092B-C50C-407E-A947-70E740481C1C}">
-                <a14:useLocalDpi xmlns:a14="http://schemas.microsoft.com/office/drawing/2010/main" val="0"/>
-              </a:ext>
-            </a:extLst>
-          </a:blip>
-          <a:srcRect/>
-          <a:stretch>
-            <a:fillRect/>
-          </a:stretch>
-        </p:blipFill>
-        <p:spPr bwMode="auto">
-          <a:xfrm>
-            <a:off x="8038200" y="1668453"/>
-            <a:ext cx="3600000" cy="3600000"/>
-          </a:xfrm>
-          <a:prstGeom prst="rect">
-            <a:avLst/>
-          </a:prstGeom>
-          <a:noFill/>
-          <a:ln>
-            <a:noFill/>
-          </a:ln>
-        </p:spPr>
-      </p:pic>
     </p:spTree>
     <p:extLst>
       <p:ext uri="{BB962C8B-B14F-4D97-AF65-F5344CB8AC3E}">
-        <p14:creationId xmlns:p14="http://schemas.microsoft.com/office/powerpoint/2010/main" val="1599505904"/>
+        <p14:creationId xmlns:p14="http://schemas.microsoft.com/office/powerpoint/2010/main" val="928881114"/>
       </p:ext>
     </p:extLst>
   </p:cSld>
@@ -9239,7 +8996,7 @@
       </p:pic>
       <p:pic>
         <p:nvPicPr>
-          <p:cNvPr id="7" name="图片 6" descr="E:\GitHub\YADEM\Post-Processing\2D\Thesis\rasterization\rasterization.png"/>
+          <p:cNvPr id="9" name="图片 8" descr="E:\GitHub\YADEM\Post-Processing\2D\Thesis\inlier-grid\erosion\square\content with mesh.png"/>
           <p:cNvPicPr>
             <a:picLocks noChangeAspect="1"/>
           </p:cNvPicPr>
@@ -9260,8 +9017,8 @@
         </p:blipFill>
         <p:spPr bwMode="auto">
           <a:xfrm>
-            <a:off x="838200" y="1690688"/>
-            <a:ext cx="4385767" cy="4320000"/>
+            <a:off x="838200" y="1686831"/>
+            <a:ext cx="3600000" cy="3600000"/>
           </a:xfrm>
           <a:prstGeom prst="rect">
             <a:avLst/>
@@ -9274,7 +9031,7 @@
       </p:pic>
       <p:pic>
         <p:nvPicPr>
-          <p:cNvPr id="9" name="图片 8" descr="E:\GitHub\YADEM\Post-Processing\2D\Thesis\inlier\ROI boundary.png"/>
+          <p:cNvPr id="10" name="图片 9" descr="E:\GitHub\YADEM\Post-Processing\2D\Thesis\inlier-grid\erosion\square\boundary with mesh and grid.png"/>
           <p:cNvPicPr>
             <a:picLocks noChangeAspect="1"/>
           </p:cNvPicPr>
@@ -9295,8 +9052,8 @@
         </p:blipFill>
         <p:spPr bwMode="auto">
           <a:xfrm>
-            <a:off x="6096000" y="1690688"/>
-            <a:ext cx="4385767" cy="4320000"/>
+            <a:off x="4438200" y="1686831"/>
+            <a:ext cx="3600000" cy="3600000"/>
           </a:xfrm>
           <a:prstGeom prst="rect">
             <a:avLst/>
@@ -9307,10 +9064,45 @@
           </a:ln>
         </p:spPr>
       </p:pic>
+      <p:pic>
+        <p:nvPicPr>
+          <p:cNvPr id="11" name="图片 10" descr="E:\GitHub\YADEM\Post-Processing\2D\Thesis\inlier-grid\erosion\square\boundary with mesh.png"/>
+          <p:cNvPicPr>
+            <a:picLocks noChangeAspect="1"/>
+          </p:cNvPicPr>
+          <p:nvPr/>
+        </p:nvPicPr>
+        <p:blipFill>
+          <a:blip r:embed="rId8" cstate="print">
+            <a:extLst>
+              <a:ext uri="{28A0092B-C50C-407E-A947-70E740481C1C}">
+                <a14:useLocalDpi xmlns:a14="http://schemas.microsoft.com/office/drawing/2010/main" val="0"/>
+              </a:ext>
+            </a:extLst>
+          </a:blip>
+          <a:srcRect/>
+          <a:stretch>
+            <a:fillRect/>
+          </a:stretch>
+        </p:blipFill>
+        <p:spPr bwMode="auto">
+          <a:xfrm>
+            <a:off x="8038200" y="1686831"/>
+            <a:ext cx="3600000" cy="3600000"/>
+          </a:xfrm>
+          <a:prstGeom prst="rect">
+            <a:avLst/>
+          </a:prstGeom>
+          <a:noFill/>
+          <a:ln>
+            <a:noFill/>
+          </a:ln>
+        </p:spPr>
+      </p:pic>
     </p:spTree>
     <p:extLst>
       <p:ext uri="{BB962C8B-B14F-4D97-AF65-F5344CB8AC3E}">
-        <p14:creationId xmlns:p14="http://schemas.microsoft.com/office/powerpoint/2010/main" val="3471540092"/>
+        <p14:creationId xmlns:p14="http://schemas.microsoft.com/office/powerpoint/2010/main" val="4129228310"/>
       </p:ext>
     </p:extLst>
   </p:cSld>
@@ -9526,7 +9318,7 @@
       </p:pic>
       <p:pic>
         <p:nvPicPr>
-          <p:cNvPr id="10" name="图片 9" descr="E:\GitHub\YADEM\Post-Processing\2D\Thesis\strain-smoothed.png"/>
+          <p:cNvPr id="13" name="图片 12" descr="E:\GitHub\YADEM\Post-Processing\2D\Thesis\inlier-grid\expansion\irregular\content with mesh.png"/>
           <p:cNvPicPr>
             <a:picLocks noChangeAspect="1"/>
           </p:cNvPicPr>
@@ -9547,8 +9339,8 @@
         </p:blipFill>
         <p:spPr bwMode="auto">
           <a:xfrm>
-            <a:off x="838200" y="1690688"/>
-            <a:ext cx="4400216" cy="4320000"/>
+            <a:off x="838200" y="1691343"/>
+            <a:ext cx="3600000" cy="3600000"/>
           </a:xfrm>
           <a:prstGeom prst="rect">
             <a:avLst/>
@@ -9561,7 +9353,7 @@
       </p:pic>
       <p:pic>
         <p:nvPicPr>
-          <p:cNvPr id="11" name="图片 10" descr="E:\GitHub\YADEM\Post-Processing\2D\Thesis\inlier\strain ROI.png"/>
+          <p:cNvPr id="14" name="图片 13" descr="E:\GitHub\YADEM\Post-Processing\2D\Thesis\inlier-grid\erosion\irregular\boundary with mesh and grid.png"/>
           <p:cNvPicPr>
             <a:picLocks noChangeAspect="1"/>
           </p:cNvPicPr>
@@ -9582,8 +9374,8 @@
         </p:blipFill>
         <p:spPr bwMode="auto">
           <a:xfrm>
-            <a:off x="6103224" y="1690688"/>
-            <a:ext cx="4385767" cy="4320000"/>
+            <a:off x="4438200" y="1691343"/>
+            <a:ext cx="3600000" cy="3600000"/>
           </a:xfrm>
           <a:prstGeom prst="rect">
             <a:avLst/>
@@ -9594,10 +9386,45 @@
           </a:ln>
         </p:spPr>
       </p:pic>
+      <p:pic>
+        <p:nvPicPr>
+          <p:cNvPr id="15" name="图片 14" descr="E:\GitHub\YADEM\Post-Processing\2D\Thesis\inlier-grid\erosion\irregular\boundary with mesh.png"/>
+          <p:cNvPicPr>
+            <a:picLocks noChangeAspect="1"/>
+          </p:cNvPicPr>
+          <p:nvPr/>
+        </p:nvPicPr>
+        <p:blipFill>
+          <a:blip r:embed="rId8" cstate="print">
+            <a:extLst>
+              <a:ext uri="{28A0092B-C50C-407E-A947-70E740481C1C}">
+                <a14:useLocalDpi xmlns:a14="http://schemas.microsoft.com/office/drawing/2010/main" val="0"/>
+              </a:ext>
+            </a:extLst>
+          </a:blip>
+          <a:srcRect/>
+          <a:stretch>
+            <a:fillRect/>
+          </a:stretch>
+        </p:blipFill>
+        <p:spPr bwMode="auto">
+          <a:xfrm>
+            <a:off x="8038200" y="1668453"/>
+            <a:ext cx="3600000" cy="3600000"/>
+          </a:xfrm>
+          <a:prstGeom prst="rect">
+            <a:avLst/>
+          </a:prstGeom>
+          <a:noFill/>
+          <a:ln>
+            <a:noFill/>
+          </a:ln>
+        </p:spPr>
+      </p:pic>
     </p:spTree>
     <p:extLst>
       <p:ext uri="{BB962C8B-B14F-4D97-AF65-F5344CB8AC3E}">
-        <p14:creationId xmlns:p14="http://schemas.microsoft.com/office/powerpoint/2010/main" val="1559366914"/>
+        <p14:creationId xmlns:p14="http://schemas.microsoft.com/office/powerpoint/2010/main" val="1599505904"/>
       </p:ext>
     </p:extLst>
   </p:cSld>
@@ -9653,19 +9480,19 @@
           </a:bodyPr>
           <a:lstStyle/>
           <a:p>
+            <a:pPr marL="342900" indent="-342900"/>
             <a:r>
               <a:rPr lang="en-US" altLang="zh-CN" sz="4000" dirty="0">
                 <a:latin typeface="Bahnschrift SemiLight" panose="020B0502040204020203" pitchFamily="34" charset="0"/>
               </a:rPr>
-              <a:t>Outline Calculation</a:t>
-            </a:r>
-            <a:endParaRPr lang="zh-CN" altLang="en-US" sz="4000" dirty="0"/>
-          </a:p>
-        </p:txBody>
-      </p:sp>
-      <p:pic>
-        <p:nvPicPr>
-          <p:cNvPr id="8" name="Picture 4" descr="https://timgsa.baidu.com/timg?image&amp;quality=80&amp;size=b9999_10000&amp;sec=1571942598977&amp;di=62fda19cdc0fe8b6213b1b0e335bd1ba&amp;imgtype=0&amp;src=http%3A%2F%2Fcdn.onlinewebfonts.com%2Fsvg%2Fimg_326384.png"/>
+              <a:t>Boundary Extraction</a:t>
+            </a:r>
+          </a:p>
+        </p:txBody>
+      </p:sp>
+      <p:pic>
+        <p:nvPicPr>
+          <p:cNvPr id="4" name="Picture 4" descr="https://timgsa.baidu.com/timg?image&amp;quality=80&amp;size=b9999_10000&amp;sec=1571942598977&amp;di=62fda19cdc0fe8b6213b1b0e335bd1ba&amp;imgtype=0&amp;src=http%3A%2F%2Fcdn.onlinewebfonts.com%2Fsvg%2Fimg_326384.png"/>
           <p:cNvPicPr>
             <a:picLocks noChangeAspect="1" noChangeArrowheads="1"/>
           </p:cNvPicPr>
@@ -9706,7 +9533,7 @@
       </p:pic>
       <p:sp>
         <p:nvSpPr>
-          <p:cNvPr id="9" name="矩形 8"/>
+          <p:cNvPr id="5" name="矩形 4"/>
           <p:cNvSpPr/>
           <p:nvPr/>
         </p:nvSpPr>
@@ -9747,10 +9574,10 @@
       </p:sp>
       <p:pic>
         <p:nvPicPr>
-          <p:cNvPr id="11" name="图片 10">
+          <p:cNvPr id="12" name="图片 11">
             <a:extLst>
               <a:ext uri="{FF2B5EF4-FFF2-40B4-BE49-F238E27FC236}">
-                <a16:creationId xmlns:a16="http://schemas.microsoft.com/office/drawing/2014/main" id="{658CEFC9-0A41-4083-91BD-1AD944F1ABEF}"/>
+                <a16:creationId xmlns:a16="http://schemas.microsoft.com/office/drawing/2014/main" id="{A2668651-BAAB-449F-920E-5253D657617C}"/>
               </a:ext>
             </a:extLst>
           </p:cNvPr>
@@ -9783,7 +9610,7 @@
       </p:pic>
       <p:pic>
         <p:nvPicPr>
-          <p:cNvPr id="12" name="图片 11"/>
+          <p:cNvPr id="8" name="图片 7"/>
           <p:cNvPicPr>
             <a:picLocks noChangeAspect="1"/>
           </p:cNvPicPr>
@@ -9813,13 +9640,11 @@
       </p:pic>
       <p:pic>
         <p:nvPicPr>
-          <p:cNvPr id="10" name="内容占位符 9" descr="E:\GitHub\YADEM\Post-Processing\2D\Thesis\inlier-grid\erosion\irregular\content with mesh.png"/>
-          <p:cNvPicPr>
-            <a:picLocks noGrp="1" noChangeAspect="1"/>
-          </p:cNvPicPr>
-          <p:nvPr>
-            <p:ph idx="1"/>
-          </p:nvPr>
+          <p:cNvPr id="7" name="图片 6" descr="E:\GitHub\YADEM\Post-Processing\2D\Thesis\rasterization\rasterization.png"/>
+          <p:cNvPicPr>
+            <a:picLocks noChangeAspect="1"/>
+          </p:cNvPicPr>
+          <p:nvPr/>
         </p:nvPicPr>
         <p:blipFill>
           <a:blip r:embed="rId6" cstate="print">
@@ -9837,7 +9662,7 @@
         <p:spPr bwMode="auto">
           <a:xfrm>
             <a:off x="838200" y="1690688"/>
-            <a:ext cx="4320000" cy="4320000"/>
+            <a:ext cx="4385767" cy="4320000"/>
           </a:xfrm>
           <a:prstGeom prst="rect">
             <a:avLst/>
@@ -9850,7 +9675,7 @@
       </p:pic>
       <p:pic>
         <p:nvPicPr>
-          <p:cNvPr id="13" name="图片 12" descr="E:\GitHub\YADEM\Post-Processing\2D\Thesis\inlier-grid\simple outlier with mesh.png"/>
+          <p:cNvPr id="9" name="图片 8" descr="E:\GitHub\YADEM\Post-Processing\2D\Thesis\inlier\ROI boundary.png"/>
           <p:cNvPicPr>
             <a:picLocks noChangeAspect="1"/>
           </p:cNvPicPr>
@@ -9872,7 +9697,7 @@
         <p:spPr bwMode="auto">
           <a:xfrm>
             <a:off x="6096000" y="1690688"/>
-            <a:ext cx="4320000" cy="4320000"/>
+            <a:ext cx="4385767" cy="4320000"/>
           </a:xfrm>
           <a:prstGeom prst="rect">
             <a:avLst/>
@@ -9886,7 +9711,7 @@
     </p:spTree>
     <p:extLst>
       <p:ext uri="{BB962C8B-B14F-4D97-AF65-F5344CB8AC3E}">
-        <p14:creationId xmlns:p14="http://schemas.microsoft.com/office/powerpoint/2010/main" val="4239433960"/>
+        <p14:creationId xmlns:p14="http://schemas.microsoft.com/office/powerpoint/2010/main" val="3471540092"/>
       </p:ext>
     </p:extLst>
   </p:cSld>
@@ -9942,19 +9767,19 @@
           </a:bodyPr>
           <a:lstStyle/>
           <a:p>
+            <a:pPr marL="342900" indent="-342900"/>
             <a:r>
               <a:rPr lang="en-US" altLang="zh-CN" sz="4000" dirty="0">
                 <a:latin typeface="Bahnschrift SemiLight" panose="020B0502040204020203" pitchFamily="34" charset="0"/>
               </a:rPr>
-              <a:t>Outline Calculation</a:t>
-            </a:r>
-            <a:endParaRPr lang="zh-CN" altLang="en-US" sz="4000" dirty="0"/>
-          </a:p>
-        </p:txBody>
-      </p:sp>
-      <p:pic>
-        <p:nvPicPr>
-          <p:cNvPr id="8" name="Picture 4" descr="https://timgsa.baidu.com/timg?image&amp;quality=80&amp;size=b9999_10000&amp;sec=1571942598977&amp;di=62fda19cdc0fe8b6213b1b0e335bd1ba&amp;imgtype=0&amp;src=http%3A%2F%2Fcdn.onlinewebfonts.com%2Fsvg%2Fimg_326384.png"/>
+              <a:t>Boundary Extraction</a:t>
+            </a:r>
+          </a:p>
+        </p:txBody>
+      </p:sp>
+      <p:pic>
+        <p:nvPicPr>
+          <p:cNvPr id="4" name="Picture 4" descr="https://timgsa.baidu.com/timg?image&amp;quality=80&amp;size=b9999_10000&amp;sec=1571942598977&amp;di=62fda19cdc0fe8b6213b1b0e335bd1ba&amp;imgtype=0&amp;src=http%3A%2F%2Fcdn.onlinewebfonts.com%2Fsvg%2Fimg_326384.png"/>
           <p:cNvPicPr>
             <a:picLocks noChangeAspect="1" noChangeArrowheads="1"/>
           </p:cNvPicPr>
@@ -9995,7 +9820,7 @@
       </p:pic>
       <p:sp>
         <p:nvSpPr>
-          <p:cNvPr id="9" name="矩形 8"/>
+          <p:cNvPr id="5" name="矩形 4"/>
           <p:cNvSpPr/>
           <p:nvPr/>
         </p:nvSpPr>
@@ -10036,10 +9861,10 @@
       </p:sp>
       <p:pic>
         <p:nvPicPr>
-          <p:cNvPr id="11" name="图片 10">
+          <p:cNvPr id="12" name="图片 11">
             <a:extLst>
               <a:ext uri="{FF2B5EF4-FFF2-40B4-BE49-F238E27FC236}">
-                <a16:creationId xmlns:a16="http://schemas.microsoft.com/office/drawing/2014/main" id="{658CEFC9-0A41-4083-91BD-1AD944F1ABEF}"/>
+                <a16:creationId xmlns:a16="http://schemas.microsoft.com/office/drawing/2014/main" id="{A2668651-BAAB-449F-920E-5253D657617C}"/>
               </a:ext>
             </a:extLst>
           </p:cNvPr>
@@ -10072,7 +9897,7 @@
       </p:pic>
       <p:pic>
         <p:nvPicPr>
-          <p:cNvPr id="12" name="图片 11"/>
+          <p:cNvPr id="8" name="图片 7"/>
           <p:cNvPicPr>
             <a:picLocks noChangeAspect="1"/>
           </p:cNvPicPr>
@@ -10102,13 +9927,11 @@
       </p:pic>
       <p:pic>
         <p:nvPicPr>
-          <p:cNvPr id="14" name="内容占位符 13" descr="E:\GitHub\YADEM\Post-Processing\2D\Thesis\inlier-grid\simple outlier with grid and mesh.png"/>
-          <p:cNvPicPr>
-            <a:picLocks noGrp="1" noChangeAspect="1"/>
-          </p:cNvPicPr>
-          <p:nvPr>
-            <p:ph idx="1"/>
-          </p:nvPr>
+          <p:cNvPr id="10" name="图片 9" descr="E:\GitHub\YADEM\Post-Processing\2D\Thesis\strain-smoothed.png"/>
+          <p:cNvPicPr>
+            <a:picLocks noChangeAspect="1"/>
+          </p:cNvPicPr>
+          <p:nvPr/>
         </p:nvPicPr>
         <p:blipFill>
           <a:blip r:embed="rId6" cstate="print">
@@ -10125,8 +9948,8 @@
         </p:blipFill>
         <p:spPr bwMode="auto">
           <a:xfrm>
-            <a:off x="838200" y="1686537"/>
-            <a:ext cx="4320000" cy="4320000"/>
+            <a:off x="838200" y="1690688"/>
+            <a:ext cx="4400216" cy="4320000"/>
           </a:xfrm>
           <a:prstGeom prst="rect">
             <a:avLst/>
@@ -10139,7 +9962,7 @@
       </p:pic>
       <p:pic>
         <p:nvPicPr>
-          <p:cNvPr id="15" name="图片 14" descr="E:\GitHub\YADEM\Post-Processing\2D\Thesis\inlier-grid\fine outlier and mesh.png"/>
+          <p:cNvPr id="11" name="图片 10" descr="E:\GitHub\YADEM\Post-Processing\2D\Thesis\inlier\strain ROI.png"/>
           <p:cNvPicPr>
             <a:picLocks noChangeAspect="1"/>
           </p:cNvPicPr>
@@ -10160,8 +9983,8 @@
         </p:blipFill>
         <p:spPr bwMode="auto">
           <a:xfrm>
-            <a:off x="6096000" y="1686537"/>
-            <a:ext cx="4320000" cy="4320000"/>
+            <a:off x="6103224" y="1690688"/>
+            <a:ext cx="4385767" cy="4320000"/>
           </a:xfrm>
           <a:prstGeom prst="rect">
             <a:avLst/>
@@ -10175,7 +9998,7 @@
     </p:spTree>
     <p:extLst>
       <p:ext uri="{BB962C8B-B14F-4D97-AF65-F5344CB8AC3E}">
-        <p14:creationId xmlns:p14="http://schemas.microsoft.com/office/powerpoint/2010/main" val="3531112036"/>
+        <p14:creationId xmlns:p14="http://schemas.microsoft.com/office/powerpoint/2010/main" val="1559366914"/>
       </p:ext>
     </p:extLst>
   </p:cSld>
@@ -10391,11 +10214,13 @@
       </p:pic>
       <p:pic>
         <p:nvPicPr>
-          <p:cNvPr id="16" name="图片 15" descr="E:\GitHub\YADEM\Post-Processing\2D\Thesis\outlier\outlier.png"/>
-          <p:cNvPicPr>
-            <a:picLocks noChangeAspect="1"/>
-          </p:cNvPicPr>
-          <p:nvPr/>
+          <p:cNvPr id="10" name="内容占位符 9" descr="E:\GitHub\YADEM\Post-Processing\2D\Thesis\inlier-grid\erosion\irregular\content with mesh.png"/>
+          <p:cNvPicPr>
+            <a:picLocks noGrp="1" noChangeAspect="1"/>
+          </p:cNvPicPr>
+          <p:nvPr>
+            <p:ph idx="1"/>
+          </p:nvPr>
         </p:nvPicPr>
         <p:blipFill>
           <a:blip r:embed="rId6" cstate="print">
@@ -10412,8 +10237,8 @@
         </p:blipFill>
         <p:spPr bwMode="auto">
           <a:xfrm>
-            <a:off x="4497355" y="1690688"/>
-            <a:ext cx="3658085" cy="3600000"/>
+            <a:off x="838200" y="1690688"/>
+            <a:ext cx="4320000" cy="4320000"/>
           </a:xfrm>
           <a:prstGeom prst="rect">
             <a:avLst/>
@@ -10426,7 +10251,7 @@
       </p:pic>
       <p:pic>
         <p:nvPicPr>
-          <p:cNvPr id="17" name="图片 16" descr="E:\GitHub\YADEM\Post-Processing\2D\Thesis\outlier\outline improvement.png"/>
+          <p:cNvPr id="13" name="图片 12" descr="E:\GitHub\YADEM\Post-Processing\2D\Thesis\inlier-grid\simple outlier with mesh.png"/>
           <p:cNvPicPr>
             <a:picLocks noChangeAspect="1"/>
           </p:cNvPicPr>
@@ -10447,8 +10272,8 @@
         </p:blipFill>
         <p:spPr bwMode="auto">
           <a:xfrm>
-            <a:off x="8156510" y="1690688"/>
-            <a:ext cx="3658085" cy="3600000"/>
+            <a:off x="6096000" y="1690688"/>
+            <a:ext cx="4320000" cy="4320000"/>
           </a:xfrm>
           <a:prstGeom prst="rect">
             <a:avLst/>
@@ -10459,39 +10284,10 @@
           </a:ln>
         </p:spPr>
       </p:pic>
-      <p:pic>
-        <p:nvPicPr>
-          <p:cNvPr id="4" name="内容占位符 3"/>
-          <p:cNvPicPr>
-            <a:picLocks noGrp="1" noChangeAspect="1"/>
-          </p:cNvPicPr>
-          <p:nvPr>
-            <p:ph idx="1"/>
-          </p:nvPr>
-        </p:nvPicPr>
-        <p:blipFill>
-          <a:blip r:embed="rId8" cstate="print">
-            <a:extLst>
-              <a:ext uri="{28A0092B-C50C-407E-A947-70E740481C1C}">
-                <a14:useLocalDpi xmlns:a14="http://schemas.microsoft.com/office/drawing/2010/main" val="0"/>
-              </a:ext>
-            </a:extLst>
-          </a:blip>
-          <a:stretch>
-            <a:fillRect/>
-          </a:stretch>
-        </p:blipFill>
-        <p:spPr>
-          <a:xfrm>
-            <a:off x="836761" y="1690688"/>
-            <a:ext cx="3659524" cy="3600000"/>
-          </a:xfrm>
-        </p:spPr>
-      </p:pic>
     </p:spTree>
     <p:extLst>
       <p:ext uri="{BB962C8B-B14F-4D97-AF65-F5344CB8AC3E}">
-        <p14:creationId xmlns:p14="http://schemas.microsoft.com/office/powerpoint/2010/main" val="2503516940"/>
+        <p14:creationId xmlns:p14="http://schemas.microsoft.com/office/powerpoint/2010/main" val="4239433960"/>
       </p:ext>
     </p:extLst>
   </p:cSld>
@@ -10829,7 +10625,7 @@
       </p:pic>
       <p:pic>
         <p:nvPicPr>
-          <p:cNvPr id="14" name="内容占位符 13" descr="E:\GitHub\YADEM\Post-Processing\2D\Thesis\strain-smoothed.png"/>
+          <p:cNvPr id="14" name="内容占位符 13" descr="E:\GitHub\YADEM\Post-Processing\2D\Thesis\inlier-grid\simple outlier with grid and mesh.png"/>
           <p:cNvPicPr>
             <a:picLocks noGrp="1" noChangeAspect="1"/>
           </p:cNvPicPr>
@@ -10852,8 +10648,8 @@
         </p:blipFill>
         <p:spPr bwMode="auto">
           <a:xfrm>
-            <a:off x="838200" y="1690688"/>
-            <a:ext cx="4391429" cy="4320000"/>
+            <a:off x="838200" y="1686537"/>
+            <a:ext cx="4320000" cy="4320000"/>
           </a:xfrm>
           <a:prstGeom prst="rect">
             <a:avLst/>
@@ -10866,7 +10662,7 @@
       </p:pic>
       <p:pic>
         <p:nvPicPr>
-          <p:cNvPr id="15" name="图片 14" descr="E:\GitHub\YADEM\Post-Processing\2D\Thesis\inlier\strain ROI.png"/>
+          <p:cNvPr id="15" name="图片 14" descr="E:\GitHub\YADEM\Post-Processing\2D\Thesis\inlier-grid\fine outlier and mesh.png"/>
           <p:cNvPicPr>
             <a:picLocks noChangeAspect="1"/>
           </p:cNvPicPr>
@@ -10887,8 +10683,8 @@
         </p:blipFill>
         <p:spPr bwMode="auto">
           <a:xfrm>
-            <a:off x="6094896" y="1690688"/>
-            <a:ext cx="4393636" cy="4320000"/>
+            <a:off x="6096000" y="1686537"/>
+            <a:ext cx="4320000" cy="4320000"/>
           </a:xfrm>
           <a:prstGeom prst="rect">
             <a:avLst/>
@@ -10902,7 +10698,7 @@
     </p:spTree>
     <p:extLst>
       <p:ext uri="{BB962C8B-B14F-4D97-AF65-F5344CB8AC3E}">
-        <p14:creationId xmlns:p14="http://schemas.microsoft.com/office/powerpoint/2010/main" val="3222656385"/>
+        <p14:creationId xmlns:p14="http://schemas.microsoft.com/office/powerpoint/2010/main" val="3531112036"/>
       </p:ext>
     </p:extLst>
   </p:cSld>
@@ -10962,69 +10758,263 @@
               <a:rPr lang="en-US" altLang="zh-CN" sz="4000" dirty="0">
                 <a:latin typeface="Bahnschrift SemiLight" panose="020B0502040204020203" pitchFamily="34" charset="0"/>
               </a:rPr>
-              <a:t>Content</a:t>
-            </a:r>
-            <a:endParaRPr lang="zh-CN" altLang="en-US" sz="4000" dirty="0">
+              <a:t>Outline Calculation</a:t>
+            </a:r>
+            <a:endParaRPr lang="zh-CN" altLang="en-US" sz="4000" dirty="0"/>
+          </a:p>
+        </p:txBody>
+      </p:sp>
+      <p:pic>
+        <p:nvPicPr>
+          <p:cNvPr id="8" name="Picture 4" descr="https://timgsa.baidu.com/timg?image&amp;quality=80&amp;size=b9999_10000&amp;sec=1571942598977&amp;di=62fda19cdc0fe8b6213b1b0e335bd1ba&amp;imgtype=0&amp;src=http%3A%2F%2Fcdn.onlinewebfonts.com%2Fsvg%2Fimg_326384.png"/>
+          <p:cNvPicPr>
+            <a:picLocks noChangeAspect="1" noChangeArrowheads="1"/>
+          </p:cNvPicPr>
+          <p:nvPr/>
+        </p:nvPicPr>
+        <p:blipFill>
+          <a:blip r:embed="rId2" cstate="print">
+            <a:extLst>
+              <a:ext uri="{28A0092B-C50C-407E-A947-70E740481C1C}">
+                <a14:useLocalDpi xmlns:a14="http://schemas.microsoft.com/office/drawing/2010/main" val="0"/>
+              </a:ext>
+            </a:extLst>
+          </a:blip>
+          <a:srcRect/>
+          <a:stretch>
+            <a:fillRect/>
+          </a:stretch>
+        </p:blipFill>
+        <p:spPr bwMode="auto">
+          <a:xfrm>
+            <a:off x="11353800" y="5975393"/>
+            <a:ext cx="727364" cy="745624"/>
+          </a:xfrm>
+          <a:prstGeom prst="rect">
+            <a:avLst/>
+          </a:prstGeom>
+          <a:noFill/>
+          <a:extLst>
+            <a:ext uri="{909E8E84-426E-40DD-AFC4-6F175D3DCCD1}">
+              <a14:hiddenFill xmlns:a14="http://schemas.microsoft.com/office/drawing/2010/main">
+                <a:solidFill>
+                  <a:srgbClr val="FFFFFF"/>
+                </a:solidFill>
+              </a14:hiddenFill>
+            </a:ext>
+          </a:extLst>
+        </p:spPr>
+      </p:pic>
+      <p:sp>
+        <p:nvSpPr>
+          <p:cNvPr id="9" name="矩形 8"/>
+          <p:cNvSpPr/>
+          <p:nvPr/>
+        </p:nvSpPr>
+        <p:spPr>
+          <a:xfrm>
+            <a:off x="3587482" y="6383355"/>
+            <a:ext cx="7766318" cy="338554"/>
+          </a:xfrm>
+          <a:prstGeom prst="rect">
+            <a:avLst/>
+          </a:prstGeom>
+        </p:spPr>
+        <p:txBody>
+          <a:bodyPr wrap="square">
+            <a:spAutoFit/>
+          </a:bodyPr>
+          <a:lstStyle/>
+          <a:p>
+            <a:pPr algn="r"/>
+            <a:r>
+              <a:rPr lang="en-US" altLang="zh-CN" sz="1600" dirty="0">
+                <a:latin typeface="Bahnschrift SemiLight" panose="020B0502040204020203" pitchFamily="34" charset="0"/>
+              </a:rPr>
+              <a:t>GitHub: </a:t>
+            </a:r>
+            <a:r>
+              <a:rPr lang="en-US" altLang="zh-CN" sz="1600" dirty="0">
+                <a:latin typeface="Bahnschrift SemiLight" panose="020B0502040204020203" pitchFamily="34" charset="0"/>
+                <a:hlinkClick r:id="rId3"/>
+              </a:rPr>
+              <a:t>https://github.com/jerryweihuajing/Post-Processing</a:t>
+            </a:r>
+            <a:endParaRPr lang="en-US" altLang="zh-CN" sz="1600" dirty="0">
               <a:latin typeface="Bahnschrift SemiLight" panose="020B0502040204020203" pitchFamily="34" charset="0"/>
             </a:endParaRPr>
           </a:p>
         </p:txBody>
       </p:sp>
-      <p:sp>
-        <p:nvSpPr>
-          <p:cNvPr id="3" name="内容占位符 2"/>
-          <p:cNvSpPr>
-            <a:spLocks noGrp="1"/>
-          </p:cNvSpPr>
+      <p:pic>
+        <p:nvPicPr>
+          <p:cNvPr id="11" name="图片 10">
+            <a:extLst>
+              <a:ext uri="{FF2B5EF4-FFF2-40B4-BE49-F238E27FC236}">
+                <a16:creationId xmlns:a16="http://schemas.microsoft.com/office/drawing/2014/main" id="{658CEFC9-0A41-4083-91BD-1AD944F1ABEF}"/>
+              </a:ext>
+            </a:extLst>
+          </p:cNvPr>
+          <p:cNvPicPr>
+            <a:picLocks noChangeAspect="1"/>
+          </p:cNvPicPr>
+          <p:nvPr/>
+        </p:nvPicPr>
+        <p:blipFill>
+          <a:blip r:embed="rId4">
+            <a:extLst>
+              <a:ext uri="{28A0092B-C50C-407E-A947-70E740481C1C}">
+                <a14:useLocalDpi xmlns:a14="http://schemas.microsoft.com/office/drawing/2010/main" val="0"/>
+              </a:ext>
+            </a:extLst>
+          </a:blip>
+          <a:stretch>
+            <a:fillRect/>
+          </a:stretch>
+        </p:blipFill>
+        <p:spPr>
+          <a:xfrm>
+            <a:off x="9022080" y="681037"/>
+            <a:ext cx="2331720" cy="579454"/>
+          </a:xfrm>
+          <a:prstGeom prst="rect">
+            <a:avLst/>
+          </a:prstGeom>
+        </p:spPr>
+      </p:pic>
+      <p:pic>
+        <p:nvPicPr>
+          <p:cNvPr id="12" name="图片 11"/>
+          <p:cNvPicPr>
+            <a:picLocks noChangeAspect="1"/>
+          </p:cNvPicPr>
+          <p:nvPr/>
+        </p:nvPicPr>
+        <p:blipFill>
+          <a:blip r:embed="rId5" cstate="print">
+            <a:extLst>
+              <a:ext uri="{28A0092B-C50C-407E-A947-70E740481C1C}">
+                <a14:useLocalDpi xmlns:a14="http://schemas.microsoft.com/office/drawing/2010/main" val="0"/>
+              </a:ext>
+            </a:extLst>
+          </a:blip>
+          <a:stretch>
+            <a:fillRect/>
+          </a:stretch>
+        </p:blipFill>
+        <p:spPr>
+          <a:xfrm>
+            <a:off x="249935" y="6440600"/>
+            <a:ext cx="1176530" cy="280417"/>
+          </a:xfrm>
+          <a:prstGeom prst="rect">
+            <a:avLst/>
+          </a:prstGeom>
+        </p:spPr>
+      </p:pic>
+      <p:pic>
+        <p:nvPicPr>
+          <p:cNvPr id="16" name="图片 15" descr="E:\GitHub\YADEM\Post-Processing\2D\Thesis\outlier\outlier.png"/>
+          <p:cNvPicPr>
+            <a:picLocks noChangeAspect="1"/>
+          </p:cNvPicPr>
+          <p:nvPr/>
+        </p:nvPicPr>
+        <p:blipFill>
+          <a:blip r:embed="rId6" cstate="print">
+            <a:extLst>
+              <a:ext uri="{28A0092B-C50C-407E-A947-70E740481C1C}">
+                <a14:useLocalDpi xmlns:a14="http://schemas.microsoft.com/office/drawing/2010/main" val="0"/>
+              </a:ext>
+            </a:extLst>
+          </a:blip>
+          <a:srcRect/>
+          <a:stretch>
+            <a:fillRect/>
+          </a:stretch>
+        </p:blipFill>
+        <p:spPr bwMode="auto">
+          <a:xfrm>
+            <a:off x="4497355" y="1690688"/>
+            <a:ext cx="3658085" cy="3600000"/>
+          </a:xfrm>
+          <a:prstGeom prst="rect">
+            <a:avLst/>
+          </a:prstGeom>
+          <a:noFill/>
+          <a:ln>
+            <a:noFill/>
+          </a:ln>
+        </p:spPr>
+      </p:pic>
+      <p:pic>
+        <p:nvPicPr>
+          <p:cNvPr id="17" name="图片 16" descr="E:\GitHub\YADEM\Post-Processing\2D\Thesis\outlier\outline improvement.png"/>
+          <p:cNvPicPr>
+            <a:picLocks noChangeAspect="1"/>
+          </p:cNvPicPr>
+          <p:nvPr/>
+        </p:nvPicPr>
+        <p:blipFill>
+          <a:blip r:embed="rId7" cstate="print">
+            <a:extLst>
+              <a:ext uri="{28A0092B-C50C-407E-A947-70E740481C1C}">
+                <a14:useLocalDpi xmlns:a14="http://schemas.microsoft.com/office/drawing/2010/main" val="0"/>
+              </a:ext>
+            </a:extLst>
+          </a:blip>
+          <a:srcRect/>
+          <a:stretch>
+            <a:fillRect/>
+          </a:stretch>
+        </p:blipFill>
+        <p:spPr bwMode="auto">
+          <a:xfrm>
+            <a:off x="8156510" y="1690688"/>
+            <a:ext cx="3658085" cy="3600000"/>
+          </a:xfrm>
+          <a:prstGeom prst="rect">
+            <a:avLst/>
+          </a:prstGeom>
+          <a:noFill/>
+          <a:ln>
+            <a:noFill/>
+          </a:ln>
+        </p:spPr>
+      </p:pic>
+      <p:pic>
+        <p:nvPicPr>
+          <p:cNvPr id="4" name="内容占位符 3"/>
+          <p:cNvPicPr>
+            <a:picLocks noGrp="1" noChangeAspect="1"/>
+          </p:cNvPicPr>
           <p:nvPr>
             <p:ph idx="1"/>
           </p:nvPr>
-        </p:nvSpPr>
-        <p:spPr/>
-        <p:txBody>
-          <a:bodyPr>
-            <a:normAutofit/>
-          </a:bodyPr>
-          <a:lstStyle/>
-          <a:p>
-            <a:r>
-              <a:rPr lang="en-US" altLang="zh-CN" sz="2400" dirty="0">
-                <a:latin typeface="Bahnschrift SemiLight" panose="020B0502040204020203" pitchFamily="34" charset="0"/>
-                <a:ea typeface="+mj-ea"/>
-                <a:cs typeface="+mj-cs"/>
-              </a:rPr>
-              <a:t>Background</a:t>
-            </a:r>
-          </a:p>
-          <a:p>
-            <a:r>
-              <a:rPr lang="en-US" altLang="zh-CN" sz="2400" dirty="0">
-                <a:latin typeface="Bahnschrift SemiLight" panose="020B0502040204020203" pitchFamily="34" charset="0"/>
-                <a:ea typeface="+mj-ea"/>
-                <a:cs typeface="+mj-cs"/>
-              </a:rPr>
-              <a:t>Algorithm</a:t>
-            </a:r>
-          </a:p>
-          <a:p>
-            <a:r>
-              <a:rPr lang="en-US" altLang="zh-CN" sz="2400" dirty="0">
-                <a:solidFill>
-                  <a:srgbClr val="FF0000"/>
-                </a:solidFill>
-                <a:latin typeface="Bahnschrift SemiLight" panose="020B0502040204020203" pitchFamily="34" charset="0"/>
-                <a:ea typeface="+mj-ea"/>
-                <a:cs typeface="+mj-cs"/>
-              </a:rPr>
-              <a:t>Aim</a:t>
-            </a:r>
-          </a:p>
-        </p:txBody>
-      </p:sp>
+        </p:nvPicPr>
+        <p:blipFill>
+          <a:blip r:embed="rId8" cstate="print">
+            <a:extLst>
+              <a:ext uri="{28A0092B-C50C-407E-A947-70E740481C1C}">
+                <a14:useLocalDpi xmlns:a14="http://schemas.microsoft.com/office/drawing/2010/main" val="0"/>
+              </a:ext>
+            </a:extLst>
+          </a:blip>
+          <a:stretch>
+            <a:fillRect/>
+          </a:stretch>
+        </p:blipFill>
+        <p:spPr>
+          <a:xfrm>
+            <a:off x="836761" y="1690688"/>
+            <a:ext cx="3659524" cy="3600000"/>
+          </a:xfrm>
+        </p:spPr>
+      </p:pic>
     </p:spTree>
     <p:extLst>
       <p:ext uri="{BB962C8B-B14F-4D97-AF65-F5344CB8AC3E}">
-        <p14:creationId xmlns:p14="http://schemas.microsoft.com/office/powerpoint/2010/main" val="1275233354"/>
+        <p14:creationId xmlns:p14="http://schemas.microsoft.com/office/powerpoint/2010/main" val="2503516940"/>
       </p:ext>
     </p:extLst>
   </p:cSld>
@@ -11084,124 +11074,236 @@
               <a:rPr lang="en-US" altLang="zh-CN" sz="4000" dirty="0">
                 <a:latin typeface="Bahnschrift SemiLight" panose="020B0502040204020203" pitchFamily="34" charset="0"/>
               </a:rPr>
-              <a:t>Aim</a:t>
-            </a:r>
-            <a:endParaRPr lang="zh-CN" altLang="en-US" sz="4000" dirty="0">
+              <a:t>Outline Calculation</a:t>
+            </a:r>
+            <a:endParaRPr lang="zh-CN" altLang="en-US" sz="4000" dirty="0"/>
+          </a:p>
+        </p:txBody>
+      </p:sp>
+      <p:pic>
+        <p:nvPicPr>
+          <p:cNvPr id="8" name="Picture 4" descr="https://timgsa.baidu.com/timg?image&amp;quality=80&amp;size=b9999_10000&amp;sec=1571942598977&amp;di=62fda19cdc0fe8b6213b1b0e335bd1ba&amp;imgtype=0&amp;src=http%3A%2F%2Fcdn.onlinewebfonts.com%2Fsvg%2Fimg_326384.png"/>
+          <p:cNvPicPr>
+            <a:picLocks noChangeAspect="1" noChangeArrowheads="1"/>
+          </p:cNvPicPr>
+          <p:nvPr/>
+        </p:nvPicPr>
+        <p:blipFill>
+          <a:blip r:embed="rId2" cstate="print">
+            <a:extLst>
+              <a:ext uri="{28A0092B-C50C-407E-A947-70E740481C1C}">
+                <a14:useLocalDpi xmlns:a14="http://schemas.microsoft.com/office/drawing/2010/main" val="0"/>
+              </a:ext>
+            </a:extLst>
+          </a:blip>
+          <a:srcRect/>
+          <a:stretch>
+            <a:fillRect/>
+          </a:stretch>
+        </p:blipFill>
+        <p:spPr bwMode="auto">
+          <a:xfrm>
+            <a:off x="11353800" y="5975393"/>
+            <a:ext cx="727364" cy="745624"/>
+          </a:xfrm>
+          <a:prstGeom prst="rect">
+            <a:avLst/>
+          </a:prstGeom>
+          <a:noFill/>
+          <a:extLst>
+            <a:ext uri="{909E8E84-426E-40DD-AFC4-6F175D3DCCD1}">
+              <a14:hiddenFill xmlns:a14="http://schemas.microsoft.com/office/drawing/2010/main">
+                <a:solidFill>
+                  <a:srgbClr val="FFFFFF"/>
+                </a:solidFill>
+              </a14:hiddenFill>
+            </a:ext>
+          </a:extLst>
+        </p:spPr>
+      </p:pic>
+      <p:sp>
+        <p:nvSpPr>
+          <p:cNvPr id="9" name="矩形 8"/>
+          <p:cNvSpPr/>
+          <p:nvPr/>
+        </p:nvSpPr>
+        <p:spPr>
+          <a:xfrm>
+            <a:off x="3587482" y="6383355"/>
+            <a:ext cx="7766318" cy="338554"/>
+          </a:xfrm>
+          <a:prstGeom prst="rect">
+            <a:avLst/>
+          </a:prstGeom>
+        </p:spPr>
+        <p:txBody>
+          <a:bodyPr wrap="square">
+            <a:spAutoFit/>
+          </a:bodyPr>
+          <a:lstStyle/>
+          <a:p>
+            <a:pPr algn="r"/>
+            <a:r>
+              <a:rPr lang="en-US" altLang="zh-CN" sz="1600" dirty="0">
+                <a:latin typeface="Bahnschrift SemiLight" panose="020B0502040204020203" pitchFamily="34" charset="0"/>
+              </a:rPr>
+              <a:t>GitHub: </a:t>
+            </a:r>
+            <a:r>
+              <a:rPr lang="en-US" altLang="zh-CN" sz="1600" dirty="0">
+                <a:latin typeface="Bahnschrift SemiLight" panose="020B0502040204020203" pitchFamily="34" charset="0"/>
+                <a:hlinkClick r:id="rId3"/>
+              </a:rPr>
+              <a:t>https://github.com/jerryweihuajing/Post-Processing</a:t>
+            </a:r>
+            <a:endParaRPr lang="en-US" altLang="zh-CN" sz="1600" dirty="0">
               <a:latin typeface="Bahnschrift SemiLight" panose="020B0502040204020203" pitchFamily="34" charset="0"/>
             </a:endParaRPr>
           </a:p>
         </p:txBody>
       </p:sp>
-      <p:sp>
-        <p:nvSpPr>
-          <p:cNvPr id="3" name="内容占位符 2"/>
-          <p:cNvSpPr>
-            <a:spLocks noGrp="1"/>
-          </p:cNvSpPr>
+      <p:pic>
+        <p:nvPicPr>
+          <p:cNvPr id="11" name="图片 10">
+            <a:extLst>
+              <a:ext uri="{FF2B5EF4-FFF2-40B4-BE49-F238E27FC236}">
+                <a16:creationId xmlns:a16="http://schemas.microsoft.com/office/drawing/2014/main" id="{658CEFC9-0A41-4083-91BD-1AD944F1ABEF}"/>
+              </a:ext>
+            </a:extLst>
+          </p:cNvPr>
+          <p:cNvPicPr>
+            <a:picLocks noChangeAspect="1"/>
+          </p:cNvPicPr>
+          <p:nvPr/>
+        </p:nvPicPr>
+        <p:blipFill>
+          <a:blip r:embed="rId4">
+            <a:extLst>
+              <a:ext uri="{28A0092B-C50C-407E-A947-70E740481C1C}">
+                <a14:useLocalDpi xmlns:a14="http://schemas.microsoft.com/office/drawing/2010/main" val="0"/>
+              </a:ext>
+            </a:extLst>
+          </a:blip>
+          <a:stretch>
+            <a:fillRect/>
+          </a:stretch>
+        </p:blipFill>
+        <p:spPr>
+          <a:xfrm>
+            <a:off x="9022080" y="681037"/>
+            <a:ext cx="2331720" cy="579454"/>
+          </a:xfrm>
+          <a:prstGeom prst="rect">
+            <a:avLst/>
+          </a:prstGeom>
+        </p:spPr>
+      </p:pic>
+      <p:pic>
+        <p:nvPicPr>
+          <p:cNvPr id="12" name="图片 11"/>
+          <p:cNvPicPr>
+            <a:picLocks noChangeAspect="1"/>
+          </p:cNvPicPr>
+          <p:nvPr/>
+        </p:nvPicPr>
+        <p:blipFill>
+          <a:blip r:embed="rId5" cstate="print">
+            <a:extLst>
+              <a:ext uri="{28A0092B-C50C-407E-A947-70E740481C1C}">
+                <a14:useLocalDpi xmlns:a14="http://schemas.microsoft.com/office/drawing/2010/main" val="0"/>
+              </a:ext>
+            </a:extLst>
+          </a:blip>
+          <a:stretch>
+            <a:fillRect/>
+          </a:stretch>
+        </p:blipFill>
+        <p:spPr>
+          <a:xfrm>
+            <a:off x="249935" y="6440600"/>
+            <a:ext cx="1176530" cy="280417"/>
+          </a:xfrm>
+          <a:prstGeom prst="rect">
+            <a:avLst/>
+          </a:prstGeom>
+        </p:spPr>
+      </p:pic>
+      <p:pic>
+        <p:nvPicPr>
+          <p:cNvPr id="14" name="内容占位符 13" descr="E:\GitHub\YADEM\Post-Processing\2D\Thesis\strain-smoothed.png"/>
+          <p:cNvPicPr>
+            <a:picLocks noGrp="1" noChangeAspect="1"/>
+          </p:cNvPicPr>
           <p:nvPr>
             <p:ph idx="1"/>
           </p:nvPr>
-        </p:nvSpPr>
-        <p:spPr/>
-        <p:txBody>
-          <a:bodyPr>
-            <a:normAutofit/>
-          </a:bodyPr>
-          <a:lstStyle/>
-          <a:p>
-            <a:r>
-              <a:rPr lang="en-US" altLang="zh-CN" sz="2400" dirty="0">
-                <a:latin typeface="Bahnschrift SemiLight" panose="020B0502040204020203" pitchFamily="34" charset="0"/>
-                <a:ea typeface="+mj-ea"/>
-                <a:cs typeface="+mj-cs"/>
-              </a:rPr>
-              <a:t>Viewing Transformation</a:t>
-            </a:r>
-          </a:p>
-          <a:p>
-            <a:r>
-              <a:rPr lang="en-US" altLang="zh-CN" sz="2400" dirty="0">
-                <a:latin typeface="Bahnschrift SemiLight" panose="020B0502040204020203" pitchFamily="34" charset="0"/>
-                <a:ea typeface="+mj-ea"/>
-                <a:cs typeface="+mj-cs"/>
-              </a:rPr>
-              <a:t>(Circle) Rasterization </a:t>
-            </a:r>
-          </a:p>
-          <a:p>
-            <a:r>
-              <a:rPr lang="en-US" altLang="zh-CN" sz="2400" dirty="0">
-                <a:latin typeface="Bahnschrift SemiLight" panose="020B0502040204020203" pitchFamily="34" charset="0"/>
-                <a:ea typeface="+mj-ea"/>
-                <a:cs typeface="+mj-cs"/>
-              </a:rPr>
-              <a:t>Spatial Interpolation</a:t>
-            </a:r>
-          </a:p>
-          <a:p>
-            <a:r>
-              <a:rPr lang="en-US" altLang="zh-CN" sz="2400" dirty="0">
-                <a:latin typeface="Bahnschrift SemiLight" panose="020B0502040204020203" pitchFamily="34" charset="0"/>
-                <a:ea typeface="+mj-ea"/>
-                <a:cs typeface="+mj-cs"/>
-              </a:rPr>
-              <a:t>Z-Buffering</a:t>
-            </a:r>
-          </a:p>
-        </p:txBody>
-      </p:sp>
-      <p:pic>
-        <p:nvPicPr>
-          <p:cNvPr id="4" name="图片 3"/>
+        </p:nvPicPr>
+        <p:blipFill>
+          <a:blip r:embed="rId6" cstate="print">
+            <a:extLst>
+              <a:ext uri="{28A0092B-C50C-407E-A947-70E740481C1C}">
+                <a14:useLocalDpi xmlns:a14="http://schemas.microsoft.com/office/drawing/2010/main" val="0"/>
+              </a:ext>
+            </a:extLst>
+          </a:blip>
+          <a:srcRect/>
+          <a:stretch>
+            <a:fillRect/>
+          </a:stretch>
+        </p:blipFill>
+        <p:spPr bwMode="auto">
+          <a:xfrm>
+            <a:off x="838200" y="1690688"/>
+            <a:ext cx="4391429" cy="4320000"/>
+          </a:xfrm>
+          <a:prstGeom prst="rect">
+            <a:avLst/>
+          </a:prstGeom>
+          <a:noFill/>
+          <a:ln>
+            <a:noFill/>
+          </a:ln>
+        </p:spPr>
+      </p:pic>
+      <p:pic>
+        <p:nvPicPr>
+          <p:cNvPr id="15" name="图片 14" descr="E:\GitHub\YADEM\Post-Processing\2D\Thesis\inlier\strain ROI.png"/>
           <p:cNvPicPr>
             <a:picLocks noChangeAspect="1"/>
           </p:cNvPicPr>
           <p:nvPr/>
         </p:nvPicPr>
         <p:blipFill>
-          <a:blip r:embed="rId2"/>
-          <a:stretch>
-            <a:fillRect/>
-          </a:stretch>
-        </p:blipFill>
-        <p:spPr>
-          <a:xfrm>
-            <a:off x="8006871" y="877246"/>
-            <a:ext cx="2460000" cy="2520000"/>
-          </a:xfrm>
-          <a:prstGeom prst="rect">
-            <a:avLst/>
-          </a:prstGeom>
-        </p:spPr>
-      </p:pic>
-      <p:pic>
-        <p:nvPicPr>
-          <p:cNvPr id="5" name="图片 4"/>
-          <p:cNvPicPr>
-            <a:picLocks noChangeAspect="1"/>
-          </p:cNvPicPr>
-          <p:nvPr/>
-        </p:nvPicPr>
-        <p:blipFill>
-          <a:blip r:embed="rId3"/>
-          <a:stretch>
-            <a:fillRect/>
-          </a:stretch>
-        </p:blipFill>
-        <p:spPr>
-          <a:xfrm>
-            <a:off x="8006871" y="3754603"/>
-            <a:ext cx="3600000" cy="2422360"/>
-          </a:xfrm>
-          <a:prstGeom prst="rect">
-            <a:avLst/>
-          </a:prstGeom>
+          <a:blip r:embed="rId7" cstate="print">
+            <a:extLst>
+              <a:ext uri="{28A0092B-C50C-407E-A947-70E740481C1C}">
+                <a14:useLocalDpi xmlns:a14="http://schemas.microsoft.com/office/drawing/2010/main" val="0"/>
+              </a:ext>
+            </a:extLst>
+          </a:blip>
+          <a:srcRect/>
+          <a:stretch>
+            <a:fillRect/>
+          </a:stretch>
+        </p:blipFill>
+        <p:spPr bwMode="auto">
+          <a:xfrm>
+            <a:off x="6094896" y="1690688"/>
+            <a:ext cx="4393636" cy="4320000"/>
+          </a:xfrm>
+          <a:prstGeom prst="rect">
+            <a:avLst/>
+          </a:prstGeom>
+          <a:noFill/>
+          <a:ln>
+            <a:noFill/>
+          </a:ln>
         </p:spPr>
       </p:pic>
     </p:spTree>
     <p:extLst>
       <p:ext uri="{BB962C8B-B14F-4D97-AF65-F5344CB8AC3E}">
-        <p14:creationId xmlns:p14="http://schemas.microsoft.com/office/powerpoint/2010/main" val="2810952392"/>
+        <p14:creationId xmlns:p14="http://schemas.microsoft.com/office/powerpoint/2010/main" val="3222656385"/>
       </p:ext>
     </p:extLst>
   </p:cSld>
@@ -11224,6 +11326,128 @@
 </file>
 
 <file path=ppt/slides/slide33.xml><?xml version="1.0" encoding="utf-8"?>
+<p:sld xmlns:a="http://schemas.openxmlformats.org/drawingml/2006/main" xmlns:r="http://schemas.openxmlformats.org/officeDocument/2006/relationships" xmlns:p="http://schemas.openxmlformats.org/presentationml/2006/main">
+  <p:cSld>
+    <p:spTree>
+      <p:nvGrpSpPr>
+        <p:cNvPr id="1" name=""/>
+        <p:cNvGrpSpPr/>
+        <p:nvPr/>
+      </p:nvGrpSpPr>
+      <p:grpSpPr>
+        <a:xfrm>
+          <a:off x="0" y="0"/>
+          <a:ext cx="0" cy="0"/>
+          <a:chOff x="0" y="0"/>
+          <a:chExt cx="0" cy="0"/>
+        </a:xfrm>
+      </p:grpSpPr>
+      <p:sp>
+        <p:nvSpPr>
+          <p:cNvPr id="2" name="标题 1"/>
+          <p:cNvSpPr>
+            <a:spLocks noGrp="1"/>
+          </p:cNvSpPr>
+          <p:nvPr>
+            <p:ph type="title"/>
+          </p:nvPr>
+        </p:nvSpPr>
+        <p:spPr/>
+        <p:txBody>
+          <a:bodyPr>
+            <a:normAutofit/>
+          </a:bodyPr>
+          <a:lstStyle/>
+          <a:p>
+            <a:r>
+              <a:rPr lang="en-US" altLang="zh-CN" sz="4000" dirty="0">
+                <a:latin typeface="Bahnschrift SemiLight" panose="020B0502040204020203" pitchFamily="34" charset="0"/>
+              </a:rPr>
+              <a:t>Content</a:t>
+            </a:r>
+            <a:endParaRPr lang="zh-CN" altLang="en-US" sz="4000" dirty="0">
+              <a:latin typeface="Bahnschrift SemiLight" panose="020B0502040204020203" pitchFamily="34" charset="0"/>
+            </a:endParaRPr>
+          </a:p>
+        </p:txBody>
+      </p:sp>
+      <p:sp>
+        <p:nvSpPr>
+          <p:cNvPr id="3" name="内容占位符 2"/>
+          <p:cNvSpPr>
+            <a:spLocks noGrp="1"/>
+          </p:cNvSpPr>
+          <p:nvPr>
+            <p:ph idx="1"/>
+          </p:nvPr>
+        </p:nvSpPr>
+        <p:spPr/>
+        <p:txBody>
+          <a:bodyPr>
+            <a:normAutofit/>
+          </a:bodyPr>
+          <a:lstStyle/>
+          <a:p>
+            <a:r>
+              <a:rPr lang="en-US" altLang="zh-CN" sz="2400" dirty="0">
+                <a:latin typeface="Bahnschrift SemiLight" panose="020B0502040204020203" pitchFamily="34" charset="0"/>
+                <a:ea typeface="+mj-ea"/>
+                <a:cs typeface="+mj-cs"/>
+              </a:rPr>
+              <a:t>Background</a:t>
+            </a:r>
+          </a:p>
+          <a:p>
+            <a:r>
+              <a:rPr lang="en-US" altLang="zh-CN" sz="2400" dirty="0">
+                <a:latin typeface="Bahnschrift SemiLight" panose="020B0502040204020203" pitchFamily="34" charset="0"/>
+                <a:ea typeface="+mj-ea"/>
+                <a:cs typeface="+mj-cs"/>
+              </a:rPr>
+              <a:t>Algorithm</a:t>
+            </a:r>
+          </a:p>
+          <a:p>
+            <a:r>
+              <a:rPr lang="en-US" altLang="zh-CN" sz="2400" dirty="0">
+                <a:solidFill>
+                  <a:srgbClr val="FF0000"/>
+                </a:solidFill>
+                <a:latin typeface="Bahnschrift SemiLight" panose="020B0502040204020203" pitchFamily="34" charset="0"/>
+                <a:ea typeface="+mj-ea"/>
+                <a:cs typeface="+mj-cs"/>
+              </a:rPr>
+              <a:t>Aim</a:t>
+            </a:r>
+          </a:p>
+        </p:txBody>
+      </p:sp>
+    </p:spTree>
+    <p:extLst>
+      <p:ext uri="{BB962C8B-B14F-4D97-AF65-F5344CB8AC3E}">
+        <p14:creationId xmlns:p14="http://schemas.microsoft.com/office/powerpoint/2010/main" val="1275233354"/>
+      </p:ext>
+    </p:extLst>
+  </p:cSld>
+  <p:clrMapOvr>
+    <a:masterClrMapping/>
+  </p:clrMapOvr>
+  <mc:AlternateContent xmlns:mc="http://schemas.openxmlformats.org/markup-compatibility/2006" xmlns:p14="http://schemas.microsoft.com/office/powerpoint/2010/main">
+    <mc:Choice Requires="p14">
+      <p:transition spd="med" p14:dur="700">
+        <p:fade/>
+      </p:transition>
+    </mc:Choice>
+    <mc:Fallback xmlns="">
+      <p:transition spd="med">
+        <p:fade/>
+      </p:transition>
+    </mc:Fallback>
+  </mc:AlternateContent>
+</p:sld>
+</file>
+
+<file path=ppt/slides/slide34.xml><?xml version="1.0" encoding="utf-8"?>
 <p:sld xmlns:a="http://schemas.openxmlformats.org/drawingml/2006/main" xmlns:r="http://schemas.openxmlformats.org/officeDocument/2006/relationships" xmlns:p="http://schemas.openxmlformats.org/presentationml/2006/main">
   <p:cSld>
     <p:spTree>
@@ -11385,7 +11609,7 @@
               <a:rPr lang="en-US" altLang="zh-CN" sz="4000" dirty="0">
                 <a:latin typeface="Bahnschrift SemiLight" panose="020B0502040204020203" pitchFamily="34" charset="0"/>
               </a:rPr>
-              <a:t>Background</a:t>
+              <a:t>Curriculum</a:t>
             </a:r>
             <a:endParaRPr lang="zh-CN" altLang="en-US" sz="4000" dirty="0">
               <a:latin typeface="Bahnschrift SemiLight" panose="020B0502040204020203" pitchFamily="34" charset="0"/>
@@ -11419,194 +11643,60 @@
                 <a:ea typeface="+mj-ea"/>
                 <a:cs typeface="+mj-cs"/>
               </a:rPr>
-              <a:t>DEM: Discrete Element Model</a:t>
-            </a:r>
-          </a:p>
-          <a:p>
-            <a:r>
-              <a:rPr lang="en-US" altLang="zh-CN" sz="2000" dirty="0">
+              <a:t>18 </a:t>
+            </a:r>
+            <a:r>
+              <a:rPr lang="en-US" altLang="zh-CN" sz="2400" dirty="0" smtClean="0">
                 <a:latin typeface="Bahnschrift SemiLight" panose="020B0502040204020203" pitchFamily="34" charset="0"/>
                 <a:ea typeface="+mj-ea"/>
                 <a:cs typeface="+mj-cs"/>
               </a:rPr>
-              <a:t>Micro-granular system for macroscopic object</a:t>
-            </a:r>
-          </a:p>
-          <a:p>
-            <a:r>
-              <a:rPr lang="en-US" altLang="zh-CN" sz="2000" dirty="0">
+              <a:t>courses for 45 </a:t>
+            </a:r>
+            <a:r>
+              <a:rPr lang="en-US" altLang="zh-CN" sz="2400" dirty="0">
                 <a:latin typeface="Bahnschrift SemiLight" panose="020B0502040204020203" pitchFamily="34" charset="0"/>
                 <a:ea typeface="+mj-ea"/>
                 <a:cs typeface="+mj-cs"/>
               </a:rPr>
-              <a:t>Based on Newtonian mechanics</a:t>
-            </a:r>
-          </a:p>
-          <a:p>
-            <a:r>
-              <a:rPr lang="en-US" altLang="zh-CN" sz="2000" dirty="0">
-                <a:latin typeface="Bahnschrift SemiLight" panose="020B0502040204020203" pitchFamily="34" charset="0"/>
-                <a:ea typeface="+mj-ea"/>
-                <a:cs typeface="+mj-cs"/>
-              </a:rPr>
-              <a:t>Masses of computation</a:t>
-            </a:r>
-          </a:p>
-        </p:txBody>
-      </p:sp>
-      <p:pic>
-        <p:nvPicPr>
-          <p:cNvPr id="4" name="Picture 2" descr="_images/spheres-contact-stiffness.png"/>
-          <p:cNvPicPr>
-            <a:picLocks noChangeAspect="1" noChangeArrowheads="1"/>
-          </p:cNvPicPr>
-          <p:nvPr/>
-        </p:nvPicPr>
-        <p:blipFill>
-          <a:blip r:embed="rId2">
-            <a:extLst>
-              <a:ext uri="{28A0092B-C50C-407E-A947-70E740481C1C}">
-                <a14:useLocalDpi xmlns:a14="http://schemas.microsoft.com/office/drawing/2010/main" val="0"/>
-              </a:ext>
-            </a:extLst>
-          </a:blip>
-          <a:srcRect/>
-          <a:stretch>
-            <a:fillRect/>
-          </a:stretch>
-        </p:blipFill>
-        <p:spPr bwMode="auto">
-          <a:xfrm>
-            <a:off x="838200" y="3842936"/>
-            <a:ext cx="3855720" cy="2334027"/>
-          </a:xfrm>
-          <a:prstGeom prst="rect">
-            <a:avLst/>
-          </a:prstGeom>
-          <a:noFill/>
-          <a:extLst>
-            <a:ext uri="{909E8E84-426E-40DD-AFC4-6F175D3DCCD1}">
-              <a14:hiddenFill xmlns:a14="http://schemas.microsoft.com/office/drawing/2010/main">
-                <a:solidFill>
-                  <a:srgbClr val="FFFFFF"/>
-                </a:solidFill>
-              </a14:hiddenFill>
-            </a:ext>
-          </a:extLst>
-        </p:spPr>
-      </p:pic>
-      <p:pic>
-        <p:nvPicPr>
-          <p:cNvPr id="9" name="Picture 6"/>
-          <p:cNvPicPr>
-            <a:picLocks noChangeAspect="1" noChangeArrowheads="1"/>
-          </p:cNvPicPr>
-          <p:nvPr/>
-        </p:nvPicPr>
-        <p:blipFill>
-          <a:blip r:embed="rId3">
-            <a:extLst>
-              <a:ext uri="{28A0092B-C50C-407E-A947-70E740481C1C}">
-                <a14:useLocalDpi xmlns:a14="http://schemas.microsoft.com/office/drawing/2010/main" val="0"/>
-              </a:ext>
-            </a:extLst>
-          </a:blip>
-          <a:srcRect/>
-          <a:stretch>
-            <a:fillRect/>
-          </a:stretch>
-        </p:blipFill>
-        <p:spPr bwMode="auto">
-          <a:xfrm>
-            <a:off x="6336939" y="3661680"/>
-            <a:ext cx="5168705" cy="2515283"/>
-          </a:xfrm>
-          <a:prstGeom prst="rect">
-            <a:avLst/>
-          </a:prstGeom>
-          <a:noFill/>
-          <a:ln>
-            <a:noFill/>
-          </a:ln>
-          <a:extLst>
-            <a:ext uri="{909E8E84-426E-40DD-AFC4-6F175D3DCCD1}">
-              <a14:hiddenFill xmlns:a14="http://schemas.microsoft.com/office/drawing/2010/main">
-                <a:solidFill>
-                  <a:srgbClr val="FFFFFF"/>
-                </a:solidFill>
-              </a14:hiddenFill>
-            </a:ext>
-            <a:ext uri="{91240B29-F687-4F45-9708-019B960494DF}">
-              <a14:hiddenLine xmlns:a14="http://schemas.microsoft.com/office/drawing/2010/main" w="9525">
-                <a:solidFill>
-                  <a:srgbClr val="000000"/>
-                </a:solidFill>
-                <a:miter lim="800000"/>
-                <a:headEnd/>
-                <a:tailEnd/>
-              </a14:hiddenLine>
-            </a:ext>
-          </a:extLst>
-        </p:spPr>
-      </p:pic>
-      <p:pic>
-        <p:nvPicPr>
-          <p:cNvPr id="10" name="Picture 9" descr="specimen_tmp"/>
-          <p:cNvPicPr>
-            <a:picLocks noChangeAspect="1" noChangeArrowheads="1"/>
-          </p:cNvPicPr>
-          <p:nvPr/>
-        </p:nvPicPr>
-        <p:blipFill>
-          <a:blip r:embed="rId4" cstate="print">
-            <a:extLst>
-              <a:ext uri="{28A0092B-C50C-407E-A947-70E740481C1C}">
-                <a14:useLocalDpi xmlns:a14="http://schemas.microsoft.com/office/drawing/2010/main" val="0"/>
-              </a:ext>
-            </a:extLst>
-          </a:blip>
-          <a:srcRect/>
-          <a:stretch>
-            <a:fillRect/>
-          </a:stretch>
-        </p:blipFill>
-        <p:spPr bwMode="auto">
-          <a:xfrm>
-            <a:off x="6488786" y="1004855"/>
-            <a:ext cx="4865014" cy="2521888"/>
-          </a:xfrm>
-          <a:prstGeom prst="rect">
-            <a:avLst/>
-          </a:prstGeom>
-          <a:noFill/>
-          <a:ln>
-            <a:noFill/>
-          </a:ln>
-          <a:extLst>
-            <a:ext uri="{909E8E84-426E-40DD-AFC4-6F175D3DCCD1}">
-              <a14:hiddenFill xmlns:a14="http://schemas.microsoft.com/office/drawing/2010/main">
-                <a:solidFill>
-                  <a:srgbClr val="FFFFFF"/>
-                </a:solidFill>
-              </a14:hiddenFill>
-            </a:ext>
-            <a:ext uri="{91240B29-F687-4F45-9708-019B960494DF}">
-              <a14:hiddenLine xmlns:a14="http://schemas.microsoft.com/office/drawing/2010/main" w="9525">
-                <a:solidFill>
-                  <a:srgbClr val="000000"/>
-                </a:solidFill>
-                <a:miter lim="800000"/>
-                <a:headEnd/>
-                <a:tailEnd/>
-              </a14:hiddenLine>
-            </a:ext>
-          </a:extLst>
+              <a:t>credits</a:t>
+            </a:r>
+            <a:endParaRPr lang="zh-CN" altLang="en-US" sz="2400" dirty="0">
+              <a:latin typeface="Bahnschrift SemiLight" panose="020B0502040204020203" pitchFamily="34" charset="0"/>
+              <a:ea typeface="+mj-ea"/>
+              <a:cs typeface="+mj-cs"/>
+            </a:endParaRPr>
+          </a:p>
+        </p:txBody>
+      </p:sp>
+      <p:pic>
+        <p:nvPicPr>
+          <p:cNvPr id="5" name="图片 4"/>
+          <p:cNvPicPr>
+            <a:picLocks noChangeAspect="1"/>
+          </p:cNvPicPr>
+          <p:nvPr/>
+        </p:nvPicPr>
+        <p:blipFill>
+          <a:blip r:embed="rId2"/>
+          <a:stretch>
+            <a:fillRect/>
+          </a:stretch>
+        </p:blipFill>
+        <p:spPr>
+          <a:xfrm>
+            <a:off x="838200" y="2910296"/>
+            <a:ext cx="9980952" cy="3266667"/>
+          </a:xfrm>
+          <a:prstGeom prst="rect">
+            <a:avLst/>
+          </a:prstGeom>
         </p:spPr>
       </p:pic>
     </p:spTree>
     <p:extLst>
       <p:ext uri="{BB962C8B-B14F-4D97-AF65-F5344CB8AC3E}">
-        <p14:creationId xmlns:p14="http://schemas.microsoft.com/office/powerpoint/2010/main" val="2318742477"/>
+        <p14:creationId xmlns:p14="http://schemas.microsoft.com/office/powerpoint/2010/main" val="598911985"/>
       </p:ext>
     </p:extLst>
   </p:cSld>
@@ -11666,7 +11756,7 @@
               <a:rPr lang="en-US" altLang="zh-CN" sz="4000" dirty="0">
                 <a:latin typeface="Bahnschrift SemiLight" panose="020B0502040204020203" pitchFamily="34" charset="0"/>
               </a:rPr>
-              <a:t>Software</a:t>
+              <a:t>Workload</a:t>
             </a:r>
             <a:endParaRPr lang="zh-CN" altLang="en-US" sz="4000" dirty="0">
               <a:latin typeface="Bahnschrift SemiLight" panose="020B0502040204020203" pitchFamily="34" charset="0"/>
@@ -11690,19 +11780,6 @@
             <a:normAutofit/>
           </a:bodyPr>
           <a:lstStyle/>
-          <a:p>
-            <a:pPr marL="0" indent="0">
-              <a:buNone/>
-            </a:pPr>
-            <a:r>
-              <a:rPr lang="en-US" altLang="zh-CN" sz="2400" dirty="0">
-                <a:latin typeface="Bahnschrift SemiLight" panose="020B0502040204020203" pitchFamily="34" charset="0"/>
-                <a:ea typeface="+mj-ea"/>
-                <a:cs typeface="+mj-cs"/>
-              </a:rPr>
-              <a:t>YADE: Yet Another Dynamic Engine</a:t>
-            </a:r>
-          </a:p>
           <a:p>
             <a:r>
               <a:rPr lang="en-US" altLang="zh-CN" sz="2000" dirty="0">
@@ -11710,27 +11787,51 @@
                 <a:ea typeface="+mj-ea"/>
                 <a:cs typeface="+mj-cs"/>
               </a:rPr>
-              <a:t>Performed on Linux</a:t>
-            </a:r>
-          </a:p>
-          <a:p>
+              <a:t>P</a:t>
+            </a:r>
+            <a:r>
+              <a:rPr lang="en-US" altLang="zh-CN" sz="2000" dirty="0" smtClean="0">
+                <a:latin typeface="Bahnschrift SemiLight" panose="020B0502040204020203" pitchFamily="34" charset="0"/>
+                <a:ea typeface="+mj-ea"/>
+                <a:cs typeface="+mj-cs"/>
+              </a:rPr>
+              <a:t>ython Code for Post-processing algorithm: </a:t>
+            </a:r>
             <a:r>
               <a:rPr lang="en-US" altLang="zh-CN" sz="2000" dirty="0">
                 <a:latin typeface="Bahnschrift SemiLight" panose="020B0502040204020203" pitchFamily="34" charset="0"/>
                 <a:ea typeface="+mj-ea"/>
                 <a:cs typeface="+mj-cs"/>
               </a:rPr>
-              <a:t>Open Source</a:t>
-            </a:r>
-          </a:p>
-          <a:p>
-            <a:r>
-              <a:rPr lang="en-US" altLang="zh-CN" sz="2000" dirty="0">
+              <a:t>56172 </a:t>
+            </a:r>
+            <a:r>
+              <a:rPr lang="en-US" altLang="zh-CN" sz="2000" dirty="0" smtClean="0">
                 <a:latin typeface="Bahnschrift SemiLight" panose="020B0502040204020203" pitchFamily="34" charset="0"/>
                 <a:ea typeface="+mj-ea"/>
                 <a:cs typeface="+mj-cs"/>
               </a:rPr>
-              <a:t>Python Command Line </a:t>
+              <a:t>lines</a:t>
+            </a:r>
+          </a:p>
+          <a:p>
+            <a:r>
+              <a:rPr lang="en-US" altLang="zh-CN" sz="2000" dirty="0" smtClean="0">
+                <a:latin typeface="Bahnschrift SemiLight" panose="020B0502040204020203" pitchFamily="34" charset="0"/>
+                <a:ea typeface="+mj-ea"/>
+                <a:cs typeface="+mj-cs"/>
+              </a:rPr>
+              <a:t>2D Compression Structural Experiment: 53 sets</a:t>
+            </a:r>
+          </a:p>
+          <a:p>
+            <a:r>
+              <a:rPr lang="en-US" altLang="zh-CN" sz="2000" dirty="0" smtClean="0">
+                <a:latin typeface="Bahnschrift SemiLight" panose="020B0502040204020203" pitchFamily="34" charset="0"/>
+                <a:ea typeface="+mj-ea"/>
+                <a:cs typeface="+mj-cs"/>
+              </a:rPr>
+              <a:t>Structural Deformation and Feature Map Figures: 5724 pieces</a:t>
             </a:r>
             <a:endParaRPr lang="zh-CN" altLang="en-US" sz="2000" dirty="0">
               <a:latin typeface="Bahnschrift SemiLight" panose="020B0502040204020203" pitchFamily="34" charset="0"/>
@@ -11740,51 +11841,10 @@
           </a:p>
         </p:txBody>
       </p:sp>
-      <p:pic>
-        <p:nvPicPr>
-          <p:cNvPr id="6" name="Picture 2" descr="Logo"/>
-          <p:cNvPicPr>
-            <a:picLocks noChangeAspect="1" noChangeArrowheads="1"/>
-          </p:cNvPicPr>
-          <p:nvPr/>
-        </p:nvPicPr>
-        <p:blipFill>
-          <a:blip r:embed="rId2">
-            <a:extLst>
-              <a:ext uri="{28A0092B-C50C-407E-A947-70E740481C1C}">
-                <a14:useLocalDpi xmlns:a14="http://schemas.microsoft.com/office/drawing/2010/main" val="0"/>
-              </a:ext>
-            </a:extLst>
-          </a:blip>
-          <a:srcRect/>
-          <a:stretch>
-            <a:fillRect/>
-          </a:stretch>
-        </p:blipFill>
-        <p:spPr bwMode="auto">
-          <a:xfrm>
-            <a:off x="9244503" y="365125"/>
-            <a:ext cx="2378548" cy="2378548"/>
-          </a:xfrm>
-          <a:prstGeom prst="rect">
-            <a:avLst/>
-          </a:prstGeom>
-          <a:noFill/>
-          <a:extLst>
-            <a:ext uri="{909E8E84-426E-40DD-AFC4-6F175D3DCCD1}">
-              <a14:hiddenFill xmlns:a14="http://schemas.microsoft.com/office/drawing/2010/main">
-                <a:solidFill>
-                  <a:srgbClr val="FFFFFF"/>
-                </a:solidFill>
-              </a14:hiddenFill>
-            </a:ext>
-          </a:extLst>
-        </p:spPr>
-      </p:pic>
     </p:spTree>
     <p:extLst>
       <p:ext uri="{BB962C8B-B14F-4D97-AF65-F5344CB8AC3E}">
-        <p14:creationId xmlns:p14="http://schemas.microsoft.com/office/powerpoint/2010/main" val="4155923360"/>
+        <p14:creationId xmlns:p14="http://schemas.microsoft.com/office/powerpoint/2010/main" val="4249402293"/>
       </p:ext>
     </p:extLst>
   </p:cSld>
@@ -11844,9 +11904,11 @@
               <a:rPr lang="en-US" altLang="zh-CN" sz="4000" dirty="0">
                 <a:latin typeface="Bahnschrift SemiLight" panose="020B0502040204020203" pitchFamily="34" charset="0"/>
               </a:rPr>
-              <a:t>Scenario</a:t>
-            </a:r>
-            <a:endParaRPr lang="zh-CN" altLang="en-US" sz="4000" dirty="0"/>
+              <a:t>Background</a:t>
+            </a:r>
+            <a:endParaRPr lang="zh-CN" altLang="en-US" sz="4000" dirty="0">
+              <a:latin typeface="Bahnschrift SemiLight" panose="020B0502040204020203" pitchFamily="34" charset="0"/>
+            </a:endParaRPr>
           </a:p>
         </p:txBody>
       </p:sp>
@@ -11876,116 +11938,194 @@
                 <a:ea typeface="+mj-ea"/>
                 <a:cs typeface="+mj-cs"/>
               </a:rPr>
-              <a:t>Process of aerolite collision </a:t>
-            </a:r>
-            <a:endParaRPr lang="zh-CN" altLang="en-US" sz="2400" dirty="0">
-              <a:latin typeface="Bahnschrift SemiLight" panose="020B0502040204020203" pitchFamily="34" charset="0"/>
-              <a:ea typeface="+mj-ea"/>
-              <a:cs typeface="+mj-cs"/>
-            </a:endParaRPr>
-          </a:p>
-        </p:txBody>
-      </p:sp>
-      <p:pic>
-        <p:nvPicPr>
-          <p:cNvPr id="6" name="图片 5"/>
-          <p:cNvPicPr>
-            <a:picLocks noChangeAspect="1"/>
-          </p:cNvPicPr>
-          <p:nvPr/>
-        </p:nvPicPr>
-        <p:blipFill>
-          <a:blip r:embed="rId2"/>
-          <a:stretch>
-            <a:fillRect/>
-          </a:stretch>
-        </p:blipFill>
-        <p:spPr>
-          <a:xfrm>
-            <a:off x="8006871" y="877246"/>
-            <a:ext cx="2460000" cy="2520000"/>
-          </a:xfrm>
-          <a:prstGeom prst="rect">
-            <a:avLst/>
-          </a:prstGeom>
-        </p:spPr>
-      </p:pic>
-      <p:pic>
-        <p:nvPicPr>
-          <p:cNvPr id="7" name="图片 6"/>
-          <p:cNvPicPr>
-            <a:picLocks noChangeAspect="1"/>
-          </p:cNvPicPr>
-          <p:nvPr/>
-        </p:nvPicPr>
-        <p:blipFill>
-          <a:blip r:embed="rId3"/>
-          <a:stretch>
-            <a:fillRect/>
-          </a:stretch>
-        </p:blipFill>
-        <p:spPr>
-          <a:xfrm>
-            <a:off x="5289800" y="877246"/>
-            <a:ext cx="2464000" cy="2520000"/>
-          </a:xfrm>
-          <a:prstGeom prst="rect">
-            <a:avLst/>
-          </a:prstGeom>
-        </p:spPr>
-      </p:pic>
-      <p:pic>
-        <p:nvPicPr>
-          <p:cNvPr id="10" name="图片 9"/>
-          <p:cNvPicPr>
-            <a:picLocks noChangeAspect="1"/>
-          </p:cNvPicPr>
-          <p:nvPr/>
-        </p:nvPicPr>
-        <p:blipFill>
-          <a:blip r:embed="rId4"/>
-          <a:stretch>
-            <a:fillRect/>
-          </a:stretch>
-        </p:blipFill>
-        <p:spPr>
-          <a:xfrm>
-            <a:off x="4153800" y="3754603"/>
-            <a:ext cx="3600000" cy="2422360"/>
-          </a:xfrm>
-          <a:prstGeom prst="rect">
-            <a:avLst/>
-          </a:prstGeom>
-        </p:spPr>
-      </p:pic>
-      <p:pic>
-        <p:nvPicPr>
-          <p:cNvPr id="11" name="图片 10"/>
-          <p:cNvPicPr>
-            <a:picLocks noChangeAspect="1"/>
-          </p:cNvPicPr>
-          <p:nvPr/>
-        </p:nvPicPr>
-        <p:blipFill>
-          <a:blip r:embed="rId5"/>
-          <a:stretch>
-            <a:fillRect/>
-          </a:stretch>
-        </p:blipFill>
-        <p:spPr>
-          <a:xfrm>
-            <a:off x="8006871" y="3754603"/>
-            <a:ext cx="3600000" cy="2422360"/>
-          </a:xfrm>
-          <a:prstGeom prst="rect">
-            <a:avLst/>
-          </a:prstGeom>
+              <a:t>DEM: Discrete Element Model</a:t>
+            </a:r>
+          </a:p>
+          <a:p>
+            <a:r>
+              <a:rPr lang="en-US" altLang="zh-CN" sz="2000" dirty="0">
+                <a:latin typeface="Bahnschrift SemiLight" panose="020B0502040204020203" pitchFamily="34" charset="0"/>
+                <a:ea typeface="+mj-ea"/>
+                <a:cs typeface="+mj-cs"/>
+              </a:rPr>
+              <a:t>Micro-granular system for macroscopic object</a:t>
+            </a:r>
+          </a:p>
+          <a:p>
+            <a:r>
+              <a:rPr lang="en-US" altLang="zh-CN" sz="2000" dirty="0">
+                <a:latin typeface="Bahnschrift SemiLight" panose="020B0502040204020203" pitchFamily="34" charset="0"/>
+                <a:ea typeface="+mj-ea"/>
+                <a:cs typeface="+mj-cs"/>
+              </a:rPr>
+              <a:t>Based on Newtonian mechanics</a:t>
+            </a:r>
+          </a:p>
+          <a:p>
+            <a:r>
+              <a:rPr lang="en-US" altLang="zh-CN" sz="2000" dirty="0">
+                <a:latin typeface="Bahnschrift SemiLight" panose="020B0502040204020203" pitchFamily="34" charset="0"/>
+                <a:ea typeface="+mj-ea"/>
+                <a:cs typeface="+mj-cs"/>
+              </a:rPr>
+              <a:t>Masses of computation</a:t>
+            </a:r>
+          </a:p>
+        </p:txBody>
+      </p:sp>
+      <p:pic>
+        <p:nvPicPr>
+          <p:cNvPr id="4" name="Picture 2" descr="_images/spheres-contact-stiffness.png"/>
+          <p:cNvPicPr>
+            <a:picLocks noChangeAspect="1" noChangeArrowheads="1"/>
+          </p:cNvPicPr>
+          <p:nvPr/>
+        </p:nvPicPr>
+        <p:blipFill>
+          <a:blip r:embed="rId2">
+            <a:extLst>
+              <a:ext uri="{28A0092B-C50C-407E-A947-70E740481C1C}">
+                <a14:useLocalDpi xmlns:a14="http://schemas.microsoft.com/office/drawing/2010/main" val="0"/>
+              </a:ext>
+            </a:extLst>
+          </a:blip>
+          <a:srcRect/>
+          <a:stretch>
+            <a:fillRect/>
+          </a:stretch>
+        </p:blipFill>
+        <p:spPr bwMode="auto">
+          <a:xfrm>
+            <a:off x="838200" y="3842936"/>
+            <a:ext cx="3855720" cy="2334027"/>
+          </a:xfrm>
+          <a:prstGeom prst="rect">
+            <a:avLst/>
+          </a:prstGeom>
+          <a:noFill/>
+          <a:extLst>
+            <a:ext uri="{909E8E84-426E-40DD-AFC4-6F175D3DCCD1}">
+              <a14:hiddenFill xmlns:a14="http://schemas.microsoft.com/office/drawing/2010/main">
+                <a:solidFill>
+                  <a:srgbClr val="FFFFFF"/>
+                </a:solidFill>
+              </a14:hiddenFill>
+            </a:ext>
+          </a:extLst>
+        </p:spPr>
+      </p:pic>
+      <p:pic>
+        <p:nvPicPr>
+          <p:cNvPr id="9" name="Picture 6"/>
+          <p:cNvPicPr>
+            <a:picLocks noChangeAspect="1" noChangeArrowheads="1"/>
+          </p:cNvPicPr>
+          <p:nvPr/>
+        </p:nvPicPr>
+        <p:blipFill>
+          <a:blip r:embed="rId3">
+            <a:extLst>
+              <a:ext uri="{28A0092B-C50C-407E-A947-70E740481C1C}">
+                <a14:useLocalDpi xmlns:a14="http://schemas.microsoft.com/office/drawing/2010/main" val="0"/>
+              </a:ext>
+            </a:extLst>
+          </a:blip>
+          <a:srcRect/>
+          <a:stretch>
+            <a:fillRect/>
+          </a:stretch>
+        </p:blipFill>
+        <p:spPr bwMode="auto">
+          <a:xfrm>
+            <a:off x="6336939" y="3661680"/>
+            <a:ext cx="5168705" cy="2515283"/>
+          </a:xfrm>
+          <a:prstGeom prst="rect">
+            <a:avLst/>
+          </a:prstGeom>
+          <a:noFill/>
+          <a:ln>
+            <a:noFill/>
+          </a:ln>
+          <a:extLst>
+            <a:ext uri="{909E8E84-426E-40DD-AFC4-6F175D3DCCD1}">
+              <a14:hiddenFill xmlns:a14="http://schemas.microsoft.com/office/drawing/2010/main">
+                <a:solidFill>
+                  <a:srgbClr val="FFFFFF"/>
+                </a:solidFill>
+              </a14:hiddenFill>
+            </a:ext>
+            <a:ext uri="{91240B29-F687-4F45-9708-019B960494DF}">
+              <a14:hiddenLine xmlns:a14="http://schemas.microsoft.com/office/drawing/2010/main" w="9525">
+                <a:solidFill>
+                  <a:srgbClr val="000000"/>
+                </a:solidFill>
+                <a:miter lim="800000"/>
+                <a:headEnd/>
+                <a:tailEnd/>
+              </a14:hiddenLine>
+            </a:ext>
+          </a:extLst>
+        </p:spPr>
+      </p:pic>
+      <p:pic>
+        <p:nvPicPr>
+          <p:cNvPr id="10" name="Picture 9" descr="specimen_tmp"/>
+          <p:cNvPicPr>
+            <a:picLocks noChangeAspect="1" noChangeArrowheads="1"/>
+          </p:cNvPicPr>
+          <p:nvPr/>
+        </p:nvPicPr>
+        <p:blipFill>
+          <a:blip r:embed="rId4" cstate="print">
+            <a:extLst>
+              <a:ext uri="{28A0092B-C50C-407E-A947-70E740481C1C}">
+                <a14:useLocalDpi xmlns:a14="http://schemas.microsoft.com/office/drawing/2010/main" val="0"/>
+              </a:ext>
+            </a:extLst>
+          </a:blip>
+          <a:srcRect/>
+          <a:stretch>
+            <a:fillRect/>
+          </a:stretch>
+        </p:blipFill>
+        <p:spPr bwMode="auto">
+          <a:xfrm>
+            <a:off x="6488786" y="1004855"/>
+            <a:ext cx="4865014" cy="2521888"/>
+          </a:xfrm>
+          <a:prstGeom prst="rect">
+            <a:avLst/>
+          </a:prstGeom>
+          <a:noFill/>
+          <a:ln>
+            <a:noFill/>
+          </a:ln>
+          <a:extLst>
+            <a:ext uri="{909E8E84-426E-40DD-AFC4-6F175D3DCCD1}">
+              <a14:hiddenFill xmlns:a14="http://schemas.microsoft.com/office/drawing/2010/main">
+                <a:solidFill>
+                  <a:srgbClr val="FFFFFF"/>
+                </a:solidFill>
+              </a14:hiddenFill>
+            </a:ext>
+            <a:ext uri="{91240B29-F687-4F45-9708-019B960494DF}">
+              <a14:hiddenLine xmlns:a14="http://schemas.microsoft.com/office/drawing/2010/main" w="9525">
+                <a:solidFill>
+                  <a:srgbClr val="000000"/>
+                </a:solidFill>
+                <a:miter lim="800000"/>
+                <a:headEnd/>
+                <a:tailEnd/>
+              </a14:hiddenLine>
+            </a:ext>
+          </a:extLst>
         </p:spPr>
       </p:pic>
     </p:spTree>
     <p:extLst>
       <p:ext uri="{BB962C8B-B14F-4D97-AF65-F5344CB8AC3E}">
-        <p14:creationId xmlns:p14="http://schemas.microsoft.com/office/powerpoint/2010/main" val="1190313062"/>
+        <p14:creationId xmlns:p14="http://schemas.microsoft.com/office/powerpoint/2010/main" val="2318742477"/>
       </p:ext>
     </p:extLst>
   </p:cSld>
@@ -12045,135 +12185,125 @@
               <a:rPr lang="en-US" altLang="zh-CN" sz="4000" dirty="0">
                 <a:latin typeface="Bahnschrift SemiLight" panose="020B0502040204020203" pitchFamily="34" charset="0"/>
               </a:rPr>
-              <a:t>Imaging Effect</a:t>
-            </a:r>
-            <a:endParaRPr lang="zh-CN" altLang="en-US" sz="4000" dirty="0"/>
-          </a:p>
-        </p:txBody>
-      </p:sp>
-      <p:pic>
-        <p:nvPicPr>
-          <p:cNvPr id="8" name="图片 7"/>
-          <p:cNvPicPr>
-            <a:picLocks noChangeAspect="1"/>
-          </p:cNvPicPr>
-          <p:nvPr/>
-        </p:nvPicPr>
-        <p:blipFill>
-          <a:blip r:embed="rId2" cstate="print">
+              <a:t>Software</a:t>
+            </a:r>
+            <a:endParaRPr lang="zh-CN" altLang="en-US" sz="4000" dirty="0">
+              <a:latin typeface="Bahnschrift SemiLight" panose="020B0502040204020203" pitchFamily="34" charset="0"/>
+            </a:endParaRPr>
+          </a:p>
+        </p:txBody>
+      </p:sp>
+      <p:sp>
+        <p:nvSpPr>
+          <p:cNvPr id="3" name="内容占位符 2"/>
+          <p:cNvSpPr>
+            <a:spLocks noGrp="1"/>
+          </p:cNvSpPr>
+          <p:nvPr>
+            <p:ph idx="1"/>
+          </p:nvPr>
+        </p:nvSpPr>
+        <p:spPr/>
+        <p:txBody>
+          <a:bodyPr>
+            <a:normAutofit/>
+          </a:bodyPr>
+          <a:lstStyle/>
+          <a:p>
+            <a:pPr marL="0" indent="0">
+              <a:buNone/>
+            </a:pPr>
+            <a:r>
+              <a:rPr lang="en-US" altLang="zh-CN" sz="2400" dirty="0">
+                <a:latin typeface="Bahnschrift SemiLight" panose="020B0502040204020203" pitchFamily="34" charset="0"/>
+                <a:ea typeface="+mj-ea"/>
+                <a:cs typeface="+mj-cs"/>
+              </a:rPr>
+              <a:t>YADE: Yet Another Dynamic Engine</a:t>
+            </a:r>
+          </a:p>
+          <a:p>
+            <a:r>
+              <a:rPr lang="en-US" altLang="zh-CN" sz="2000" dirty="0">
+                <a:latin typeface="Bahnschrift SemiLight" panose="020B0502040204020203" pitchFamily="34" charset="0"/>
+                <a:ea typeface="+mj-ea"/>
+                <a:cs typeface="+mj-cs"/>
+              </a:rPr>
+              <a:t>Performed on Linux</a:t>
+            </a:r>
+          </a:p>
+          <a:p>
+            <a:r>
+              <a:rPr lang="en-US" altLang="zh-CN" sz="2000" dirty="0">
+                <a:latin typeface="Bahnschrift SemiLight" panose="020B0502040204020203" pitchFamily="34" charset="0"/>
+                <a:ea typeface="+mj-ea"/>
+                <a:cs typeface="+mj-cs"/>
+              </a:rPr>
+              <a:t>Open Source</a:t>
+            </a:r>
+          </a:p>
+          <a:p>
+            <a:r>
+              <a:rPr lang="en-US" altLang="zh-CN" sz="2000" dirty="0">
+                <a:latin typeface="Bahnschrift SemiLight" panose="020B0502040204020203" pitchFamily="34" charset="0"/>
+                <a:ea typeface="+mj-ea"/>
+                <a:cs typeface="+mj-cs"/>
+              </a:rPr>
+              <a:t>Python Command Line </a:t>
+            </a:r>
+            <a:endParaRPr lang="zh-CN" altLang="en-US" sz="2000" dirty="0">
+              <a:latin typeface="Bahnschrift SemiLight" panose="020B0502040204020203" pitchFamily="34" charset="0"/>
+              <a:ea typeface="+mj-ea"/>
+              <a:cs typeface="+mj-cs"/>
+            </a:endParaRPr>
+          </a:p>
+        </p:txBody>
+      </p:sp>
+      <p:pic>
+        <p:nvPicPr>
+          <p:cNvPr id="6" name="Picture 2" descr="Logo"/>
+          <p:cNvPicPr>
+            <a:picLocks noChangeAspect="1" noChangeArrowheads="1"/>
+          </p:cNvPicPr>
+          <p:nvPr/>
+        </p:nvPicPr>
+        <p:blipFill>
+          <a:blip r:embed="rId2">
             <a:extLst>
               <a:ext uri="{28A0092B-C50C-407E-A947-70E740481C1C}">
                 <a14:useLocalDpi xmlns:a14="http://schemas.microsoft.com/office/drawing/2010/main" val="0"/>
               </a:ext>
             </a:extLst>
           </a:blip>
-          <a:stretch>
-            <a:fillRect/>
-          </a:stretch>
-        </p:blipFill>
-        <p:spPr>
-          <a:xfrm>
-            <a:off x="4444859" y="1690688"/>
-            <a:ext cx="3302281" cy="2160000"/>
-          </a:xfrm>
-          <a:prstGeom prst="rect">
-            <a:avLst/>
-          </a:prstGeom>
-        </p:spPr>
-      </p:pic>
-      <p:pic>
-        <p:nvPicPr>
-          <p:cNvPr id="11" name="内容占位符 10"/>
-          <p:cNvPicPr>
-            <a:picLocks noGrp="1" noChangeAspect="1"/>
-          </p:cNvPicPr>
-          <p:nvPr>
-            <p:ph idx="1"/>
-          </p:nvPr>
-        </p:nvPicPr>
-        <p:blipFill>
-          <a:blip r:embed="rId3" cstate="print">
-            <a:extLst>
-              <a:ext uri="{28A0092B-C50C-407E-A947-70E740481C1C}">
-                <a14:useLocalDpi xmlns:a14="http://schemas.microsoft.com/office/drawing/2010/main" val="0"/>
-              </a:ext>
-            </a:extLst>
-          </a:blip>
-          <a:stretch>
-            <a:fillRect/>
-          </a:stretch>
-        </p:blipFill>
-        <p:spPr>
-          <a:xfrm>
-            <a:off x="838200" y="1690688"/>
-            <a:ext cx="3502285" cy="4320000"/>
-          </a:xfrm>
-        </p:spPr>
-      </p:pic>
-      <p:pic>
-        <p:nvPicPr>
-          <p:cNvPr id="16" name="图片 15"/>
-          <p:cNvPicPr>
-            <a:picLocks noChangeAspect="1"/>
-          </p:cNvPicPr>
-          <p:nvPr/>
-        </p:nvPicPr>
-        <p:blipFill>
-          <a:blip r:embed="rId4" cstate="print">
-            <a:extLst>
-              <a:ext uri="{28A0092B-C50C-407E-A947-70E740481C1C}">
-                <a14:useLocalDpi xmlns:a14="http://schemas.microsoft.com/office/drawing/2010/main" val="0"/>
-              </a:ext>
-            </a:extLst>
-          </a:blip>
-          <a:stretch>
-            <a:fillRect/>
-          </a:stretch>
-        </p:blipFill>
-        <p:spPr>
-          <a:xfrm>
-            <a:off x="4444859" y="3850688"/>
-            <a:ext cx="3302281" cy="2160000"/>
-          </a:xfrm>
-          <a:prstGeom prst="rect">
-            <a:avLst/>
-          </a:prstGeom>
-        </p:spPr>
-      </p:pic>
-      <p:pic>
-        <p:nvPicPr>
-          <p:cNvPr id="17" name="图片 16"/>
-          <p:cNvPicPr>
-            <a:picLocks noChangeAspect="1"/>
-          </p:cNvPicPr>
-          <p:nvPr/>
-        </p:nvPicPr>
-        <p:blipFill>
-          <a:blip r:embed="rId5" cstate="print">
-            <a:extLst>
-              <a:ext uri="{28A0092B-C50C-407E-A947-70E740481C1C}">
-                <a14:useLocalDpi xmlns:a14="http://schemas.microsoft.com/office/drawing/2010/main" val="0"/>
-              </a:ext>
-            </a:extLst>
-          </a:blip>
-          <a:stretch>
-            <a:fillRect/>
-          </a:stretch>
-        </p:blipFill>
-        <p:spPr>
-          <a:xfrm>
-            <a:off x="7851514" y="1690688"/>
-            <a:ext cx="3502285" cy="4320000"/>
-          </a:xfrm>
-          <a:prstGeom prst="rect">
-            <a:avLst/>
-          </a:prstGeom>
+          <a:srcRect/>
+          <a:stretch>
+            <a:fillRect/>
+          </a:stretch>
+        </p:blipFill>
+        <p:spPr bwMode="auto">
+          <a:xfrm>
+            <a:off x="9244503" y="365125"/>
+            <a:ext cx="2378548" cy="2378548"/>
+          </a:xfrm>
+          <a:prstGeom prst="rect">
+            <a:avLst/>
+          </a:prstGeom>
+          <a:noFill/>
+          <a:extLst>
+            <a:ext uri="{909E8E84-426E-40DD-AFC4-6F175D3DCCD1}">
+              <a14:hiddenFill xmlns:a14="http://schemas.microsoft.com/office/drawing/2010/main">
+                <a:solidFill>
+                  <a:srgbClr val="FFFFFF"/>
+                </a:solidFill>
+              </a14:hiddenFill>
+            </a:ext>
+          </a:extLst>
         </p:spPr>
       </p:pic>
     </p:spTree>
     <p:extLst>
       <p:ext uri="{BB962C8B-B14F-4D97-AF65-F5344CB8AC3E}">
-        <p14:creationId xmlns:p14="http://schemas.microsoft.com/office/powerpoint/2010/main" val="1336377020"/>
+        <p14:creationId xmlns:p14="http://schemas.microsoft.com/office/powerpoint/2010/main" val="4155923360"/>
       </p:ext>
     </p:extLst>
   </p:cSld>
@@ -12233,11 +12363,9 @@
               <a:rPr lang="en-US" altLang="zh-CN" sz="4000" dirty="0">
                 <a:latin typeface="Bahnschrift SemiLight" panose="020B0502040204020203" pitchFamily="34" charset="0"/>
               </a:rPr>
-              <a:t>Content</a:t>
-            </a:r>
-            <a:endParaRPr lang="zh-CN" altLang="en-US" sz="4000" dirty="0">
-              <a:latin typeface="Bahnschrift SemiLight" panose="020B0502040204020203" pitchFamily="34" charset="0"/>
-            </a:endParaRPr>
+              <a:t>Scenario</a:t>
+            </a:r>
+            <a:endParaRPr lang="zh-CN" altLang="en-US" sz="4000" dirty="0"/>
           </a:p>
         </p:txBody>
       </p:sp>
@@ -12258,44 +12386,125 @@
           </a:bodyPr>
           <a:lstStyle/>
           <a:p>
+            <a:pPr marL="0" indent="0">
+              <a:buNone/>
+            </a:pPr>
             <a:r>
               <a:rPr lang="en-US" altLang="zh-CN" sz="2400" dirty="0">
                 <a:latin typeface="Bahnschrift SemiLight" panose="020B0502040204020203" pitchFamily="34" charset="0"/>
                 <a:ea typeface="+mj-ea"/>
                 <a:cs typeface="+mj-cs"/>
               </a:rPr>
-              <a:t>Background</a:t>
-            </a:r>
-          </a:p>
-          <a:p>
-            <a:r>
-              <a:rPr lang="en-US" altLang="zh-CN" sz="2400" dirty="0">
-                <a:solidFill>
-                  <a:srgbClr val="FF0000"/>
-                </a:solidFill>
-                <a:latin typeface="Bahnschrift SemiLight" panose="020B0502040204020203" pitchFamily="34" charset="0"/>
-                <a:ea typeface="+mj-ea"/>
-                <a:cs typeface="+mj-cs"/>
-              </a:rPr>
-              <a:t>Algorithm</a:t>
-            </a:r>
-          </a:p>
-          <a:p>
-            <a:r>
-              <a:rPr lang="en-US" altLang="zh-CN" sz="2400" dirty="0">
-                <a:latin typeface="Bahnschrift SemiLight" panose="020B0502040204020203" pitchFamily="34" charset="0"/>
-                <a:ea typeface="+mj-ea"/>
-                <a:cs typeface="+mj-cs"/>
-              </a:rPr>
-              <a:t>Aim</a:t>
-            </a:r>
-          </a:p>
-        </p:txBody>
-      </p:sp>
+              <a:t>Process of aerolite collision </a:t>
+            </a:r>
+            <a:endParaRPr lang="zh-CN" altLang="en-US" sz="2400" dirty="0">
+              <a:latin typeface="Bahnschrift SemiLight" panose="020B0502040204020203" pitchFamily="34" charset="0"/>
+              <a:ea typeface="+mj-ea"/>
+              <a:cs typeface="+mj-cs"/>
+            </a:endParaRPr>
+          </a:p>
+        </p:txBody>
+      </p:sp>
+      <p:pic>
+        <p:nvPicPr>
+          <p:cNvPr id="6" name="图片 5"/>
+          <p:cNvPicPr>
+            <a:picLocks noChangeAspect="1"/>
+          </p:cNvPicPr>
+          <p:nvPr/>
+        </p:nvPicPr>
+        <p:blipFill>
+          <a:blip r:embed="rId2"/>
+          <a:stretch>
+            <a:fillRect/>
+          </a:stretch>
+        </p:blipFill>
+        <p:spPr>
+          <a:xfrm>
+            <a:off x="8006871" y="877246"/>
+            <a:ext cx="2460000" cy="2520000"/>
+          </a:xfrm>
+          <a:prstGeom prst="rect">
+            <a:avLst/>
+          </a:prstGeom>
+        </p:spPr>
+      </p:pic>
+      <p:pic>
+        <p:nvPicPr>
+          <p:cNvPr id="7" name="图片 6"/>
+          <p:cNvPicPr>
+            <a:picLocks noChangeAspect="1"/>
+          </p:cNvPicPr>
+          <p:nvPr/>
+        </p:nvPicPr>
+        <p:blipFill>
+          <a:blip r:embed="rId3"/>
+          <a:stretch>
+            <a:fillRect/>
+          </a:stretch>
+        </p:blipFill>
+        <p:spPr>
+          <a:xfrm>
+            <a:off x="5289800" y="877246"/>
+            <a:ext cx="2464000" cy="2520000"/>
+          </a:xfrm>
+          <a:prstGeom prst="rect">
+            <a:avLst/>
+          </a:prstGeom>
+        </p:spPr>
+      </p:pic>
+      <p:pic>
+        <p:nvPicPr>
+          <p:cNvPr id="10" name="图片 9"/>
+          <p:cNvPicPr>
+            <a:picLocks noChangeAspect="1"/>
+          </p:cNvPicPr>
+          <p:nvPr/>
+        </p:nvPicPr>
+        <p:blipFill>
+          <a:blip r:embed="rId4"/>
+          <a:stretch>
+            <a:fillRect/>
+          </a:stretch>
+        </p:blipFill>
+        <p:spPr>
+          <a:xfrm>
+            <a:off x="4153800" y="3754603"/>
+            <a:ext cx="3600000" cy="2422360"/>
+          </a:xfrm>
+          <a:prstGeom prst="rect">
+            <a:avLst/>
+          </a:prstGeom>
+        </p:spPr>
+      </p:pic>
+      <p:pic>
+        <p:nvPicPr>
+          <p:cNvPr id="11" name="图片 10"/>
+          <p:cNvPicPr>
+            <a:picLocks noChangeAspect="1"/>
+          </p:cNvPicPr>
+          <p:nvPr/>
+        </p:nvPicPr>
+        <p:blipFill>
+          <a:blip r:embed="rId5"/>
+          <a:stretch>
+            <a:fillRect/>
+          </a:stretch>
+        </p:blipFill>
+        <p:spPr>
+          <a:xfrm>
+            <a:off x="8006871" y="3754603"/>
+            <a:ext cx="3600000" cy="2422360"/>
+          </a:xfrm>
+          <a:prstGeom prst="rect">
+            <a:avLst/>
+          </a:prstGeom>
+        </p:spPr>
+      </p:pic>
     </p:spTree>
     <p:extLst>
       <p:ext uri="{BB962C8B-B14F-4D97-AF65-F5344CB8AC3E}">
-        <p14:creationId xmlns:p14="http://schemas.microsoft.com/office/powerpoint/2010/main" val="2143601854"/>
+        <p14:creationId xmlns:p14="http://schemas.microsoft.com/office/powerpoint/2010/main" val="1190313062"/>
       </p:ext>
     </p:extLst>
   </p:cSld>
@@ -12355,23 +12564,19 @@
               <a:rPr lang="en-US" altLang="zh-CN" sz="4000" dirty="0">
                 <a:latin typeface="Bahnschrift SemiLight" panose="020B0502040204020203" pitchFamily="34" charset="0"/>
               </a:rPr>
-              <a:t>Rasterization</a:t>
-            </a:r>
-            <a:endParaRPr lang="zh-CN" altLang="en-US" sz="4000" dirty="0">
-              <a:latin typeface="Bahnschrift SemiLight" panose="020B0502040204020203" pitchFamily="34" charset="0"/>
-            </a:endParaRPr>
-          </a:p>
-        </p:txBody>
-      </p:sp>
-      <p:pic>
-        <p:nvPicPr>
-          <p:cNvPr id="6" name="内容占位符 5"/>
-          <p:cNvPicPr>
-            <a:picLocks noGrp="1" noChangeAspect="1"/>
-          </p:cNvPicPr>
-          <p:nvPr>
-            <p:ph idx="1"/>
-          </p:nvPr>
+              <a:t>Imaging Effect</a:t>
+            </a:r>
+            <a:endParaRPr lang="zh-CN" altLang="en-US" sz="4000" dirty="0"/>
+          </a:p>
+        </p:txBody>
+      </p:sp>
+      <p:pic>
+        <p:nvPicPr>
+          <p:cNvPr id="8" name="图片 7"/>
+          <p:cNvPicPr>
+            <a:picLocks noChangeAspect="1"/>
+          </p:cNvPicPr>
+          <p:nvPr/>
         </p:nvPicPr>
         <p:blipFill>
           <a:blip r:embed="rId2" cstate="print">
@@ -12387,18 +12592,23 @@
         </p:blipFill>
         <p:spPr>
           <a:xfrm>
-            <a:off x="838200" y="1690688"/>
-            <a:ext cx="4320000" cy="4320000"/>
-          </a:xfrm>
-        </p:spPr>
-      </p:pic>
-      <p:pic>
-        <p:nvPicPr>
-          <p:cNvPr id="7" name="图片 6"/>
-          <p:cNvPicPr>
-            <a:picLocks noChangeAspect="1"/>
-          </p:cNvPicPr>
-          <p:nvPr/>
+            <a:off x="4444859" y="1690688"/>
+            <a:ext cx="3302281" cy="2160000"/>
+          </a:xfrm>
+          <a:prstGeom prst="rect">
+            <a:avLst/>
+          </a:prstGeom>
+        </p:spPr>
+      </p:pic>
+      <p:pic>
+        <p:nvPicPr>
+          <p:cNvPr id="11" name="内容占位符 10"/>
+          <p:cNvPicPr>
+            <a:picLocks noGrp="1" noChangeAspect="1"/>
+          </p:cNvPicPr>
+          <p:nvPr>
+            <p:ph idx="1"/>
+          </p:nvPr>
         </p:nvPicPr>
         <p:blipFill>
           <a:blip r:embed="rId3" cstate="print">
@@ -12414,19 +12624,16 @@
         </p:blipFill>
         <p:spPr>
           <a:xfrm>
-            <a:off x="6096000" y="1690688"/>
-            <a:ext cx="4320000" cy="4320000"/>
-          </a:xfrm>
-          <a:prstGeom prst="rect">
-            <a:avLst/>
-          </a:prstGeom>
-        </p:spPr>
-      </p:pic>
-      <p:pic>
-        <p:nvPicPr>
-          <p:cNvPr id="8" name="Picture 4" descr="https://timgsa.baidu.com/timg?image&amp;quality=80&amp;size=b9999_10000&amp;sec=1571942598977&amp;di=62fda19cdc0fe8b6213b1b0e335bd1ba&amp;imgtype=0&amp;src=http%3A%2F%2Fcdn.onlinewebfonts.com%2Fsvg%2Fimg_326384.png"/>
-          <p:cNvPicPr>
-            <a:picLocks noChangeAspect="1" noChangeArrowheads="1"/>
+            <a:off x="838200" y="1690688"/>
+            <a:ext cx="3502285" cy="4320000"/>
+          </a:xfrm>
+        </p:spPr>
+      </p:pic>
+      <p:pic>
+        <p:nvPicPr>
+          <p:cNvPr id="16" name="图片 15"/>
+          <p:cNvPicPr>
+            <a:picLocks noChangeAspect="1"/>
           </p:cNvPicPr>
           <p:nvPr/>
         </p:nvPicPr>
@@ -12438,88 +12645,30 @@
               </a:ext>
             </a:extLst>
           </a:blip>
-          <a:srcRect/>
-          <a:stretch>
-            <a:fillRect/>
-          </a:stretch>
-        </p:blipFill>
-        <p:spPr bwMode="auto">
-          <a:xfrm>
-            <a:off x="11353800" y="5975393"/>
-            <a:ext cx="727364" cy="745624"/>
-          </a:xfrm>
-          <a:prstGeom prst="rect">
-            <a:avLst/>
-          </a:prstGeom>
-          <a:noFill/>
-          <a:extLst>
-            <a:ext uri="{909E8E84-426E-40DD-AFC4-6F175D3DCCD1}">
-              <a14:hiddenFill xmlns:a14="http://schemas.microsoft.com/office/drawing/2010/main">
-                <a:solidFill>
-                  <a:srgbClr val="FFFFFF"/>
-                </a:solidFill>
-              </a14:hiddenFill>
-            </a:ext>
-          </a:extLst>
-        </p:spPr>
-      </p:pic>
-      <p:sp>
-        <p:nvSpPr>
-          <p:cNvPr id="9" name="矩形 8"/>
-          <p:cNvSpPr/>
-          <p:nvPr/>
-        </p:nvSpPr>
+          <a:stretch>
+            <a:fillRect/>
+          </a:stretch>
+        </p:blipFill>
         <p:spPr>
           <a:xfrm>
-            <a:off x="3587482" y="6383355"/>
-            <a:ext cx="7766318" cy="338554"/>
-          </a:xfrm>
-          <a:prstGeom prst="rect">
-            <a:avLst/>
-          </a:prstGeom>
-        </p:spPr>
-        <p:txBody>
-          <a:bodyPr wrap="square">
-            <a:spAutoFit/>
-          </a:bodyPr>
-          <a:lstStyle/>
-          <a:p>
-            <a:pPr algn="r"/>
-            <a:r>
-              <a:rPr lang="en-US" altLang="zh-CN" sz="1600" dirty="0">
-                <a:latin typeface="Bahnschrift SemiLight" panose="020B0502040204020203" pitchFamily="34" charset="0"/>
-              </a:rPr>
-              <a:t>GitHub: </a:t>
-            </a:r>
-            <a:r>
-              <a:rPr lang="en-US" altLang="zh-CN" sz="1600" dirty="0">
-                <a:latin typeface="Bahnschrift SemiLight" panose="020B0502040204020203" pitchFamily="34" charset="0"/>
-                <a:hlinkClick r:id="rId5"/>
-              </a:rPr>
-              <a:t>https://github.com/jerryweihuajing/Post-Processing</a:t>
-            </a:r>
-            <a:endParaRPr lang="en-US" altLang="zh-CN" sz="1600" dirty="0">
-              <a:latin typeface="Bahnschrift SemiLight" panose="020B0502040204020203" pitchFamily="34" charset="0"/>
-            </a:endParaRPr>
-          </a:p>
-        </p:txBody>
-      </p:sp>
-      <p:pic>
-        <p:nvPicPr>
-          <p:cNvPr id="11" name="图片 10">
-            <a:extLst>
-              <a:ext uri="{FF2B5EF4-FFF2-40B4-BE49-F238E27FC236}">
-                <a16:creationId xmlns:a16="http://schemas.microsoft.com/office/drawing/2014/main" id="{A23A39F3-DC3A-4C32-909F-0ED9880F6E11}"/>
-              </a:ext>
-            </a:extLst>
-          </p:cNvPr>
+            <a:off x="4444859" y="3850688"/>
+            <a:ext cx="3302281" cy="2160000"/>
+          </a:xfrm>
+          <a:prstGeom prst="rect">
+            <a:avLst/>
+          </a:prstGeom>
+        </p:spPr>
+      </p:pic>
+      <p:pic>
+        <p:nvPicPr>
+          <p:cNvPr id="17" name="图片 16"/>
           <p:cNvPicPr>
             <a:picLocks noChangeAspect="1"/>
           </p:cNvPicPr>
           <p:nvPr/>
         </p:nvPicPr>
         <p:blipFill>
-          <a:blip r:embed="rId6">
+          <a:blip r:embed="rId5" cstate="print">
             <a:extLst>
               <a:ext uri="{28A0092B-C50C-407E-A947-70E740481C1C}">
                 <a14:useLocalDpi xmlns:a14="http://schemas.microsoft.com/office/drawing/2010/main" val="0"/>
@@ -12532,38 +12681,8 @@
         </p:blipFill>
         <p:spPr>
           <a:xfrm>
-            <a:off x="9022080" y="681037"/>
-            <a:ext cx="2331720" cy="579454"/>
-          </a:xfrm>
-          <a:prstGeom prst="rect">
-            <a:avLst/>
-          </a:prstGeom>
-        </p:spPr>
-      </p:pic>
-      <p:pic>
-        <p:nvPicPr>
-          <p:cNvPr id="12" name="图片 11"/>
-          <p:cNvPicPr>
-            <a:picLocks noChangeAspect="1"/>
-          </p:cNvPicPr>
-          <p:nvPr/>
-        </p:nvPicPr>
-        <p:blipFill>
-          <a:blip r:embed="rId7" cstate="print">
-            <a:extLst>
-              <a:ext uri="{28A0092B-C50C-407E-A947-70E740481C1C}">
-                <a14:useLocalDpi xmlns:a14="http://schemas.microsoft.com/office/drawing/2010/main" val="0"/>
-              </a:ext>
-            </a:extLst>
-          </a:blip>
-          <a:stretch>
-            <a:fillRect/>
-          </a:stretch>
-        </p:blipFill>
-        <p:spPr>
-          <a:xfrm>
-            <a:off x="249935" y="6440600"/>
-            <a:ext cx="1176530" cy="280417"/>
+            <a:off x="7851514" y="1690688"/>
+            <a:ext cx="3502285" cy="4320000"/>
           </a:xfrm>
           <a:prstGeom prst="rect">
             <a:avLst/>
@@ -12573,7 +12692,7 @@
     </p:spTree>
     <p:extLst>
       <p:ext uri="{BB962C8B-B14F-4D97-AF65-F5344CB8AC3E}">
-        <p14:creationId xmlns:p14="http://schemas.microsoft.com/office/powerpoint/2010/main" val="3230279141"/>
+        <p14:creationId xmlns:p14="http://schemas.microsoft.com/office/powerpoint/2010/main" val="1336377020"/>
       </p:ext>
     </p:extLst>
   </p:cSld>
